--- a/PermainanTikTakTu.pptx
+++ b/PermainanTikTakTu.pptx
@@ -1,38 +1,38 @@
 
 <file path=ppt/presentation.xml><?xml version="1.0" encoding="utf-8"?>
-<p:presentation xmlns:a="http://schemas.openxmlformats.org/drawingml/2006/main" xmlns:r="http://schemas.openxmlformats.org/officeDocument/2006/relationships" xmlns:p="http://schemas.openxmlformats.org/presentationml/2006/main" saveSubsetFonts="1">
+<p:presentation xmlns:a="http://schemas.openxmlformats.org/drawingml/2006/main" xmlns:r="http://schemas.openxmlformats.org/officeDocument/2006/relationships" xmlns:p="http://schemas.openxmlformats.org/presentationml/2006/main">
   <p:sldMasterIdLst>
     <p:sldMasterId id="2147483648" r:id="rId1"/>
   </p:sldMasterIdLst>
   <p:sldIdLst>
-    <p:sldId id="257" r:id="rId2"/>
-    <p:sldId id="258" r:id="rId3"/>
-    <p:sldId id="277" r:id="rId4"/>
-    <p:sldId id="259" r:id="rId5"/>
-    <p:sldId id="278" r:id="rId6"/>
-    <p:sldId id="260" r:id="rId7"/>
-    <p:sldId id="279" r:id="rId8"/>
-    <p:sldId id="261" r:id="rId9"/>
-    <p:sldId id="280" r:id="rId10"/>
-    <p:sldId id="262" r:id="rId11"/>
-    <p:sldId id="281" r:id="rId12"/>
-    <p:sldId id="263" r:id="rId13"/>
-    <p:sldId id="282" r:id="rId14"/>
-    <p:sldId id="264" r:id="rId15"/>
-    <p:sldId id="283" r:id="rId16"/>
-    <p:sldId id="265" r:id="rId17"/>
-    <p:sldId id="284" r:id="rId18"/>
-    <p:sldId id="266" r:id="rId19"/>
-    <p:sldId id="285" r:id="rId20"/>
-    <p:sldId id="267" r:id="rId21"/>
-    <p:sldId id="268" r:id="rId22"/>
-    <p:sldId id="269" r:id="rId23"/>
-    <p:sldId id="270" r:id="rId24"/>
-    <p:sldId id="271" r:id="rId25"/>
-    <p:sldId id="273" r:id="rId26"/>
-    <p:sldId id="276" r:id="rId27"/>
-    <p:sldId id="274" r:id="rId28"/>
-    <p:sldId id="275" r:id="rId29"/>
+    <p:sldId id="257" r:id="rId3"/>
+    <p:sldId id="258" r:id="rId4"/>
+    <p:sldId id="277" r:id="rId5"/>
+    <p:sldId id="259" r:id="rId6"/>
+    <p:sldId id="278" r:id="rId7"/>
+    <p:sldId id="260" r:id="rId8"/>
+    <p:sldId id="279" r:id="rId9"/>
+    <p:sldId id="261" r:id="rId10"/>
+    <p:sldId id="280" r:id="rId11"/>
+    <p:sldId id="262" r:id="rId12"/>
+    <p:sldId id="281" r:id="rId13"/>
+    <p:sldId id="263" r:id="rId14"/>
+    <p:sldId id="282" r:id="rId15"/>
+    <p:sldId id="264" r:id="rId16"/>
+    <p:sldId id="283" r:id="rId17"/>
+    <p:sldId id="265" r:id="rId18"/>
+    <p:sldId id="284" r:id="rId19"/>
+    <p:sldId id="266" r:id="rId20"/>
+    <p:sldId id="285" r:id="rId21"/>
+    <p:sldId id="267" r:id="rId22"/>
+    <p:sldId id="268" r:id="rId23"/>
+    <p:sldId id="269" r:id="rId24"/>
+    <p:sldId id="270" r:id="rId25"/>
+    <p:sldId id="271" r:id="rId26"/>
+    <p:sldId id="273" r:id="rId27"/>
+    <p:sldId id="276" r:id="rId28"/>
+    <p:sldId id="274" r:id="rId29"/>
+    <p:sldId id="275" r:id="rId30"/>
   </p:sldIdLst>
   <p:sldSz cx="12192000" cy="6858000"/>
   <p:notesSz cx="6858000" cy="9144000"/>
@@ -131,11 +131,6 @@
       </a:defRPr>
     </a:lvl9pPr>
   </p:defaultTextStyle>
-  <p:extLst>
-    <p:ext uri="{EFAFB233-063F-42B5-8137-9DF3F51BA10A}">
-      <p15:sldGuideLst xmlns:p15="http://schemas.microsoft.com/office/powerpoint/2012/main"/>
-    </p:ext>
-  </p:extLst>
 </p:presentation>
 </file>
 
@@ -158,13 +153,7 @@
       </p:grpSpPr>
       <p:sp>
         <p:nvSpPr>
-          <p:cNvPr id="2" name="Title 1">
-            <a:extLst>
-              <a:ext uri="{FF2B5EF4-FFF2-40B4-BE49-F238E27FC236}">
-                <a16:creationId xmlns:a16="http://schemas.microsoft.com/office/drawing/2014/main" id="{E417DD5D-103E-2647-4009-8FEAF22AF1EC}"/>
-              </a:ext>
-            </a:extLst>
-          </p:cNvPr>
+          <p:cNvPr id="2" name="Title 1"/>
           <p:cNvSpPr>
             <a:spLocks noGrp="1"/>
           </p:cNvSpPr>
@@ -196,13 +185,7 @@
       </p:sp>
       <p:sp>
         <p:nvSpPr>
-          <p:cNvPr id="3" name="Subtitle 2">
-            <a:extLst>
-              <a:ext uri="{FF2B5EF4-FFF2-40B4-BE49-F238E27FC236}">
-                <a16:creationId xmlns:a16="http://schemas.microsoft.com/office/drawing/2014/main" id="{5E8BD714-D363-995B-B1F3-43E21183BDB8}"/>
-              </a:ext>
-            </a:extLst>
-          </p:cNvPr>
+          <p:cNvPr id="3" name="Subtitle 2"/>
           <p:cNvSpPr>
             <a:spLocks noGrp="1"/>
           </p:cNvSpPr>
@@ -267,13 +250,7 @@
       </p:sp>
       <p:sp>
         <p:nvSpPr>
-          <p:cNvPr id="4" name="Date Placeholder 3">
-            <a:extLst>
-              <a:ext uri="{FF2B5EF4-FFF2-40B4-BE49-F238E27FC236}">
-                <a16:creationId xmlns:a16="http://schemas.microsoft.com/office/drawing/2014/main" id="{94934B60-4DDB-0C78-6D60-A9CBD4BD06CD}"/>
-              </a:ext>
-            </a:extLst>
-          </p:cNvPr>
+          <p:cNvPr id="4" name="Date Placeholder 3"/>
           <p:cNvSpPr>
             <a:spLocks noGrp="1"/>
           </p:cNvSpPr>
@@ -288,7 +265,6 @@
           <a:p>
             <a:fld id="{47E819FE-1872-4D46-A417-F553A8AC67DA}" type="datetimeFigureOut">
               <a:rPr lang="en-ID" smtClean="0"/>
-              <a:t>29/08/2024</a:t>
             </a:fld>
             <a:endParaRPr lang="en-ID"/>
           </a:p>
@@ -296,13 +272,7 @@
       </p:sp>
       <p:sp>
         <p:nvSpPr>
-          <p:cNvPr id="5" name="Footer Placeholder 4">
-            <a:extLst>
-              <a:ext uri="{FF2B5EF4-FFF2-40B4-BE49-F238E27FC236}">
-                <a16:creationId xmlns:a16="http://schemas.microsoft.com/office/drawing/2014/main" id="{6ECC5140-0F4B-506D-C285-B3288F2BB6A9}"/>
-              </a:ext>
-            </a:extLst>
-          </p:cNvPr>
+          <p:cNvPr id="5" name="Footer Placeholder 4"/>
           <p:cNvSpPr>
             <a:spLocks noGrp="1"/>
           </p:cNvSpPr>
@@ -321,13 +291,7 @@
       </p:sp>
       <p:sp>
         <p:nvSpPr>
-          <p:cNvPr id="6" name="Slide Number Placeholder 5">
-            <a:extLst>
-              <a:ext uri="{FF2B5EF4-FFF2-40B4-BE49-F238E27FC236}">
-                <a16:creationId xmlns:a16="http://schemas.microsoft.com/office/drawing/2014/main" id="{27748433-7DA0-442C-C8BA-C235CC1C2DD5}"/>
-              </a:ext>
-            </a:extLst>
-          </p:cNvPr>
+          <p:cNvPr id="6" name="Slide Number Placeholder 5"/>
           <p:cNvSpPr>
             <a:spLocks noGrp="1"/>
           </p:cNvSpPr>
@@ -342,18 +306,12 @@
           <a:p>
             <a:fld id="{6A128ECD-7D01-48F0-9FCB-E31CD84F6C7A}" type="slidenum">
               <a:rPr lang="en-ID" smtClean="0"/>
-              <a:t>‹#›</a:t>
             </a:fld>
             <a:endParaRPr lang="en-ID"/>
           </a:p>
         </p:txBody>
       </p:sp>
     </p:spTree>
-    <p:extLst>
-      <p:ext uri="{BB962C8B-B14F-4D97-AF65-F5344CB8AC3E}">
-        <p14:creationId xmlns:p14="http://schemas.microsoft.com/office/powerpoint/2010/main" val="3158248470"/>
-      </p:ext>
-    </p:extLst>
   </p:cSld>
   <p:clrMapOvr>
     <a:masterClrMapping/>
@@ -380,13 +338,7 @@
       </p:grpSpPr>
       <p:sp>
         <p:nvSpPr>
-          <p:cNvPr id="2" name="Title 1">
-            <a:extLst>
-              <a:ext uri="{FF2B5EF4-FFF2-40B4-BE49-F238E27FC236}">
-                <a16:creationId xmlns:a16="http://schemas.microsoft.com/office/drawing/2014/main" id="{4A0AAF6C-0113-368F-8E6E-2AE79C794B1E}"/>
-              </a:ext>
-            </a:extLst>
-          </p:cNvPr>
+          <p:cNvPr id="2" name="Title 1"/>
           <p:cNvSpPr>
             <a:spLocks noGrp="1"/>
           </p:cNvSpPr>
@@ -409,13 +361,7 @@
       </p:sp>
       <p:sp>
         <p:nvSpPr>
-          <p:cNvPr id="3" name="Vertical Text Placeholder 2">
-            <a:extLst>
-              <a:ext uri="{FF2B5EF4-FFF2-40B4-BE49-F238E27FC236}">
-                <a16:creationId xmlns:a16="http://schemas.microsoft.com/office/drawing/2014/main" id="{CB151D18-A194-9D19-7921-AA3824771CF3}"/>
-              </a:ext>
-            </a:extLst>
-          </p:cNvPr>
+          <p:cNvPr id="3" name="Vertical Text Placeholder 2"/>
           <p:cNvSpPr>
             <a:spLocks noGrp="1"/>
           </p:cNvSpPr>
@@ -433,6 +379,7 @@
               <a:rPr lang="en-US"/>
               <a:t>Click to edit Master text styles</a:t>
             </a:r>
+            <a:endParaRPr lang="en-US"/>
           </a:p>
           <a:p>
             <a:pPr lvl="1"/>
@@ -440,6 +387,7 @@
               <a:rPr lang="en-US"/>
               <a:t>Second level</a:t>
             </a:r>
+            <a:endParaRPr lang="en-US"/>
           </a:p>
           <a:p>
             <a:pPr lvl="2"/>
@@ -447,6 +395,7 @@
               <a:rPr lang="en-US"/>
               <a:t>Third level</a:t>
             </a:r>
+            <a:endParaRPr lang="en-US"/>
           </a:p>
           <a:p>
             <a:pPr lvl="3"/>
@@ -454,6 +403,7 @@
               <a:rPr lang="en-US"/>
               <a:t>Fourth level</a:t>
             </a:r>
+            <a:endParaRPr lang="en-US"/>
           </a:p>
           <a:p>
             <a:pPr lvl="4"/>
@@ -467,13 +417,7 @@
       </p:sp>
       <p:sp>
         <p:nvSpPr>
-          <p:cNvPr id="4" name="Date Placeholder 3">
-            <a:extLst>
-              <a:ext uri="{FF2B5EF4-FFF2-40B4-BE49-F238E27FC236}">
-                <a16:creationId xmlns:a16="http://schemas.microsoft.com/office/drawing/2014/main" id="{DA30D55F-F62C-745B-F7D4-75AD25C8CAD7}"/>
-              </a:ext>
-            </a:extLst>
-          </p:cNvPr>
+          <p:cNvPr id="4" name="Date Placeholder 3"/>
           <p:cNvSpPr>
             <a:spLocks noGrp="1"/>
           </p:cNvSpPr>
@@ -488,7 +432,6 @@
           <a:p>
             <a:fld id="{47E819FE-1872-4D46-A417-F553A8AC67DA}" type="datetimeFigureOut">
               <a:rPr lang="en-ID" smtClean="0"/>
-              <a:t>29/08/2024</a:t>
             </a:fld>
             <a:endParaRPr lang="en-ID"/>
           </a:p>
@@ -496,13 +439,7 @@
       </p:sp>
       <p:sp>
         <p:nvSpPr>
-          <p:cNvPr id="5" name="Footer Placeholder 4">
-            <a:extLst>
-              <a:ext uri="{FF2B5EF4-FFF2-40B4-BE49-F238E27FC236}">
-                <a16:creationId xmlns:a16="http://schemas.microsoft.com/office/drawing/2014/main" id="{F779E2AA-9388-7B7F-8150-E578B5AB7D50}"/>
-              </a:ext>
-            </a:extLst>
-          </p:cNvPr>
+          <p:cNvPr id="5" name="Footer Placeholder 4"/>
           <p:cNvSpPr>
             <a:spLocks noGrp="1"/>
           </p:cNvSpPr>
@@ -521,13 +458,7 @@
       </p:sp>
       <p:sp>
         <p:nvSpPr>
-          <p:cNvPr id="6" name="Slide Number Placeholder 5">
-            <a:extLst>
-              <a:ext uri="{FF2B5EF4-FFF2-40B4-BE49-F238E27FC236}">
-                <a16:creationId xmlns:a16="http://schemas.microsoft.com/office/drawing/2014/main" id="{B984EA7D-8E92-4505-7DCA-1F4B8FC748D1}"/>
-              </a:ext>
-            </a:extLst>
-          </p:cNvPr>
+          <p:cNvPr id="6" name="Slide Number Placeholder 5"/>
           <p:cNvSpPr>
             <a:spLocks noGrp="1"/>
           </p:cNvSpPr>
@@ -542,18 +473,12 @@
           <a:p>
             <a:fld id="{6A128ECD-7D01-48F0-9FCB-E31CD84F6C7A}" type="slidenum">
               <a:rPr lang="en-ID" smtClean="0"/>
-              <a:t>‹#›</a:t>
             </a:fld>
             <a:endParaRPr lang="en-ID"/>
           </a:p>
         </p:txBody>
       </p:sp>
     </p:spTree>
-    <p:extLst>
-      <p:ext uri="{BB962C8B-B14F-4D97-AF65-F5344CB8AC3E}">
-        <p14:creationId xmlns:p14="http://schemas.microsoft.com/office/powerpoint/2010/main" val="1465330286"/>
-      </p:ext>
-    </p:extLst>
   </p:cSld>
   <p:clrMapOvr>
     <a:masterClrMapping/>
@@ -580,13 +505,7 @@
       </p:grpSpPr>
       <p:sp>
         <p:nvSpPr>
-          <p:cNvPr id="2" name="Vertical Title 1">
-            <a:extLst>
-              <a:ext uri="{FF2B5EF4-FFF2-40B4-BE49-F238E27FC236}">
-                <a16:creationId xmlns:a16="http://schemas.microsoft.com/office/drawing/2014/main" id="{80B7BEA4-915B-1136-66C4-90455DBE4B72}"/>
-              </a:ext>
-            </a:extLst>
-          </p:cNvPr>
+          <p:cNvPr id="2" name="Vertical Title 1"/>
           <p:cNvSpPr>
             <a:spLocks noGrp="1"/>
           </p:cNvSpPr>
@@ -614,13 +533,7 @@
       </p:sp>
       <p:sp>
         <p:nvSpPr>
-          <p:cNvPr id="3" name="Vertical Text Placeholder 2">
-            <a:extLst>
-              <a:ext uri="{FF2B5EF4-FFF2-40B4-BE49-F238E27FC236}">
-                <a16:creationId xmlns:a16="http://schemas.microsoft.com/office/drawing/2014/main" id="{16759DBE-5692-B89B-0A01-4FDA670371B5}"/>
-              </a:ext>
-            </a:extLst>
-          </p:cNvPr>
+          <p:cNvPr id="3" name="Vertical Text Placeholder 2"/>
           <p:cNvSpPr>
             <a:spLocks noGrp="1"/>
           </p:cNvSpPr>
@@ -643,6 +556,7 @@
               <a:rPr lang="en-US"/>
               <a:t>Click to edit Master text styles</a:t>
             </a:r>
+            <a:endParaRPr lang="en-US"/>
           </a:p>
           <a:p>
             <a:pPr lvl="1"/>
@@ -650,6 +564,7 @@
               <a:rPr lang="en-US"/>
               <a:t>Second level</a:t>
             </a:r>
+            <a:endParaRPr lang="en-US"/>
           </a:p>
           <a:p>
             <a:pPr lvl="2"/>
@@ -657,6 +572,7 @@
               <a:rPr lang="en-US"/>
               <a:t>Third level</a:t>
             </a:r>
+            <a:endParaRPr lang="en-US"/>
           </a:p>
           <a:p>
             <a:pPr lvl="3"/>
@@ -664,6 +580,7 @@
               <a:rPr lang="en-US"/>
               <a:t>Fourth level</a:t>
             </a:r>
+            <a:endParaRPr lang="en-US"/>
           </a:p>
           <a:p>
             <a:pPr lvl="4"/>
@@ -677,13 +594,7 @@
       </p:sp>
       <p:sp>
         <p:nvSpPr>
-          <p:cNvPr id="4" name="Date Placeholder 3">
-            <a:extLst>
-              <a:ext uri="{FF2B5EF4-FFF2-40B4-BE49-F238E27FC236}">
-                <a16:creationId xmlns:a16="http://schemas.microsoft.com/office/drawing/2014/main" id="{2D41CD98-7346-8D33-7FC7-B2ED427115FE}"/>
-              </a:ext>
-            </a:extLst>
-          </p:cNvPr>
+          <p:cNvPr id="4" name="Date Placeholder 3"/>
           <p:cNvSpPr>
             <a:spLocks noGrp="1"/>
           </p:cNvSpPr>
@@ -698,7 +609,6 @@
           <a:p>
             <a:fld id="{47E819FE-1872-4D46-A417-F553A8AC67DA}" type="datetimeFigureOut">
               <a:rPr lang="en-ID" smtClean="0"/>
-              <a:t>29/08/2024</a:t>
             </a:fld>
             <a:endParaRPr lang="en-ID"/>
           </a:p>
@@ -706,13 +616,7 @@
       </p:sp>
       <p:sp>
         <p:nvSpPr>
-          <p:cNvPr id="5" name="Footer Placeholder 4">
-            <a:extLst>
-              <a:ext uri="{FF2B5EF4-FFF2-40B4-BE49-F238E27FC236}">
-                <a16:creationId xmlns:a16="http://schemas.microsoft.com/office/drawing/2014/main" id="{CC7C81F0-1E50-2AA3-52C0-1E8F6795400B}"/>
-              </a:ext>
-            </a:extLst>
-          </p:cNvPr>
+          <p:cNvPr id="5" name="Footer Placeholder 4"/>
           <p:cNvSpPr>
             <a:spLocks noGrp="1"/>
           </p:cNvSpPr>
@@ -731,13 +635,7 @@
       </p:sp>
       <p:sp>
         <p:nvSpPr>
-          <p:cNvPr id="6" name="Slide Number Placeholder 5">
-            <a:extLst>
-              <a:ext uri="{FF2B5EF4-FFF2-40B4-BE49-F238E27FC236}">
-                <a16:creationId xmlns:a16="http://schemas.microsoft.com/office/drawing/2014/main" id="{8CB1809B-7021-C1C4-3C2A-DAC98E4DE916}"/>
-              </a:ext>
-            </a:extLst>
-          </p:cNvPr>
+          <p:cNvPr id="6" name="Slide Number Placeholder 5"/>
           <p:cNvSpPr>
             <a:spLocks noGrp="1"/>
           </p:cNvSpPr>
@@ -752,18 +650,12 @@
           <a:p>
             <a:fld id="{6A128ECD-7D01-48F0-9FCB-E31CD84F6C7A}" type="slidenum">
               <a:rPr lang="en-ID" smtClean="0"/>
-              <a:t>‹#›</a:t>
             </a:fld>
             <a:endParaRPr lang="en-ID"/>
           </a:p>
         </p:txBody>
       </p:sp>
     </p:spTree>
-    <p:extLst>
-      <p:ext uri="{BB962C8B-B14F-4D97-AF65-F5344CB8AC3E}">
-        <p14:creationId xmlns:p14="http://schemas.microsoft.com/office/powerpoint/2010/main" val="1052645232"/>
-      </p:ext>
-    </p:extLst>
   </p:cSld>
   <p:clrMapOvr>
     <a:masterClrMapping/>
@@ -790,13 +682,7 @@
       </p:grpSpPr>
       <p:sp>
         <p:nvSpPr>
-          <p:cNvPr id="2" name="Title 1">
-            <a:extLst>
-              <a:ext uri="{FF2B5EF4-FFF2-40B4-BE49-F238E27FC236}">
-                <a16:creationId xmlns:a16="http://schemas.microsoft.com/office/drawing/2014/main" id="{05F16456-0701-15E8-9225-17272F2DC589}"/>
-              </a:ext>
-            </a:extLst>
-          </p:cNvPr>
+          <p:cNvPr id="2" name="Title 1"/>
           <p:cNvSpPr>
             <a:spLocks noGrp="1"/>
           </p:cNvSpPr>
@@ -819,13 +705,7 @@
       </p:sp>
       <p:sp>
         <p:nvSpPr>
-          <p:cNvPr id="3" name="Content Placeholder 2">
-            <a:extLst>
-              <a:ext uri="{FF2B5EF4-FFF2-40B4-BE49-F238E27FC236}">
-                <a16:creationId xmlns:a16="http://schemas.microsoft.com/office/drawing/2014/main" id="{2D0894FF-537B-5516-3AF6-0091BDA003F3}"/>
-              </a:ext>
-            </a:extLst>
-          </p:cNvPr>
+          <p:cNvPr id="3" name="Content Placeholder 2"/>
           <p:cNvSpPr>
             <a:spLocks noGrp="1"/>
           </p:cNvSpPr>
@@ -843,6 +723,7 @@
               <a:rPr lang="en-US"/>
               <a:t>Click to edit Master text styles</a:t>
             </a:r>
+            <a:endParaRPr lang="en-US"/>
           </a:p>
           <a:p>
             <a:pPr lvl="1"/>
@@ -850,6 +731,7 @@
               <a:rPr lang="en-US"/>
               <a:t>Second level</a:t>
             </a:r>
+            <a:endParaRPr lang="en-US"/>
           </a:p>
           <a:p>
             <a:pPr lvl="2"/>
@@ -857,6 +739,7 @@
               <a:rPr lang="en-US"/>
               <a:t>Third level</a:t>
             </a:r>
+            <a:endParaRPr lang="en-US"/>
           </a:p>
           <a:p>
             <a:pPr lvl="3"/>
@@ -864,6 +747,7 @@
               <a:rPr lang="en-US"/>
               <a:t>Fourth level</a:t>
             </a:r>
+            <a:endParaRPr lang="en-US"/>
           </a:p>
           <a:p>
             <a:pPr lvl="4"/>
@@ -877,13 +761,7 @@
       </p:sp>
       <p:sp>
         <p:nvSpPr>
-          <p:cNvPr id="4" name="Date Placeholder 3">
-            <a:extLst>
-              <a:ext uri="{FF2B5EF4-FFF2-40B4-BE49-F238E27FC236}">
-                <a16:creationId xmlns:a16="http://schemas.microsoft.com/office/drawing/2014/main" id="{4879373D-4FE9-9BA5-BC78-FFA336967E8E}"/>
-              </a:ext>
-            </a:extLst>
-          </p:cNvPr>
+          <p:cNvPr id="4" name="Date Placeholder 3"/>
           <p:cNvSpPr>
             <a:spLocks noGrp="1"/>
           </p:cNvSpPr>
@@ -898,7 +776,6 @@
           <a:p>
             <a:fld id="{47E819FE-1872-4D46-A417-F553A8AC67DA}" type="datetimeFigureOut">
               <a:rPr lang="en-ID" smtClean="0"/>
-              <a:t>29/08/2024</a:t>
             </a:fld>
             <a:endParaRPr lang="en-ID"/>
           </a:p>
@@ -906,13 +783,7 @@
       </p:sp>
       <p:sp>
         <p:nvSpPr>
-          <p:cNvPr id="5" name="Footer Placeholder 4">
-            <a:extLst>
-              <a:ext uri="{FF2B5EF4-FFF2-40B4-BE49-F238E27FC236}">
-                <a16:creationId xmlns:a16="http://schemas.microsoft.com/office/drawing/2014/main" id="{F3A98376-B375-1F0F-63D0-A8D3159A495C}"/>
-              </a:ext>
-            </a:extLst>
-          </p:cNvPr>
+          <p:cNvPr id="5" name="Footer Placeholder 4"/>
           <p:cNvSpPr>
             <a:spLocks noGrp="1"/>
           </p:cNvSpPr>
@@ -931,13 +802,7 @@
       </p:sp>
       <p:sp>
         <p:nvSpPr>
-          <p:cNvPr id="6" name="Slide Number Placeholder 5">
-            <a:extLst>
-              <a:ext uri="{FF2B5EF4-FFF2-40B4-BE49-F238E27FC236}">
-                <a16:creationId xmlns:a16="http://schemas.microsoft.com/office/drawing/2014/main" id="{68E1699C-C12B-B566-4BC9-38B4AAEDFC89}"/>
-              </a:ext>
-            </a:extLst>
-          </p:cNvPr>
+          <p:cNvPr id="6" name="Slide Number Placeholder 5"/>
           <p:cNvSpPr>
             <a:spLocks noGrp="1"/>
           </p:cNvSpPr>
@@ -952,18 +817,12 @@
           <a:p>
             <a:fld id="{6A128ECD-7D01-48F0-9FCB-E31CD84F6C7A}" type="slidenum">
               <a:rPr lang="en-ID" smtClean="0"/>
-              <a:t>‹#›</a:t>
             </a:fld>
             <a:endParaRPr lang="en-ID"/>
           </a:p>
         </p:txBody>
       </p:sp>
     </p:spTree>
-    <p:extLst>
-      <p:ext uri="{BB962C8B-B14F-4D97-AF65-F5344CB8AC3E}">
-        <p14:creationId xmlns:p14="http://schemas.microsoft.com/office/powerpoint/2010/main" val="2513597872"/>
-      </p:ext>
-    </p:extLst>
   </p:cSld>
   <p:clrMapOvr>
     <a:masterClrMapping/>
@@ -990,13 +849,7 @@
       </p:grpSpPr>
       <p:sp>
         <p:nvSpPr>
-          <p:cNvPr id="2" name="Title 1">
-            <a:extLst>
-              <a:ext uri="{FF2B5EF4-FFF2-40B4-BE49-F238E27FC236}">
-                <a16:creationId xmlns:a16="http://schemas.microsoft.com/office/drawing/2014/main" id="{7C307A53-1064-1423-D298-1F19AD93FFD2}"/>
-              </a:ext>
-            </a:extLst>
-          </p:cNvPr>
+          <p:cNvPr id="2" name="Title 1"/>
           <p:cNvSpPr>
             <a:spLocks noGrp="1"/>
           </p:cNvSpPr>
@@ -1028,13 +881,7 @@
       </p:sp>
       <p:sp>
         <p:nvSpPr>
-          <p:cNvPr id="3" name="Text Placeholder 2">
-            <a:extLst>
-              <a:ext uri="{FF2B5EF4-FFF2-40B4-BE49-F238E27FC236}">
-                <a16:creationId xmlns:a16="http://schemas.microsoft.com/office/drawing/2014/main" id="{BFB210B0-4798-9850-3EC8-6991E744F8EE}"/>
-              </a:ext>
-            </a:extLst>
-          </p:cNvPr>
+          <p:cNvPr id="3" name="Text Placeholder 2"/>
           <p:cNvSpPr>
             <a:spLocks noGrp="1"/>
           </p:cNvSpPr>
@@ -1148,18 +995,13 @@
               <a:rPr lang="en-US"/>
               <a:t>Click to edit Master text styles</a:t>
             </a:r>
-          </a:p>
-        </p:txBody>
-      </p:sp>
-      <p:sp>
-        <p:nvSpPr>
-          <p:cNvPr id="4" name="Date Placeholder 3">
-            <a:extLst>
-              <a:ext uri="{FF2B5EF4-FFF2-40B4-BE49-F238E27FC236}">
-                <a16:creationId xmlns:a16="http://schemas.microsoft.com/office/drawing/2014/main" id="{02590CF8-EFD0-E584-2B2D-8262AF107281}"/>
-              </a:ext>
-            </a:extLst>
-          </p:cNvPr>
+            <a:endParaRPr lang="en-US"/>
+          </a:p>
+        </p:txBody>
+      </p:sp>
+      <p:sp>
+        <p:nvSpPr>
+          <p:cNvPr id="4" name="Date Placeholder 3"/>
           <p:cNvSpPr>
             <a:spLocks noGrp="1"/>
           </p:cNvSpPr>
@@ -1174,7 +1016,6 @@
           <a:p>
             <a:fld id="{47E819FE-1872-4D46-A417-F553A8AC67DA}" type="datetimeFigureOut">
               <a:rPr lang="en-ID" smtClean="0"/>
-              <a:t>29/08/2024</a:t>
             </a:fld>
             <a:endParaRPr lang="en-ID"/>
           </a:p>
@@ -1182,13 +1023,7 @@
       </p:sp>
       <p:sp>
         <p:nvSpPr>
-          <p:cNvPr id="5" name="Footer Placeholder 4">
-            <a:extLst>
-              <a:ext uri="{FF2B5EF4-FFF2-40B4-BE49-F238E27FC236}">
-                <a16:creationId xmlns:a16="http://schemas.microsoft.com/office/drawing/2014/main" id="{225D4813-1DE1-8D47-F941-C2116EBB93BB}"/>
-              </a:ext>
-            </a:extLst>
-          </p:cNvPr>
+          <p:cNvPr id="5" name="Footer Placeholder 4"/>
           <p:cNvSpPr>
             <a:spLocks noGrp="1"/>
           </p:cNvSpPr>
@@ -1207,13 +1042,7 @@
       </p:sp>
       <p:sp>
         <p:nvSpPr>
-          <p:cNvPr id="6" name="Slide Number Placeholder 5">
-            <a:extLst>
-              <a:ext uri="{FF2B5EF4-FFF2-40B4-BE49-F238E27FC236}">
-                <a16:creationId xmlns:a16="http://schemas.microsoft.com/office/drawing/2014/main" id="{9677CC4F-4A44-459C-634F-D6811440E168}"/>
-              </a:ext>
-            </a:extLst>
-          </p:cNvPr>
+          <p:cNvPr id="6" name="Slide Number Placeholder 5"/>
           <p:cNvSpPr>
             <a:spLocks noGrp="1"/>
           </p:cNvSpPr>
@@ -1228,18 +1057,12 @@
           <a:p>
             <a:fld id="{6A128ECD-7D01-48F0-9FCB-E31CD84F6C7A}" type="slidenum">
               <a:rPr lang="en-ID" smtClean="0"/>
-              <a:t>‹#›</a:t>
             </a:fld>
             <a:endParaRPr lang="en-ID"/>
           </a:p>
         </p:txBody>
       </p:sp>
     </p:spTree>
-    <p:extLst>
-      <p:ext uri="{BB962C8B-B14F-4D97-AF65-F5344CB8AC3E}">
-        <p14:creationId xmlns:p14="http://schemas.microsoft.com/office/powerpoint/2010/main" val="1013312914"/>
-      </p:ext>
-    </p:extLst>
   </p:cSld>
   <p:clrMapOvr>
     <a:masterClrMapping/>
@@ -1266,13 +1089,7 @@
       </p:grpSpPr>
       <p:sp>
         <p:nvSpPr>
-          <p:cNvPr id="2" name="Title 1">
-            <a:extLst>
-              <a:ext uri="{FF2B5EF4-FFF2-40B4-BE49-F238E27FC236}">
-                <a16:creationId xmlns:a16="http://schemas.microsoft.com/office/drawing/2014/main" id="{8D1E600F-1953-8CF0-5D77-9A2CAFE5853F}"/>
-              </a:ext>
-            </a:extLst>
-          </p:cNvPr>
+          <p:cNvPr id="2" name="Title 1"/>
           <p:cNvSpPr>
             <a:spLocks noGrp="1"/>
           </p:cNvSpPr>
@@ -1295,13 +1112,7 @@
       </p:sp>
       <p:sp>
         <p:nvSpPr>
-          <p:cNvPr id="3" name="Content Placeholder 2">
-            <a:extLst>
-              <a:ext uri="{FF2B5EF4-FFF2-40B4-BE49-F238E27FC236}">
-                <a16:creationId xmlns:a16="http://schemas.microsoft.com/office/drawing/2014/main" id="{7CB7AEEF-E3DB-BB99-FB20-B5D10A91589E}"/>
-              </a:ext>
-            </a:extLst>
-          </p:cNvPr>
+          <p:cNvPr id="3" name="Content Placeholder 2"/>
           <p:cNvSpPr>
             <a:spLocks noGrp="1"/>
           </p:cNvSpPr>
@@ -1324,6 +1135,7 @@
               <a:rPr lang="en-US"/>
               <a:t>Click to edit Master text styles</a:t>
             </a:r>
+            <a:endParaRPr lang="en-US"/>
           </a:p>
           <a:p>
             <a:pPr lvl="1"/>
@@ -1331,6 +1143,7 @@
               <a:rPr lang="en-US"/>
               <a:t>Second level</a:t>
             </a:r>
+            <a:endParaRPr lang="en-US"/>
           </a:p>
           <a:p>
             <a:pPr lvl="2"/>
@@ -1338,6 +1151,7 @@
               <a:rPr lang="en-US"/>
               <a:t>Third level</a:t>
             </a:r>
+            <a:endParaRPr lang="en-US"/>
           </a:p>
           <a:p>
             <a:pPr lvl="3"/>
@@ -1345,6 +1159,7 @@
               <a:rPr lang="en-US"/>
               <a:t>Fourth level</a:t>
             </a:r>
+            <a:endParaRPr lang="en-US"/>
           </a:p>
           <a:p>
             <a:pPr lvl="4"/>
@@ -1358,13 +1173,7 @@
       </p:sp>
       <p:sp>
         <p:nvSpPr>
-          <p:cNvPr id="4" name="Content Placeholder 3">
-            <a:extLst>
-              <a:ext uri="{FF2B5EF4-FFF2-40B4-BE49-F238E27FC236}">
-                <a16:creationId xmlns:a16="http://schemas.microsoft.com/office/drawing/2014/main" id="{37C51AC9-A990-A3E8-A942-1920089F9E77}"/>
-              </a:ext>
-            </a:extLst>
-          </p:cNvPr>
+          <p:cNvPr id="4" name="Content Placeholder 3"/>
           <p:cNvSpPr>
             <a:spLocks noGrp="1"/>
           </p:cNvSpPr>
@@ -1387,6 +1196,7 @@
               <a:rPr lang="en-US"/>
               <a:t>Click to edit Master text styles</a:t>
             </a:r>
+            <a:endParaRPr lang="en-US"/>
           </a:p>
           <a:p>
             <a:pPr lvl="1"/>
@@ -1394,6 +1204,7 @@
               <a:rPr lang="en-US"/>
               <a:t>Second level</a:t>
             </a:r>
+            <a:endParaRPr lang="en-US"/>
           </a:p>
           <a:p>
             <a:pPr lvl="2"/>
@@ -1401,6 +1212,7 @@
               <a:rPr lang="en-US"/>
               <a:t>Third level</a:t>
             </a:r>
+            <a:endParaRPr lang="en-US"/>
           </a:p>
           <a:p>
             <a:pPr lvl="3"/>
@@ -1408,6 +1220,7 @@
               <a:rPr lang="en-US"/>
               <a:t>Fourth level</a:t>
             </a:r>
+            <a:endParaRPr lang="en-US"/>
           </a:p>
           <a:p>
             <a:pPr lvl="4"/>
@@ -1421,13 +1234,7 @@
       </p:sp>
       <p:sp>
         <p:nvSpPr>
-          <p:cNvPr id="5" name="Date Placeholder 4">
-            <a:extLst>
-              <a:ext uri="{FF2B5EF4-FFF2-40B4-BE49-F238E27FC236}">
-                <a16:creationId xmlns:a16="http://schemas.microsoft.com/office/drawing/2014/main" id="{140DD9A0-DAA3-F3AF-F21C-A7FFDE9D1293}"/>
-              </a:ext>
-            </a:extLst>
-          </p:cNvPr>
+          <p:cNvPr id="5" name="Date Placeholder 4"/>
           <p:cNvSpPr>
             <a:spLocks noGrp="1"/>
           </p:cNvSpPr>
@@ -1442,7 +1249,6 @@
           <a:p>
             <a:fld id="{47E819FE-1872-4D46-A417-F553A8AC67DA}" type="datetimeFigureOut">
               <a:rPr lang="en-ID" smtClean="0"/>
-              <a:t>29/08/2024</a:t>
             </a:fld>
             <a:endParaRPr lang="en-ID"/>
           </a:p>
@@ -1450,13 +1256,7 @@
       </p:sp>
       <p:sp>
         <p:nvSpPr>
-          <p:cNvPr id="6" name="Footer Placeholder 5">
-            <a:extLst>
-              <a:ext uri="{FF2B5EF4-FFF2-40B4-BE49-F238E27FC236}">
-                <a16:creationId xmlns:a16="http://schemas.microsoft.com/office/drawing/2014/main" id="{FF745948-F1BE-6C39-F245-E5487A4B4FEC}"/>
-              </a:ext>
-            </a:extLst>
-          </p:cNvPr>
+          <p:cNvPr id="6" name="Footer Placeholder 5"/>
           <p:cNvSpPr>
             <a:spLocks noGrp="1"/>
           </p:cNvSpPr>
@@ -1475,13 +1275,7 @@
       </p:sp>
       <p:sp>
         <p:nvSpPr>
-          <p:cNvPr id="7" name="Slide Number Placeholder 6">
-            <a:extLst>
-              <a:ext uri="{FF2B5EF4-FFF2-40B4-BE49-F238E27FC236}">
-                <a16:creationId xmlns:a16="http://schemas.microsoft.com/office/drawing/2014/main" id="{68F09DE7-9DB4-40C0-CF9B-DE6F2B9EDDAC}"/>
-              </a:ext>
-            </a:extLst>
-          </p:cNvPr>
+          <p:cNvPr id="7" name="Slide Number Placeholder 6"/>
           <p:cNvSpPr>
             <a:spLocks noGrp="1"/>
           </p:cNvSpPr>
@@ -1496,18 +1290,12 @@
           <a:p>
             <a:fld id="{6A128ECD-7D01-48F0-9FCB-E31CD84F6C7A}" type="slidenum">
               <a:rPr lang="en-ID" smtClean="0"/>
-              <a:t>‹#›</a:t>
             </a:fld>
             <a:endParaRPr lang="en-ID"/>
           </a:p>
         </p:txBody>
       </p:sp>
     </p:spTree>
-    <p:extLst>
-      <p:ext uri="{BB962C8B-B14F-4D97-AF65-F5344CB8AC3E}">
-        <p14:creationId xmlns:p14="http://schemas.microsoft.com/office/powerpoint/2010/main" val="1734354260"/>
-      </p:ext>
-    </p:extLst>
   </p:cSld>
   <p:clrMapOvr>
     <a:masterClrMapping/>
@@ -1534,13 +1322,7 @@
       </p:grpSpPr>
       <p:sp>
         <p:nvSpPr>
-          <p:cNvPr id="2" name="Title 1">
-            <a:extLst>
-              <a:ext uri="{FF2B5EF4-FFF2-40B4-BE49-F238E27FC236}">
-                <a16:creationId xmlns:a16="http://schemas.microsoft.com/office/drawing/2014/main" id="{12082C30-4423-02E1-715E-AC8D65DB5BC1}"/>
-              </a:ext>
-            </a:extLst>
-          </p:cNvPr>
+          <p:cNvPr id="2" name="Title 1"/>
           <p:cNvSpPr>
             <a:spLocks noGrp="1"/>
           </p:cNvSpPr>
@@ -1568,13 +1350,7 @@
       </p:sp>
       <p:sp>
         <p:nvSpPr>
-          <p:cNvPr id="3" name="Text Placeholder 2">
-            <a:extLst>
-              <a:ext uri="{FF2B5EF4-FFF2-40B4-BE49-F238E27FC236}">
-                <a16:creationId xmlns:a16="http://schemas.microsoft.com/office/drawing/2014/main" id="{DEE54428-2212-6018-B3BF-7E21B3BD0EF7}"/>
-              </a:ext>
-            </a:extLst>
-          </p:cNvPr>
+          <p:cNvPr id="3" name="Text Placeholder 2"/>
           <p:cNvSpPr>
             <a:spLocks noGrp="1"/>
           </p:cNvSpPr>
@@ -1634,18 +1410,13 @@
               <a:rPr lang="en-US"/>
               <a:t>Click to edit Master text styles</a:t>
             </a:r>
-          </a:p>
-        </p:txBody>
-      </p:sp>
-      <p:sp>
-        <p:nvSpPr>
-          <p:cNvPr id="4" name="Content Placeholder 3">
-            <a:extLst>
-              <a:ext uri="{FF2B5EF4-FFF2-40B4-BE49-F238E27FC236}">
-                <a16:creationId xmlns:a16="http://schemas.microsoft.com/office/drawing/2014/main" id="{26A05C38-3B42-43AC-49EC-A9BA85B1B8E5}"/>
-              </a:ext>
-            </a:extLst>
-          </p:cNvPr>
+            <a:endParaRPr lang="en-US"/>
+          </a:p>
+        </p:txBody>
+      </p:sp>
+      <p:sp>
+        <p:nvSpPr>
+          <p:cNvPr id="4" name="Content Placeholder 3"/>
           <p:cNvSpPr>
             <a:spLocks noGrp="1"/>
           </p:cNvSpPr>
@@ -1668,6 +1439,7 @@
               <a:rPr lang="en-US"/>
               <a:t>Click to edit Master text styles</a:t>
             </a:r>
+            <a:endParaRPr lang="en-US"/>
           </a:p>
           <a:p>
             <a:pPr lvl="1"/>
@@ -1675,6 +1447,7 @@
               <a:rPr lang="en-US"/>
               <a:t>Second level</a:t>
             </a:r>
+            <a:endParaRPr lang="en-US"/>
           </a:p>
           <a:p>
             <a:pPr lvl="2"/>
@@ -1682,6 +1455,7 @@
               <a:rPr lang="en-US"/>
               <a:t>Third level</a:t>
             </a:r>
+            <a:endParaRPr lang="en-US"/>
           </a:p>
           <a:p>
             <a:pPr lvl="3"/>
@@ -1689,6 +1463,7 @@
               <a:rPr lang="en-US"/>
               <a:t>Fourth level</a:t>
             </a:r>
+            <a:endParaRPr lang="en-US"/>
           </a:p>
           <a:p>
             <a:pPr lvl="4"/>
@@ -1702,13 +1477,7 @@
       </p:sp>
       <p:sp>
         <p:nvSpPr>
-          <p:cNvPr id="5" name="Text Placeholder 4">
-            <a:extLst>
-              <a:ext uri="{FF2B5EF4-FFF2-40B4-BE49-F238E27FC236}">
-                <a16:creationId xmlns:a16="http://schemas.microsoft.com/office/drawing/2014/main" id="{746AD5AD-5D34-EDEF-196F-BBD6952CBB62}"/>
-              </a:ext>
-            </a:extLst>
-          </p:cNvPr>
+          <p:cNvPr id="5" name="Text Placeholder 4"/>
           <p:cNvSpPr>
             <a:spLocks noGrp="1"/>
           </p:cNvSpPr>
@@ -1768,18 +1537,13 @@
               <a:rPr lang="en-US"/>
               <a:t>Click to edit Master text styles</a:t>
             </a:r>
-          </a:p>
-        </p:txBody>
-      </p:sp>
-      <p:sp>
-        <p:nvSpPr>
-          <p:cNvPr id="6" name="Content Placeholder 5">
-            <a:extLst>
-              <a:ext uri="{FF2B5EF4-FFF2-40B4-BE49-F238E27FC236}">
-                <a16:creationId xmlns:a16="http://schemas.microsoft.com/office/drawing/2014/main" id="{EF61BA5E-D639-9983-0992-C7120F99F238}"/>
-              </a:ext>
-            </a:extLst>
-          </p:cNvPr>
+            <a:endParaRPr lang="en-US"/>
+          </a:p>
+        </p:txBody>
+      </p:sp>
+      <p:sp>
+        <p:nvSpPr>
+          <p:cNvPr id="6" name="Content Placeholder 5"/>
           <p:cNvSpPr>
             <a:spLocks noGrp="1"/>
           </p:cNvSpPr>
@@ -1802,6 +1566,7 @@
               <a:rPr lang="en-US"/>
               <a:t>Click to edit Master text styles</a:t>
             </a:r>
+            <a:endParaRPr lang="en-US"/>
           </a:p>
           <a:p>
             <a:pPr lvl="1"/>
@@ -1809,6 +1574,7 @@
               <a:rPr lang="en-US"/>
               <a:t>Second level</a:t>
             </a:r>
+            <a:endParaRPr lang="en-US"/>
           </a:p>
           <a:p>
             <a:pPr lvl="2"/>
@@ -1816,6 +1582,7 @@
               <a:rPr lang="en-US"/>
               <a:t>Third level</a:t>
             </a:r>
+            <a:endParaRPr lang="en-US"/>
           </a:p>
           <a:p>
             <a:pPr lvl="3"/>
@@ -1823,6 +1590,7 @@
               <a:rPr lang="en-US"/>
               <a:t>Fourth level</a:t>
             </a:r>
+            <a:endParaRPr lang="en-US"/>
           </a:p>
           <a:p>
             <a:pPr lvl="4"/>
@@ -1836,13 +1604,7 @@
       </p:sp>
       <p:sp>
         <p:nvSpPr>
-          <p:cNvPr id="7" name="Date Placeholder 6">
-            <a:extLst>
-              <a:ext uri="{FF2B5EF4-FFF2-40B4-BE49-F238E27FC236}">
-                <a16:creationId xmlns:a16="http://schemas.microsoft.com/office/drawing/2014/main" id="{127835C3-BE37-6470-7C5E-A771AF8EFD51}"/>
-              </a:ext>
-            </a:extLst>
-          </p:cNvPr>
+          <p:cNvPr id="7" name="Date Placeholder 6"/>
           <p:cNvSpPr>
             <a:spLocks noGrp="1"/>
           </p:cNvSpPr>
@@ -1857,7 +1619,6 @@
           <a:p>
             <a:fld id="{47E819FE-1872-4D46-A417-F553A8AC67DA}" type="datetimeFigureOut">
               <a:rPr lang="en-ID" smtClean="0"/>
-              <a:t>29/08/2024</a:t>
             </a:fld>
             <a:endParaRPr lang="en-ID"/>
           </a:p>
@@ -1865,13 +1626,7 @@
       </p:sp>
       <p:sp>
         <p:nvSpPr>
-          <p:cNvPr id="8" name="Footer Placeholder 7">
-            <a:extLst>
-              <a:ext uri="{FF2B5EF4-FFF2-40B4-BE49-F238E27FC236}">
-                <a16:creationId xmlns:a16="http://schemas.microsoft.com/office/drawing/2014/main" id="{A27B17B1-929C-FCDD-FE4F-45749CDEE32F}"/>
-              </a:ext>
-            </a:extLst>
-          </p:cNvPr>
+          <p:cNvPr id="8" name="Footer Placeholder 7"/>
           <p:cNvSpPr>
             <a:spLocks noGrp="1"/>
           </p:cNvSpPr>
@@ -1890,13 +1645,7 @@
       </p:sp>
       <p:sp>
         <p:nvSpPr>
-          <p:cNvPr id="9" name="Slide Number Placeholder 8">
-            <a:extLst>
-              <a:ext uri="{FF2B5EF4-FFF2-40B4-BE49-F238E27FC236}">
-                <a16:creationId xmlns:a16="http://schemas.microsoft.com/office/drawing/2014/main" id="{606A08FA-972E-3D24-CEB3-F8E608E166D6}"/>
-              </a:ext>
-            </a:extLst>
-          </p:cNvPr>
+          <p:cNvPr id="9" name="Slide Number Placeholder 8"/>
           <p:cNvSpPr>
             <a:spLocks noGrp="1"/>
           </p:cNvSpPr>
@@ -1911,18 +1660,12 @@
           <a:p>
             <a:fld id="{6A128ECD-7D01-48F0-9FCB-E31CD84F6C7A}" type="slidenum">
               <a:rPr lang="en-ID" smtClean="0"/>
-              <a:t>‹#›</a:t>
             </a:fld>
             <a:endParaRPr lang="en-ID"/>
           </a:p>
         </p:txBody>
       </p:sp>
     </p:spTree>
-    <p:extLst>
-      <p:ext uri="{BB962C8B-B14F-4D97-AF65-F5344CB8AC3E}">
-        <p14:creationId xmlns:p14="http://schemas.microsoft.com/office/powerpoint/2010/main" val="858747828"/>
-      </p:ext>
-    </p:extLst>
   </p:cSld>
   <p:clrMapOvr>
     <a:masterClrMapping/>
@@ -1949,13 +1692,7 @@
       </p:grpSpPr>
       <p:sp>
         <p:nvSpPr>
-          <p:cNvPr id="2" name="Title 1">
-            <a:extLst>
-              <a:ext uri="{FF2B5EF4-FFF2-40B4-BE49-F238E27FC236}">
-                <a16:creationId xmlns:a16="http://schemas.microsoft.com/office/drawing/2014/main" id="{9A84EF2E-1A2E-1FCA-7AFB-4FF0EF8A092F}"/>
-              </a:ext>
-            </a:extLst>
-          </p:cNvPr>
+          <p:cNvPr id="2" name="Title 1"/>
           <p:cNvSpPr>
             <a:spLocks noGrp="1"/>
           </p:cNvSpPr>
@@ -1978,13 +1715,7 @@
       </p:sp>
       <p:sp>
         <p:nvSpPr>
-          <p:cNvPr id="3" name="Date Placeholder 2">
-            <a:extLst>
-              <a:ext uri="{FF2B5EF4-FFF2-40B4-BE49-F238E27FC236}">
-                <a16:creationId xmlns:a16="http://schemas.microsoft.com/office/drawing/2014/main" id="{6D9107B2-D406-3FCF-F188-499F2FB78D54}"/>
-              </a:ext>
-            </a:extLst>
-          </p:cNvPr>
+          <p:cNvPr id="3" name="Date Placeholder 2"/>
           <p:cNvSpPr>
             <a:spLocks noGrp="1"/>
           </p:cNvSpPr>
@@ -1999,7 +1730,6 @@
           <a:p>
             <a:fld id="{47E819FE-1872-4D46-A417-F553A8AC67DA}" type="datetimeFigureOut">
               <a:rPr lang="en-ID" smtClean="0"/>
-              <a:t>29/08/2024</a:t>
             </a:fld>
             <a:endParaRPr lang="en-ID"/>
           </a:p>
@@ -2007,13 +1737,7 @@
       </p:sp>
       <p:sp>
         <p:nvSpPr>
-          <p:cNvPr id="4" name="Footer Placeholder 3">
-            <a:extLst>
-              <a:ext uri="{FF2B5EF4-FFF2-40B4-BE49-F238E27FC236}">
-                <a16:creationId xmlns:a16="http://schemas.microsoft.com/office/drawing/2014/main" id="{C0D015D9-7280-BC4F-8CCE-266F65D4758D}"/>
-              </a:ext>
-            </a:extLst>
-          </p:cNvPr>
+          <p:cNvPr id="4" name="Footer Placeholder 3"/>
           <p:cNvSpPr>
             <a:spLocks noGrp="1"/>
           </p:cNvSpPr>
@@ -2032,13 +1756,7 @@
       </p:sp>
       <p:sp>
         <p:nvSpPr>
-          <p:cNvPr id="5" name="Slide Number Placeholder 4">
-            <a:extLst>
-              <a:ext uri="{FF2B5EF4-FFF2-40B4-BE49-F238E27FC236}">
-                <a16:creationId xmlns:a16="http://schemas.microsoft.com/office/drawing/2014/main" id="{5BE0B43D-0CBE-EA29-6381-D5212CFAB07F}"/>
-              </a:ext>
-            </a:extLst>
-          </p:cNvPr>
+          <p:cNvPr id="5" name="Slide Number Placeholder 4"/>
           <p:cNvSpPr>
             <a:spLocks noGrp="1"/>
           </p:cNvSpPr>
@@ -2053,18 +1771,12 @@
           <a:p>
             <a:fld id="{6A128ECD-7D01-48F0-9FCB-E31CD84F6C7A}" type="slidenum">
               <a:rPr lang="en-ID" smtClean="0"/>
-              <a:t>‹#›</a:t>
             </a:fld>
             <a:endParaRPr lang="en-ID"/>
           </a:p>
         </p:txBody>
       </p:sp>
     </p:spTree>
-    <p:extLst>
-      <p:ext uri="{BB962C8B-B14F-4D97-AF65-F5344CB8AC3E}">
-        <p14:creationId xmlns:p14="http://schemas.microsoft.com/office/powerpoint/2010/main" val="1610801677"/>
-      </p:ext>
-    </p:extLst>
   </p:cSld>
   <p:clrMapOvr>
     <a:masterClrMapping/>
@@ -2091,13 +1803,7 @@
       </p:grpSpPr>
       <p:sp>
         <p:nvSpPr>
-          <p:cNvPr id="2" name="Date Placeholder 1">
-            <a:extLst>
-              <a:ext uri="{FF2B5EF4-FFF2-40B4-BE49-F238E27FC236}">
-                <a16:creationId xmlns:a16="http://schemas.microsoft.com/office/drawing/2014/main" id="{9E0687B2-D13D-9E11-2D8A-3368D4D86219}"/>
-              </a:ext>
-            </a:extLst>
-          </p:cNvPr>
+          <p:cNvPr id="2" name="Date Placeholder 1"/>
           <p:cNvSpPr>
             <a:spLocks noGrp="1"/>
           </p:cNvSpPr>
@@ -2112,7 +1818,6 @@
           <a:p>
             <a:fld id="{47E819FE-1872-4D46-A417-F553A8AC67DA}" type="datetimeFigureOut">
               <a:rPr lang="en-ID" smtClean="0"/>
-              <a:t>29/08/2024</a:t>
             </a:fld>
             <a:endParaRPr lang="en-ID"/>
           </a:p>
@@ -2120,13 +1825,7 @@
       </p:sp>
       <p:sp>
         <p:nvSpPr>
-          <p:cNvPr id="3" name="Footer Placeholder 2">
-            <a:extLst>
-              <a:ext uri="{FF2B5EF4-FFF2-40B4-BE49-F238E27FC236}">
-                <a16:creationId xmlns:a16="http://schemas.microsoft.com/office/drawing/2014/main" id="{CF7C1DE9-D310-A72A-307E-C2344FC90BEF}"/>
-              </a:ext>
-            </a:extLst>
-          </p:cNvPr>
+          <p:cNvPr id="3" name="Footer Placeholder 2"/>
           <p:cNvSpPr>
             <a:spLocks noGrp="1"/>
           </p:cNvSpPr>
@@ -2145,13 +1844,7 @@
       </p:sp>
       <p:sp>
         <p:nvSpPr>
-          <p:cNvPr id="4" name="Slide Number Placeholder 3">
-            <a:extLst>
-              <a:ext uri="{FF2B5EF4-FFF2-40B4-BE49-F238E27FC236}">
-                <a16:creationId xmlns:a16="http://schemas.microsoft.com/office/drawing/2014/main" id="{3D45E611-0D27-A04A-1651-200CA7A7262A}"/>
-              </a:ext>
-            </a:extLst>
-          </p:cNvPr>
+          <p:cNvPr id="4" name="Slide Number Placeholder 3"/>
           <p:cNvSpPr>
             <a:spLocks noGrp="1"/>
           </p:cNvSpPr>
@@ -2166,18 +1859,12 @@
           <a:p>
             <a:fld id="{6A128ECD-7D01-48F0-9FCB-E31CD84F6C7A}" type="slidenum">
               <a:rPr lang="en-ID" smtClean="0"/>
-              <a:t>‹#›</a:t>
             </a:fld>
             <a:endParaRPr lang="en-ID"/>
           </a:p>
         </p:txBody>
       </p:sp>
     </p:spTree>
-    <p:extLst>
-      <p:ext uri="{BB962C8B-B14F-4D97-AF65-F5344CB8AC3E}">
-        <p14:creationId xmlns:p14="http://schemas.microsoft.com/office/powerpoint/2010/main" val="4222132354"/>
-      </p:ext>
-    </p:extLst>
   </p:cSld>
   <p:clrMapOvr>
     <a:masterClrMapping/>
@@ -2204,13 +1891,7 @@
       </p:grpSpPr>
       <p:sp>
         <p:nvSpPr>
-          <p:cNvPr id="2" name="Title 1">
-            <a:extLst>
-              <a:ext uri="{FF2B5EF4-FFF2-40B4-BE49-F238E27FC236}">
-                <a16:creationId xmlns:a16="http://schemas.microsoft.com/office/drawing/2014/main" id="{6CB890A5-A754-D092-12C0-9020E81F3271}"/>
-              </a:ext>
-            </a:extLst>
-          </p:cNvPr>
+          <p:cNvPr id="2" name="Title 1"/>
           <p:cNvSpPr>
             <a:spLocks noGrp="1"/>
           </p:cNvSpPr>
@@ -2242,13 +1923,7 @@
       </p:sp>
       <p:sp>
         <p:nvSpPr>
-          <p:cNvPr id="3" name="Content Placeholder 2">
-            <a:extLst>
-              <a:ext uri="{FF2B5EF4-FFF2-40B4-BE49-F238E27FC236}">
-                <a16:creationId xmlns:a16="http://schemas.microsoft.com/office/drawing/2014/main" id="{1D84B9B6-71B2-D6B8-6E09-25A2957B1F70}"/>
-              </a:ext>
-            </a:extLst>
-          </p:cNvPr>
+          <p:cNvPr id="3" name="Content Placeholder 2"/>
           <p:cNvSpPr>
             <a:spLocks noGrp="1"/>
           </p:cNvSpPr>
@@ -2299,6 +1974,7 @@
               <a:rPr lang="en-US"/>
               <a:t>Click to edit Master text styles</a:t>
             </a:r>
+            <a:endParaRPr lang="en-US"/>
           </a:p>
           <a:p>
             <a:pPr lvl="1"/>
@@ -2306,6 +1982,7 @@
               <a:rPr lang="en-US"/>
               <a:t>Second level</a:t>
             </a:r>
+            <a:endParaRPr lang="en-US"/>
           </a:p>
           <a:p>
             <a:pPr lvl="2"/>
@@ -2313,6 +1990,7 @@
               <a:rPr lang="en-US"/>
               <a:t>Third level</a:t>
             </a:r>
+            <a:endParaRPr lang="en-US"/>
           </a:p>
           <a:p>
             <a:pPr lvl="3"/>
@@ -2320,6 +1998,7 @@
               <a:rPr lang="en-US"/>
               <a:t>Fourth level</a:t>
             </a:r>
+            <a:endParaRPr lang="en-US"/>
           </a:p>
           <a:p>
             <a:pPr lvl="4"/>
@@ -2333,13 +2012,7 @@
       </p:sp>
       <p:sp>
         <p:nvSpPr>
-          <p:cNvPr id="4" name="Text Placeholder 3">
-            <a:extLst>
-              <a:ext uri="{FF2B5EF4-FFF2-40B4-BE49-F238E27FC236}">
-                <a16:creationId xmlns:a16="http://schemas.microsoft.com/office/drawing/2014/main" id="{196A4E4B-8747-FA1B-1FF9-B5FDEF84237D}"/>
-              </a:ext>
-            </a:extLst>
-          </p:cNvPr>
+          <p:cNvPr id="4" name="Text Placeholder 3"/>
           <p:cNvSpPr>
             <a:spLocks noGrp="1"/>
           </p:cNvSpPr>
@@ -2399,18 +2072,13 @@
               <a:rPr lang="en-US"/>
               <a:t>Click to edit Master text styles</a:t>
             </a:r>
-          </a:p>
-        </p:txBody>
-      </p:sp>
-      <p:sp>
-        <p:nvSpPr>
-          <p:cNvPr id="5" name="Date Placeholder 4">
-            <a:extLst>
-              <a:ext uri="{FF2B5EF4-FFF2-40B4-BE49-F238E27FC236}">
-                <a16:creationId xmlns:a16="http://schemas.microsoft.com/office/drawing/2014/main" id="{90F1E071-C470-9A5D-B95A-CDBEF5AF95B7}"/>
-              </a:ext>
-            </a:extLst>
-          </p:cNvPr>
+            <a:endParaRPr lang="en-US"/>
+          </a:p>
+        </p:txBody>
+      </p:sp>
+      <p:sp>
+        <p:nvSpPr>
+          <p:cNvPr id="5" name="Date Placeholder 4"/>
           <p:cNvSpPr>
             <a:spLocks noGrp="1"/>
           </p:cNvSpPr>
@@ -2425,7 +2093,6 @@
           <a:p>
             <a:fld id="{47E819FE-1872-4D46-A417-F553A8AC67DA}" type="datetimeFigureOut">
               <a:rPr lang="en-ID" smtClean="0"/>
-              <a:t>29/08/2024</a:t>
             </a:fld>
             <a:endParaRPr lang="en-ID"/>
           </a:p>
@@ -2433,13 +2100,7 @@
       </p:sp>
       <p:sp>
         <p:nvSpPr>
-          <p:cNvPr id="6" name="Footer Placeholder 5">
-            <a:extLst>
-              <a:ext uri="{FF2B5EF4-FFF2-40B4-BE49-F238E27FC236}">
-                <a16:creationId xmlns:a16="http://schemas.microsoft.com/office/drawing/2014/main" id="{CF35EE87-0DC0-6027-6F96-DD4CE9559F4D}"/>
-              </a:ext>
-            </a:extLst>
-          </p:cNvPr>
+          <p:cNvPr id="6" name="Footer Placeholder 5"/>
           <p:cNvSpPr>
             <a:spLocks noGrp="1"/>
           </p:cNvSpPr>
@@ -2458,13 +2119,7 @@
       </p:sp>
       <p:sp>
         <p:nvSpPr>
-          <p:cNvPr id="7" name="Slide Number Placeholder 6">
-            <a:extLst>
-              <a:ext uri="{FF2B5EF4-FFF2-40B4-BE49-F238E27FC236}">
-                <a16:creationId xmlns:a16="http://schemas.microsoft.com/office/drawing/2014/main" id="{26426959-4DFF-1886-4648-86CC2C183C49}"/>
-              </a:ext>
-            </a:extLst>
-          </p:cNvPr>
+          <p:cNvPr id="7" name="Slide Number Placeholder 6"/>
           <p:cNvSpPr>
             <a:spLocks noGrp="1"/>
           </p:cNvSpPr>
@@ -2479,18 +2134,12 @@
           <a:p>
             <a:fld id="{6A128ECD-7D01-48F0-9FCB-E31CD84F6C7A}" type="slidenum">
               <a:rPr lang="en-ID" smtClean="0"/>
-              <a:t>‹#›</a:t>
             </a:fld>
             <a:endParaRPr lang="en-ID"/>
           </a:p>
         </p:txBody>
       </p:sp>
     </p:spTree>
-    <p:extLst>
-      <p:ext uri="{BB962C8B-B14F-4D97-AF65-F5344CB8AC3E}">
-        <p14:creationId xmlns:p14="http://schemas.microsoft.com/office/powerpoint/2010/main" val="1094360567"/>
-      </p:ext>
-    </p:extLst>
   </p:cSld>
   <p:clrMapOvr>
     <a:masterClrMapping/>
@@ -2517,13 +2166,7 @@
       </p:grpSpPr>
       <p:sp>
         <p:nvSpPr>
-          <p:cNvPr id="2" name="Title 1">
-            <a:extLst>
-              <a:ext uri="{FF2B5EF4-FFF2-40B4-BE49-F238E27FC236}">
-                <a16:creationId xmlns:a16="http://schemas.microsoft.com/office/drawing/2014/main" id="{63FDDCEA-76D5-5E57-20CB-970B5C4737DB}"/>
-              </a:ext>
-            </a:extLst>
-          </p:cNvPr>
+          <p:cNvPr id="2" name="Title 1"/>
           <p:cNvSpPr>
             <a:spLocks noGrp="1"/>
           </p:cNvSpPr>
@@ -2555,13 +2198,7 @@
       </p:sp>
       <p:sp>
         <p:nvSpPr>
-          <p:cNvPr id="3" name="Picture Placeholder 2">
-            <a:extLst>
-              <a:ext uri="{FF2B5EF4-FFF2-40B4-BE49-F238E27FC236}">
-                <a16:creationId xmlns:a16="http://schemas.microsoft.com/office/drawing/2014/main" id="{66A2D61D-5E1E-8CFA-680E-9E63FACFD85C}"/>
-              </a:ext>
-            </a:extLst>
-          </p:cNvPr>
+          <p:cNvPr id="3" name="Picture Placeholder 2"/>
           <p:cNvSpPr>
             <a:spLocks noGrp="1"/>
           </p:cNvSpPr>
@@ -2622,13 +2259,7 @@
       </p:sp>
       <p:sp>
         <p:nvSpPr>
-          <p:cNvPr id="4" name="Text Placeholder 3">
-            <a:extLst>
-              <a:ext uri="{FF2B5EF4-FFF2-40B4-BE49-F238E27FC236}">
-                <a16:creationId xmlns:a16="http://schemas.microsoft.com/office/drawing/2014/main" id="{AF608022-0516-89C3-6769-5FB7034FB5FC}"/>
-              </a:ext>
-            </a:extLst>
-          </p:cNvPr>
+          <p:cNvPr id="4" name="Text Placeholder 3"/>
           <p:cNvSpPr>
             <a:spLocks noGrp="1"/>
           </p:cNvSpPr>
@@ -2688,18 +2319,13 @@
               <a:rPr lang="en-US"/>
               <a:t>Click to edit Master text styles</a:t>
             </a:r>
-          </a:p>
-        </p:txBody>
-      </p:sp>
-      <p:sp>
-        <p:nvSpPr>
-          <p:cNvPr id="5" name="Date Placeholder 4">
-            <a:extLst>
-              <a:ext uri="{FF2B5EF4-FFF2-40B4-BE49-F238E27FC236}">
-                <a16:creationId xmlns:a16="http://schemas.microsoft.com/office/drawing/2014/main" id="{9C4A545D-3695-7889-F658-E48E9CE72953}"/>
-              </a:ext>
-            </a:extLst>
-          </p:cNvPr>
+            <a:endParaRPr lang="en-US"/>
+          </a:p>
+        </p:txBody>
+      </p:sp>
+      <p:sp>
+        <p:nvSpPr>
+          <p:cNvPr id="5" name="Date Placeholder 4"/>
           <p:cNvSpPr>
             <a:spLocks noGrp="1"/>
           </p:cNvSpPr>
@@ -2714,7 +2340,6 @@
           <a:p>
             <a:fld id="{47E819FE-1872-4D46-A417-F553A8AC67DA}" type="datetimeFigureOut">
               <a:rPr lang="en-ID" smtClean="0"/>
-              <a:t>29/08/2024</a:t>
             </a:fld>
             <a:endParaRPr lang="en-ID"/>
           </a:p>
@@ -2722,13 +2347,7 @@
       </p:sp>
       <p:sp>
         <p:nvSpPr>
-          <p:cNvPr id="6" name="Footer Placeholder 5">
-            <a:extLst>
-              <a:ext uri="{FF2B5EF4-FFF2-40B4-BE49-F238E27FC236}">
-                <a16:creationId xmlns:a16="http://schemas.microsoft.com/office/drawing/2014/main" id="{35C69125-8B15-52F8-FF53-DDBF4E573BE7}"/>
-              </a:ext>
-            </a:extLst>
-          </p:cNvPr>
+          <p:cNvPr id="6" name="Footer Placeholder 5"/>
           <p:cNvSpPr>
             <a:spLocks noGrp="1"/>
           </p:cNvSpPr>
@@ -2747,13 +2366,7 @@
       </p:sp>
       <p:sp>
         <p:nvSpPr>
-          <p:cNvPr id="7" name="Slide Number Placeholder 6">
-            <a:extLst>
-              <a:ext uri="{FF2B5EF4-FFF2-40B4-BE49-F238E27FC236}">
-                <a16:creationId xmlns:a16="http://schemas.microsoft.com/office/drawing/2014/main" id="{A6787298-CD86-EB91-5B55-CD15E51F3B0C}"/>
-              </a:ext>
-            </a:extLst>
-          </p:cNvPr>
+          <p:cNvPr id="7" name="Slide Number Placeholder 6"/>
           <p:cNvSpPr>
             <a:spLocks noGrp="1"/>
           </p:cNvSpPr>
@@ -2768,18 +2381,12 @@
           <a:p>
             <a:fld id="{6A128ECD-7D01-48F0-9FCB-E31CD84F6C7A}" type="slidenum">
               <a:rPr lang="en-ID" smtClean="0"/>
-              <a:t>‹#›</a:t>
             </a:fld>
             <a:endParaRPr lang="en-ID"/>
           </a:p>
         </p:txBody>
       </p:sp>
     </p:spTree>
-    <p:extLst>
-      <p:ext uri="{BB962C8B-B14F-4D97-AF65-F5344CB8AC3E}">
-        <p14:creationId xmlns:p14="http://schemas.microsoft.com/office/powerpoint/2010/main" val="2834273158"/>
-      </p:ext>
-    </p:extLst>
   </p:cSld>
   <p:clrMapOvr>
     <a:masterClrMapping/>
@@ -2811,13 +2418,7 @@
       </p:grpSpPr>
       <p:sp>
         <p:nvSpPr>
-          <p:cNvPr id="2" name="Title Placeholder 1">
-            <a:extLst>
-              <a:ext uri="{FF2B5EF4-FFF2-40B4-BE49-F238E27FC236}">
-                <a16:creationId xmlns:a16="http://schemas.microsoft.com/office/drawing/2014/main" id="{03375505-D371-AD81-B04D-AB16F4FC10C5}"/>
-              </a:ext>
-            </a:extLst>
-          </p:cNvPr>
+          <p:cNvPr id="2" name="Title Placeholder 1"/>
           <p:cNvSpPr>
             <a:spLocks noGrp="1"/>
           </p:cNvSpPr>
@@ -2850,13 +2451,7 @@
       </p:sp>
       <p:sp>
         <p:nvSpPr>
-          <p:cNvPr id="3" name="Text Placeholder 2">
-            <a:extLst>
-              <a:ext uri="{FF2B5EF4-FFF2-40B4-BE49-F238E27FC236}">
-                <a16:creationId xmlns:a16="http://schemas.microsoft.com/office/drawing/2014/main" id="{BE468D42-28B2-E38C-DD8B-D6D0D17789F9}"/>
-              </a:ext>
-            </a:extLst>
-          </p:cNvPr>
+          <p:cNvPr id="3" name="Text Placeholder 2"/>
           <p:cNvSpPr>
             <a:spLocks noGrp="1"/>
           </p:cNvSpPr>
@@ -2884,6 +2479,7 @@
               <a:rPr lang="en-US"/>
               <a:t>Click to edit Master text styles</a:t>
             </a:r>
+            <a:endParaRPr lang="en-US"/>
           </a:p>
           <a:p>
             <a:pPr lvl="1"/>
@@ -2891,6 +2487,7 @@
               <a:rPr lang="en-US"/>
               <a:t>Second level</a:t>
             </a:r>
+            <a:endParaRPr lang="en-US"/>
           </a:p>
           <a:p>
             <a:pPr lvl="2"/>
@@ -2898,6 +2495,7 @@
               <a:rPr lang="en-US"/>
               <a:t>Third level</a:t>
             </a:r>
+            <a:endParaRPr lang="en-US"/>
           </a:p>
           <a:p>
             <a:pPr lvl="3"/>
@@ -2905,6 +2503,7 @@
               <a:rPr lang="en-US"/>
               <a:t>Fourth level</a:t>
             </a:r>
+            <a:endParaRPr lang="en-US"/>
           </a:p>
           <a:p>
             <a:pPr lvl="4"/>
@@ -2918,13 +2517,7 @@
       </p:sp>
       <p:sp>
         <p:nvSpPr>
-          <p:cNvPr id="4" name="Date Placeholder 3">
-            <a:extLst>
-              <a:ext uri="{FF2B5EF4-FFF2-40B4-BE49-F238E27FC236}">
-                <a16:creationId xmlns:a16="http://schemas.microsoft.com/office/drawing/2014/main" id="{36F339F6-C9A0-B420-8C6B-453E8DD8B7A7}"/>
-              </a:ext>
-            </a:extLst>
-          </p:cNvPr>
+          <p:cNvPr id="4" name="Date Placeholder 3"/>
           <p:cNvSpPr>
             <a:spLocks noGrp="1"/>
           </p:cNvSpPr>
@@ -2957,7 +2550,6 @@
           <a:p>
             <a:fld id="{47E819FE-1872-4D46-A417-F553A8AC67DA}" type="datetimeFigureOut">
               <a:rPr lang="en-ID" smtClean="0"/>
-              <a:t>29/08/2024</a:t>
             </a:fld>
             <a:endParaRPr lang="en-ID"/>
           </a:p>
@@ -2965,13 +2557,7 @@
       </p:sp>
       <p:sp>
         <p:nvSpPr>
-          <p:cNvPr id="5" name="Footer Placeholder 4">
-            <a:extLst>
-              <a:ext uri="{FF2B5EF4-FFF2-40B4-BE49-F238E27FC236}">
-                <a16:creationId xmlns:a16="http://schemas.microsoft.com/office/drawing/2014/main" id="{61F9533C-EC53-884C-980C-8B6D23887A8F}"/>
-              </a:ext>
-            </a:extLst>
-          </p:cNvPr>
+          <p:cNvPr id="5" name="Footer Placeholder 4"/>
           <p:cNvSpPr>
             <a:spLocks noGrp="1"/>
           </p:cNvSpPr>
@@ -3008,13 +2594,7 @@
       </p:sp>
       <p:sp>
         <p:nvSpPr>
-          <p:cNvPr id="6" name="Slide Number Placeholder 5">
-            <a:extLst>
-              <a:ext uri="{FF2B5EF4-FFF2-40B4-BE49-F238E27FC236}">
-                <a16:creationId xmlns:a16="http://schemas.microsoft.com/office/drawing/2014/main" id="{7624D877-6150-4EC7-A0EF-B98C90AEAC67}"/>
-              </a:ext>
-            </a:extLst>
-          </p:cNvPr>
+          <p:cNvPr id="6" name="Slide Number Placeholder 5"/>
           <p:cNvSpPr>
             <a:spLocks noGrp="1"/>
           </p:cNvSpPr>
@@ -3047,18 +2627,12 @@
           <a:p>
             <a:fld id="{6A128ECD-7D01-48F0-9FCB-E31CD84F6C7A}" type="slidenum">
               <a:rPr lang="en-ID" smtClean="0"/>
-              <a:t>‹#›</a:t>
             </a:fld>
             <a:endParaRPr lang="en-ID"/>
           </a:p>
         </p:txBody>
       </p:sp>
     </p:spTree>
-    <p:extLst>
-      <p:ext uri="{BB962C8B-B14F-4D97-AF65-F5344CB8AC3E}">
-        <p14:creationId xmlns:p14="http://schemas.microsoft.com/office/powerpoint/2010/main" val="3047009339"/>
-      </p:ext>
-    </p:extLst>
   </p:cSld>
   <p:clrMap bg1="lt1" tx1="dk1" bg2="lt2" tx2="dk2" accent1="accent1" accent2="accent2" accent3="accent3" accent4="accent4" accent5="accent5" accent6="accent6" hlink="hlink" folHlink="folHlink"/>
   <p:sldLayoutIdLst>
@@ -3377,12 +2951,7 @@
       <p:sp>
         <p:nvSpPr>
           <p:cNvPr id="2" name="Rectangle 1">
-            <a:hlinkClick r:id="rId2" action="ppaction://hlinksldjump"/>
-            <a:extLst>
-              <a:ext uri="{FF2B5EF4-FFF2-40B4-BE49-F238E27FC236}">
-                <a16:creationId xmlns:a16="http://schemas.microsoft.com/office/drawing/2014/main" id="{5373C233-8ACA-8BA6-4171-E574282538B2}"/>
-              </a:ext>
-            </a:extLst>
+            <a:hlinkClick r:id="rId1" action="ppaction://hlinksldjump"/>
           </p:cNvPr>
           <p:cNvSpPr/>
           <p:nvPr/>
@@ -3436,19 +3005,64 @@
       <p:sp>
         <p:nvSpPr>
           <p:cNvPr id="3" name="Rectangle 2">
+            <a:hlinkClick r:id="rId2" action="ppaction://hlinksldjump"/>
+          </p:cNvPr>
+          <p:cNvSpPr/>
+          <p:nvPr/>
+        </p:nvSpPr>
+        <p:spPr>
+          <a:xfrm>
+            <a:off x="5092148" y="814250"/>
+            <a:ext cx="2007704" cy="1490870"/>
+          </a:xfrm>
+          <a:prstGeom prst="rect">
+            <a:avLst/>
+          </a:prstGeom>
+          <a:solidFill>
+            <a:schemeClr val="bg1"/>
+          </a:solidFill>
+          <a:ln>
+            <a:solidFill>
+              <a:schemeClr val="tx1"/>
+            </a:solidFill>
+          </a:ln>
+        </p:spPr>
+        <p:style>
+          <a:lnRef idx="2">
+            <a:schemeClr val="accent1">
+              <a:shade val="15000"/>
+            </a:schemeClr>
+          </a:lnRef>
+          <a:fillRef idx="1">
+            <a:schemeClr val="accent1"/>
+          </a:fillRef>
+          <a:effectRef idx="0">
+            <a:schemeClr val="accent1"/>
+          </a:effectRef>
+          <a:fontRef idx="minor">
+            <a:schemeClr val="lt1"/>
+          </a:fontRef>
+        </p:style>
+        <p:txBody>
+          <a:bodyPr rtlCol="0" anchor="ctr"/>
+          <a:lstStyle/>
+          <a:p>
+            <a:pPr algn="ctr"/>
+            <a:endParaRPr lang="en-ID" dirty="0"/>
+          </a:p>
+        </p:txBody>
+      </p:sp>
+      <p:sp>
+        <p:nvSpPr>
+          <p:cNvPr id="4" name="Rectangle 3">
             <a:hlinkClick r:id="rId3" action="ppaction://hlinksldjump"/>
-            <a:extLst>
-              <a:ext uri="{FF2B5EF4-FFF2-40B4-BE49-F238E27FC236}">
-                <a16:creationId xmlns:a16="http://schemas.microsoft.com/office/drawing/2014/main" id="{B3325AC8-E1A6-A992-32CE-171D4C2C0360}"/>
-              </a:ext>
-            </a:extLst>
           </p:cNvPr>
           <p:cNvSpPr/>
           <p:nvPr/>
         </p:nvSpPr>
         <p:spPr>
           <a:xfrm>
-            <a:off x="5092148" y="814250"/>
+            <a:off x="7099852" y="814250"/>
             <a:ext cx="2007704" cy="1490870"/>
           </a:xfrm>
           <a:prstGeom prst="rect">
@@ -3484,26 +3098,21 @@
           <a:lstStyle/>
           <a:p>
             <a:pPr algn="ctr"/>
-            <a:endParaRPr lang="en-ID" dirty="0"/>
-          </a:p>
-        </p:txBody>
-      </p:sp>
-      <p:sp>
-        <p:nvSpPr>
-          <p:cNvPr id="4" name="Rectangle 3">
+            <a:endParaRPr lang="en-ID"/>
+          </a:p>
+        </p:txBody>
+      </p:sp>
+      <p:sp>
+        <p:nvSpPr>
+          <p:cNvPr id="5" name="Rectangle 4">
             <a:hlinkClick r:id="rId4" action="ppaction://hlinksldjump"/>
-            <a:extLst>
-              <a:ext uri="{FF2B5EF4-FFF2-40B4-BE49-F238E27FC236}">
-                <a16:creationId xmlns:a16="http://schemas.microsoft.com/office/drawing/2014/main" id="{B03C018C-D347-D0E7-9DCF-1C8EEA600472}"/>
-              </a:ext>
-            </a:extLst>
           </p:cNvPr>
           <p:cNvSpPr/>
           <p:nvPr/>
         </p:nvSpPr>
         <p:spPr>
           <a:xfrm>
-            <a:off x="7099852" y="814250"/>
+            <a:off x="3084444" y="2313712"/>
             <a:ext cx="2007704" cy="1490870"/>
           </a:xfrm>
           <a:prstGeom prst="rect">
@@ -3545,20 +3154,15 @@
       </p:sp>
       <p:sp>
         <p:nvSpPr>
-          <p:cNvPr id="5" name="Rectangle 4">
+          <p:cNvPr id="6" name="Rectangle 5">
             <a:hlinkClick r:id="rId5" action="ppaction://hlinksldjump"/>
-            <a:extLst>
-              <a:ext uri="{FF2B5EF4-FFF2-40B4-BE49-F238E27FC236}">
-                <a16:creationId xmlns:a16="http://schemas.microsoft.com/office/drawing/2014/main" id="{E524CE91-9C2D-23FC-2BA0-53B33498DA9B}"/>
-              </a:ext>
-            </a:extLst>
           </p:cNvPr>
           <p:cNvSpPr/>
           <p:nvPr/>
         </p:nvSpPr>
         <p:spPr>
           <a:xfrm>
-            <a:off x="3084444" y="2313712"/>
+            <a:off x="5092148" y="2313712"/>
             <a:ext cx="2007704" cy="1490870"/>
           </a:xfrm>
           <a:prstGeom prst="rect">
@@ -3600,20 +3204,15 @@
       </p:sp>
       <p:sp>
         <p:nvSpPr>
-          <p:cNvPr id="6" name="Rectangle 5">
+          <p:cNvPr id="7" name="Rectangle 6">
             <a:hlinkClick r:id="rId6" action="ppaction://hlinksldjump"/>
-            <a:extLst>
-              <a:ext uri="{FF2B5EF4-FFF2-40B4-BE49-F238E27FC236}">
-                <a16:creationId xmlns:a16="http://schemas.microsoft.com/office/drawing/2014/main" id="{537BC31B-31E9-8035-80C1-DE36898EE60F}"/>
-              </a:ext>
-            </a:extLst>
           </p:cNvPr>
           <p:cNvSpPr/>
           <p:nvPr/>
         </p:nvSpPr>
         <p:spPr>
           <a:xfrm>
-            <a:off x="5092148" y="2313712"/>
+            <a:off x="7099852" y="2319440"/>
             <a:ext cx="2007704" cy="1490870"/>
           </a:xfrm>
           <a:prstGeom prst="rect">
@@ -3655,20 +3254,15 @@
       </p:sp>
       <p:sp>
         <p:nvSpPr>
-          <p:cNvPr id="7" name="Rectangle 6">
+          <p:cNvPr id="8" name="Rectangle 7">
             <a:hlinkClick r:id="rId7" action="ppaction://hlinksldjump"/>
-            <a:extLst>
-              <a:ext uri="{FF2B5EF4-FFF2-40B4-BE49-F238E27FC236}">
-                <a16:creationId xmlns:a16="http://schemas.microsoft.com/office/drawing/2014/main" id="{53D92844-5760-21C6-785C-96A3A154F55F}"/>
-              </a:ext>
-            </a:extLst>
           </p:cNvPr>
           <p:cNvSpPr/>
           <p:nvPr/>
         </p:nvSpPr>
         <p:spPr>
           <a:xfrm>
-            <a:off x="7099852" y="2319440"/>
+            <a:off x="3084444" y="3801718"/>
             <a:ext cx="2007704" cy="1490870"/>
           </a:xfrm>
           <a:prstGeom prst="rect">
@@ -3710,20 +3304,15 @@
       </p:sp>
       <p:sp>
         <p:nvSpPr>
-          <p:cNvPr id="8" name="Rectangle 7">
+          <p:cNvPr id="9" name="Rectangle 8">
             <a:hlinkClick r:id="rId8" action="ppaction://hlinksldjump"/>
-            <a:extLst>
-              <a:ext uri="{FF2B5EF4-FFF2-40B4-BE49-F238E27FC236}">
-                <a16:creationId xmlns:a16="http://schemas.microsoft.com/office/drawing/2014/main" id="{C3CC34CF-F5EA-40BD-0073-697905531E31}"/>
-              </a:ext>
-            </a:extLst>
           </p:cNvPr>
           <p:cNvSpPr/>
           <p:nvPr/>
         </p:nvSpPr>
         <p:spPr>
           <a:xfrm>
-            <a:off x="3084444" y="3801718"/>
+            <a:off x="5092148" y="3801718"/>
             <a:ext cx="2007704" cy="1490870"/>
           </a:xfrm>
           <a:prstGeom prst="rect">
@@ -3765,20 +3354,15 @@
       </p:sp>
       <p:sp>
         <p:nvSpPr>
-          <p:cNvPr id="9" name="Rectangle 8">
+          <p:cNvPr id="10" name="Rectangle 9">
             <a:hlinkClick r:id="rId9" action="ppaction://hlinksldjump"/>
-            <a:extLst>
-              <a:ext uri="{FF2B5EF4-FFF2-40B4-BE49-F238E27FC236}">
-                <a16:creationId xmlns:a16="http://schemas.microsoft.com/office/drawing/2014/main" id="{47B2162D-6B25-E4EA-6146-E37E8DAD5BDC}"/>
-              </a:ext>
-            </a:extLst>
           </p:cNvPr>
           <p:cNvSpPr/>
           <p:nvPr/>
         </p:nvSpPr>
         <p:spPr>
           <a:xfrm>
-            <a:off x="5092148" y="3801718"/>
+            <a:off x="7099852" y="3807446"/>
             <a:ext cx="2007704" cy="1490870"/>
           </a:xfrm>
           <a:prstGeom prst="rect">
@@ -3818,67 +3402,7 @@
           </a:p>
         </p:txBody>
       </p:sp>
-      <p:sp>
-        <p:nvSpPr>
-          <p:cNvPr id="10" name="Rectangle 9">
-            <a:hlinkClick r:id="rId10" action="ppaction://hlinksldjump"/>
-            <a:extLst>
-              <a:ext uri="{FF2B5EF4-FFF2-40B4-BE49-F238E27FC236}">
-                <a16:creationId xmlns:a16="http://schemas.microsoft.com/office/drawing/2014/main" id="{28552630-B138-386A-D8FA-867AEAF77924}"/>
-              </a:ext>
-            </a:extLst>
-          </p:cNvPr>
-          <p:cNvSpPr/>
-          <p:nvPr/>
-        </p:nvSpPr>
-        <p:spPr>
-          <a:xfrm>
-            <a:off x="7099852" y="3807446"/>
-            <a:ext cx="2007704" cy="1490870"/>
-          </a:xfrm>
-          <a:prstGeom prst="rect">
-            <a:avLst/>
-          </a:prstGeom>
-          <a:solidFill>
-            <a:schemeClr val="bg1"/>
-          </a:solidFill>
-          <a:ln>
-            <a:solidFill>
-              <a:schemeClr val="tx1"/>
-            </a:solidFill>
-          </a:ln>
-        </p:spPr>
-        <p:style>
-          <a:lnRef idx="2">
-            <a:schemeClr val="accent1">
-              <a:shade val="15000"/>
-            </a:schemeClr>
-          </a:lnRef>
-          <a:fillRef idx="1">
-            <a:schemeClr val="accent1"/>
-          </a:fillRef>
-          <a:effectRef idx="0">
-            <a:schemeClr val="accent1"/>
-          </a:effectRef>
-          <a:fontRef idx="minor">
-            <a:schemeClr val="lt1"/>
-          </a:fontRef>
-        </p:style>
-        <p:txBody>
-          <a:bodyPr rtlCol="0" anchor="ctr"/>
-          <a:lstStyle/>
-          <a:p>
-            <a:pPr algn="ctr"/>
-            <a:endParaRPr lang="en-ID"/>
-          </a:p>
-        </p:txBody>
-      </p:sp>
     </p:spTree>
-    <p:extLst>
-      <p:ext uri="{BB962C8B-B14F-4D97-AF65-F5344CB8AC3E}">
-        <p14:creationId xmlns:p14="http://schemas.microsoft.com/office/powerpoint/2010/main" val="2883541628"/>
-      </p:ext>
-    </p:extLst>
   </p:cSld>
   <p:clrMapOvr>
     <a:masterClrMapping/>
@@ -3905,13 +3429,7 @@
       </p:grpSpPr>
       <p:sp>
         <p:nvSpPr>
-          <p:cNvPr id="2" name="Rectangle 1">
-            <a:extLst>
-              <a:ext uri="{FF2B5EF4-FFF2-40B4-BE49-F238E27FC236}">
-                <a16:creationId xmlns:a16="http://schemas.microsoft.com/office/drawing/2014/main" id="{5373C233-8ACA-8BA6-4171-E574282538B2}"/>
-              </a:ext>
-            </a:extLst>
-          </p:cNvPr>
+          <p:cNvPr id="2" name="Rectangle 1"/>
           <p:cNvSpPr/>
           <p:nvPr/>
         </p:nvSpPr>
@@ -3959,13 +3477,7 @@
       </p:sp>
       <p:sp>
         <p:nvSpPr>
-          <p:cNvPr id="3" name="Rectangle 2">
-            <a:extLst>
-              <a:ext uri="{FF2B5EF4-FFF2-40B4-BE49-F238E27FC236}">
-                <a16:creationId xmlns:a16="http://schemas.microsoft.com/office/drawing/2014/main" id="{B3325AC8-E1A6-A992-32CE-171D4C2C0360}"/>
-              </a:ext>
-            </a:extLst>
-          </p:cNvPr>
+          <p:cNvPr id="3" name="Rectangle 2"/>
           <p:cNvSpPr/>
           <p:nvPr/>
         </p:nvSpPr>
@@ -4013,13 +3525,7 @@
       </p:sp>
       <p:sp>
         <p:nvSpPr>
-          <p:cNvPr id="4" name="Rectangle 3">
-            <a:extLst>
-              <a:ext uri="{FF2B5EF4-FFF2-40B4-BE49-F238E27FC236}">
-                <a16:creationId xmlns:a16="http://schemas.microsoft.com/office/drawing/2014/main" id="{B03C018C-D347-D0E7-9DCF-1C8EEA600472}"/>
-              </a:ext>
-            </a:extLst>
-          </p:cNvPr>
+          <p:cNvPr id="4" name="Rectangle 3"/>
           <p:cNvSpPr/>
           <p:nvPr/>
         </p:nvSpPr>
@@ -4067,13 +3573,7 @@
       </p:sp>
       <p:sp>
         <p:nvSpPr>
-          <p:cNvPr id="5" name="Rectangle 4">
-            <a:extLst>
-              <a:ext uri="{FF2B5EF4-FFF2-40B4-BE49-F238E27FC236}">
-                <a16:creationId xmlns:a16="http://schemas.microsoft.com/office/drawing/2014/main" id="{E524CE91-9C2D-23FC-2BA0-53B33498DA9B}"/>
-              </a:ext>
-            </a:extLst>
-          </p:cNvPr>
+          <p:cNvPr id="5" name="Rectangle 4"/>
           <p:cNvSpPr/>
           <p:nvPr/>
         </p:nvSpPr>
@@ -4121,13 +3621,7 @@
       </p:sp>
       <p:sp>
         <p:nvSpPr>
-          <p:cNvPr id="6" name="Rectangle 5">
-            <a:extLst>
-              <a:ext uri="{FF2B5EF4-FFF2-40B4-BE49-F238E27FC236}">
-                <a16:creationId xmlns:a16="http://schemas.microsoft.com/office/drawing/2014/main" id="{537BC31B-31E9-8035-80C1-DE36898EE60F}"/>
-              </a:ext>
-            </a:extLst>
-          </p:cNvPr>
+          <p:cNvPr id="6" name="Rectangle 5"/>
           <p:cNvSpPr/>
           <p:nvPr/>
         </p:nvSpPr>
@@ -4175,13 +3669,7 @@
       </p:sp>
       <p:sp>
         <p:nvSpPr>
-          <p:cNvPr id="7" name="Rectangle 6">
-            <a:extLst>
-              <a:ext uri="{FF2B5EF4-FFF2-40B4-BE49-F238E27FC236}">
-                <a16:creationId xmlns:a16="http://schemas.microsoft.com/office/drawing/2014/main" id="{53D92844-5760-21C6-785C-96A3A154F55F}"/>
-              </a:ext>
-            </a:extLst>
-          </p:cNvPr>
+          <p:cNvPr id="7" name="Rectangle 6"/>
           <p:cNvSpPr/>
           <p:nvPr/>
         </p:nvSpPr>
@@ -4229,13 +3717,7 @@
       </p:sp>
       <p:sp>
         <p:nvSpPr>
-          <p:cNvPr id="8" name="Rectangle 7">
-            <a:extLst>
-              <a:ext uri="{FF2B5EF4-FFF2-40B4-BE49-F238E27FC236}">
-                <a16:creationId xmlns:a16="http://schemas.microsoft.com/office/drawing/2014/main" id="{C3CC34CF-F5EA-40BD-0073-697905531E31}"/>
-              </a:ext>
-            </a:extLst>
-          </p:cNvPr>
+          <p:cNvPr id="8" name="Rectangle 7"/>
           <p:cNvSpPr/>
           <p:nvPr/>
         </p:nvSpPr>
@@ -4283,13 +3765,7 @@
       </p:sp>
       <p:sp>
         <p:nvSpPr>
-          <p:cNvPr id="9" name="Rectangle 8">
-            <a:extLst>
-              <a:ext uri="{FF2B5EF4-FFF2-40B4-BE49-F238E27FC236}">
-                <a16:creationId xmlns:a16="http://schemas.microsoft.com/office/drawing/2014/main" id="{47B2162D-6B25-E4EA-6146-E37E8DAD5BDC}"/>
-              </a:ext>
-            </a:extLst>
-          </p:cNvPr>
+          <p:cNvPr id="9" name="Rectangle 8"/>
           <p:cNvSpPr/>
           <p:nvPr/>
         </p:nvSpPr>
@@ -4337,13 +3813,7 @@
       </p:sp>
       <p:sp>
         <p:nvSpPr>
-          <p:cNvPr id="10" name="Rectangle 9">
-            <a:extLst>
-              <a:ext uri="{FF2B5EF4-FFF2-40B4-BE49-F238E27FC236}">
-                <a16:creationId xmlns:a16="http://schemas.microsoft.com/office/drawing/2014/main" id="{28552630-B138-386A-D8FA-867AEAF77924}"/>
-              </a:ext>
-            </a:extLst>
-          </p:cNvPr>
+          <p:cNvPr id="10" name="Rectangle 9"/>
           <p:cNvSpPr/>
           <p:nvPr/>
         </p:nvSpPr>
@@ -4392,12 +3862,7 @@
       <p:sp>
         <p:nvSpPr>
           <p:cNvPr id="14" name="Arrow: Right 13">
-            <a:hlinkClick r:id="rId2" action="ppaction://hlinksldjump"/>
-            <a:extLst>
-              <a:ext uri="{FF2B5EF4-FFF2-40B4-BE49-F238E27FC236}">
-                <a16:creationId xmlns:a16="http://schemas.microsoft.com/office/drawing/2014/main" id="{C4C953E7-2729-2875-3B20-1AF2783C6071}"/>
-              </a:ext>
-            </a:extLst>
+            <a:hlinkClick r:id="rId1" action="ppaction://hlinksldjump"/>
           </p:cNvPr>
           <p:cNvSpPr/>
           <p:nvPr/>
@@ -4442,13 +3907,7 @@
       </p:sp>
       <p:sp>
         <p:nvSpPr>
-          <p:cNvPr id="15" name="Rectangle 14">
-            <a:extLst>
-              <a:ext uri="{FF2B5EF4-FFF2-40B4-BE49-F238E27FC236}">
-                <a16:creationId xmlns:a16="http://schemas.microsoft.com/office/drawing/2014/main" id="{1F59CC8C-87F0-DC63-431B-A45391350C1F}"/>
-              </a:ext>
-            </a:extLst>
-          </p:cNvPr>
+          <p:cNvPr id="15" name="Rectangle 14"/>
           <p:cNvSpPr/>
           <p:nvPr/>
         </p:nvSpPr>
@@ -4498,11 +3957,6 @@
         </p:txBody>
       </p:sp>
     </p:spTree>
-    <p:extLst>
-      <p:ext uri="{BB962C8B-B14F-4D97-AF65-F5344CB8AC3E}">
-        <p14:creationId xmlns:p14="http://schemas.microsoft.com/office/powerpoint/2010/main" val="4194275231"/>
-      </p:ext>
-    </p:extLst>
   </p:cSld>
   <p:clrMapOvr>
     <a:masterClrMapping/>
@@ -4529,13 +3983,7 @@
       </p:grpSpPr>
       <p:sp>
         <p:nvSpPr>
-          <p:cNvPr id="2" name="Rectangle 1">
-            <a:extLst>
-              <a:ext uri="{FF2B5EF4-FFF2-40B4-BE49-F238E27FC236}">
-                <a16:creationId xmlns:a16="http://schemas.microsoft.com/office/drawing/2014/main" id="{5373C233-8ACA-8BA6-4171-E574282538B2}"/>
-              </a:ext>
-            </a:extLst>
-          </p:cNvPr>
+          <p:cNvPr id="2" name="Rectangle 1"/>
           <p:cNvSpPr/>
           <p:nvPr/>
         </p:nvSpPr>
@@ -4583,13 +4031,7 @@
       </p:sp>
       <p:sp>
         <p:nvSpPr>
-          <p:cNvPr id="3" name="Rectangle 2">
-            <a:extLst>
-              <a:ext uri="{FF2B5EF4-FFF2-40B4-BE49-F238E27FC236}">
-                <a16:creationId xmlns:a16="http://schemas.microsoft.com/office/drawing/2014/main" id="{B3325AC8-E1A6-A992-32CE-171D4C2C0360}"/>
-              </a:ext>
-            </a:extLst>
-          </p:cNvPr>
+          <p:cNvPr id="3" name="Rectangle 2"/>
           <p:cNvSpPr/>
           <p:nvPr/>
         </p:nvSpPr>
@@ -4637,13 +4079,7 @@
       </p:sp>
       <p:sp>
         <p:nvSpPr>
-          <p:cNvPr id="4" name="Rectangle 3">
-            <a:extLst>
-              <a:ext uri="{FF2B5EF4-FFF2-40B4-BE49-F238E27FC236}">
-                <a16:creationId xmlns:a16="http://schemas.microsoft.com/office/drawing/2014/main" id="{B03C018C-D347-D0E7-9DCF-1C8EEA600472}"/>
-              </a:ext>
-            </a:extLst>
-          </p:cNvPr>
+          <p:cNvPr id="4" name="Rectangle 3"/>
           <p:cNvSpPr/>
           <p:nvPr/>
         </p:nvSpPr>
@@ -4691,13 +4127,7 @@
       </p:sp>
       <p:sp>
         <p:nvSpPr>
-          <p:cNvPr id="5" name="Rectangle 4">
-            <a:extLst>
-              <a:ext uri="{FF2B5EF4-FFF2-40B4-BE49-F238E27FC236}">
-                <a16:creationId xmlns:a16="http://schemas.microsoft.com/office/drawing/2014/main" id="{E524CE91-9C2D-23FC-2BA0-53B33498DA9B}"/>
-              </a:ext>
-            </a:extLst>
-          </p:cNvPr>
+          <p:cNvPr id="5" name="Rectangle 4"/>
           <p:cNvSpPr/>
           <p:nvPr/>
         </p:nvSpPr>
@@ -4745,13 +4175,7 @@
       </p:sp>
       <p:sp>
         <p:nvSpPr>
-          <p:cNvPr id="6" name="Rectangle 5">
-            <a:extLst>
-              <a:ext uri="{FF2B5EF4-FFF2-40B4-BE49-F238E27FC236}">
-                <a16:creationId xmlns:a16="http://schemas.microsoft.com/office/drawing/2014/main" id="{537BC31B-31E9-8035-80C1-DE36898EE60F}"/>
-              </a:ext>
-            </a:extLst>
-          </p:cNvPr>
+          <p:cNvPr id="6" name="Rectangle 5"/>
           <p:cNvSpPr/>
           <p:nvPr/>
         </p:nvSpPr>
@@ -4799,13 +4223,7 @@
       </p:sp>
       <p:sp>
         <p:nvSpPr>
-          <p:cNvPr id="7" name="Rectangle 6">
-            <a:extLst>
-              <a:ext uri="{FF2B5EF4-FFF2-40B4-BE49-F238E27FC236}">
-                <a16:creationId xmlns:a16="http://schemas.microsoft.com/office/drawing/2014/main" id="{53D92844-5760-21C6-785C-96A3A154F55F}"/>
-              </a:ext>
-            </a:extLst>
-          </p:cNvPr>
+          <p:cNvPr id="7" name="Rectangle 6"/>
           <p:cNvSpPr/>
           <p:nvPr/>
         </p:nvSpPr>
@@ -4853,13 +4271,7 @@
       </p:sp>
       <p:sp>
         <p:nvSpPr>
-          <p:cNvPr id="8" name="Rectangle 7">
-            <a:extLst>
-              <a:ext uri="{FF2B5EF4-FFF2-40B4-BE49-F238E27FC236}">
-                <a16:creationId xmlns:a16="http://schemas.microsoft.com/office/drawing/2014/main" id="{C3CC34CF-F5EA-40BD-0073-697905531E31}"/>
-              </a:ext>
-            </a:extLst>
-          </p:cNvPr>
+          <p:cNvPr id="8" name="Rectangle 7"/>
           <p:cNvSpPr/>
           <p:nvPr/>
         </p:nvSpPr>
@@ -4907,13 +4319,7 @@
       </p:sp>
       <p:sp>
         <p:nvSpPr>
-          <p:cNvPr id="9" name="Rectangle 8">
-            <a:extLst>
-              <a:ext uri="{FF2B5EF4-FFF2-40B4-BE49-F238E27FC236}">
-                <a16:creationId xmlns:a16="http://schemas.microsoft.com/office/drawing/2014/main" id="{47B2162D-6B25-E4EA-6146-E37E8DAD5BDC}"/>
-              </a:ext>
-            </a:extLst>
-          </p:cNvPr>
+          <p:cNvPr id="9" name="Rectangle 8"/>
           <p:cNvSpPr/>
           <p:nvPr/>
         </p:nvSpPr>
@@ -4961,13 +4367,7 @@
       </p:sp>
       <p:sp>
         <p:nvSpPr>
-          <p:cNvPr id="10" name="Rectangle 9">
-            <a:extLst>
-              <a:ext uri="{FF2B5EF4-FFF2-40B4-BE49-F238E27FC236}">
-                <a16:creationId xmlns:a16="http://schemas.microsoft.com/office/drawing/2014/main" id="{28552630-B138-386A-D8FA-867AEAF77924}"/>
-              </a:ext>
-            </a:extLst>
-          </p:cNvPr>
+          <p:cNvPr id="10" name="Rectangle 9"/>
           <p:cNvSpPr/>
           <p:nvPr/>
         </p:nvSpPr>
@@ -5016,12 +4416,7 @@
       <p:sp>
         <p:nvSpPr>
           <p:cNvPr id="14" name="Arrow: Right 13">
-            <a:hlinkClick r:id="rId2" action="ppaction://hlinksldjump"/>
-            <a:extLst>
-              <a:ext uri="{FF2B5EF4-FFF2-40B4-BE49-F238E27FC236}">
-                <a16:creationId xmlns:a16="http://schemas.microsoft.com/office/drawing/2014/main" id="{C4C953E7-2729-2875-3B20-1AF2783C6071}"/>
-              </a:ext>
-            </a:extLst>
+            <a:hlinkClick r:id="rId1" action="ppaction://hlinksldjump"/>
           </p:cNvPr>
           <p:cNvSpPr/>
           <p:nvPr/>
@@ -5066,13 +4461,7 @@
       </p:sp>
       <p:sp>
         <p:nvSpPr>
-          <p:cNvPr id="11" name="Rectangle: Rounded Corners 10">
-            <a:extLst>
-              <a:ext uri="{FF2B5EF4-FFF2-40B4-BE49-F238E27FC236}">
-                <a16:creationId xmlns:a16="http://schemas.microsoft.com/office/drawing/2014/main" id="{290802B6-B121-9163-4986-2BC843D1699A}"/>
-              </a:ext>
-            </a:extLst>
-          </p:cNvPr>
+          <p:cNvPr id="11" name="Rectangle: Rounded Corners 10"/>
           <p:cNvSpPr/>
           <p:nvPr/>
         </p:nvSpPr>
@@ -5134,11 +4523,6 @@
         </p:txBody>
       </p:sp>
     </p:spTree>
-    <p:extLst>
-      <p:ext uri="{BB962C8B-B14F-4D97-AF65-F5344CB8AC3E}">
-        <p14:creationId xmlns:p14="http://schemas.microsoft.com/office/powerpoint/2010/main" val="425086957"/>
-      </p:ext>
-    </p:extLst>
   </p:cSld>
   <p:clrMapOvr>
     <a:masterClrMapping/>
@@ -5165,13 +4549,7 @@
       </p:grpSpPr>
       <p:sp>
         <p:nvSpPr>
-          <p:cNvPr id="2" name="Rectangle 1">
-            <a:extLst>
-              <a:ext uri="{FF2B5EF4-FFF2-40B4-BE49-F238E27FC236}">
-                <a16:creationId xmlns:a16="http://schemas.microsoft.com/office/drawing/2014/main" id="{5373C233-8ACA-8BA6-4171-E574282538B2}"/>
-              </a:ext>
-            </a:extLst>
-          </p:cNvPr>
+          <p:cNvPr id="2" name="Rectangle 1"/>
           <p:cNvSpPr/>
           <p:nvPr/>
         </p:nvSpPr>
@@ -5219,13 +4597,7 @@
       </p:sp>
       <p:sp>
         <p:nvSpPr>
-          <p:cNvPr id="3" name="Rectangle 2">
-            <a:extLst>
-              <a:ext uri="{FF2B5EF4-FFF2-40B4-BE49-F238E27FC236}">
-                <a16:creationId xmlns:a16="http://schemas.microsoft.com/office/drawing/2014/main" id="{B3325AC8-E1A6-A992-32CE-171D4C2C0360}"/>
-              </a:ext>
-            </a:extLst>
-          </p:cNvPr>
+          <p:cNvPr id="3" name="Rectangle 2"/>
           <p:cNvSpPr/>
           <p:nvPr/>
         </p:nvSpPr>
@@ -5273,13 +4645,7 @@
       </p:sp>
       <p:sp>
         <p:nvSpPr>
-          <p:cNvPr id="4" name="Rectangle 3">
-            <a:extLst>
-              <a:ext uri="{FF2B5EF4-FFF2-40B4-BE49-F238E27FC236}">
-                <a16:creationId xmlns:a16="http://schemas.microsoft.com/office/drawing/2014/main" id="{B03C018C-D347-D0E7-9DCF-1C8EEA600472}"/>
-              </a:ext>
-            </a:extLst>
-          </p:cNvPr>
+          <p:cNvPr id="4" name="Rectangle 3"/>
           <p:cNvSpPr/>
           <p:nvPr/>
         </p:nvSpPr>
@@ -5327,13 +4693,7 @@
       </p:sp>
       <p:sp>
         <p:nvSpPr>
-          <p:cNvPr id="5" name="Rectangle 4">
-            <a:extLst>
-              <a:ext uri="{FF2B5EF4-FFF2-40B4-BE49-F238E27FC236}">
-                <a16:creationId xmlns:a16="http://schemas.microsoft.com/office/drawing/2014/main" id="{E524CE91-9C2D-23FC-2BA0-53B33498DA9B}"/>
-              </a:ext>
-            </a:extLst>
-          </p:cNvPr>
+          <p:cNvPr id="5" name="Rectangle 4"/>
           <p:cNvSpPr/>
           <p:nvPr/>
         </p:nvSpPr>
@@ -5381,13 +4741,7 @@
       </p:sp>
       <p:sp>
         <p:nvSpPr>
-          <p:cNvPr id="6" name="Rectangle 5">
-            <a:extLst>
-              <a:ext uri="{FF2B5EF4-FFF2-40B4-BE49-F238E27FC236}">
-                <a16:creationId xmlns:a16="http://schemas.microsoft.com/office/drawing/2014/main" id="{537BC31B-31E9-8035-80C1-DE36898EE60F}"/>
-              </a:ext>
-            </a:extLst>
-          </p:cNvPr>
+          <p:cNvPr id="6" name="Rectangle 5"/>
           <p:cNvSpPr/>
           <p:nvPr/>
         </p:nvSpPr>
@@ -5435,13 +4789,7 @@
       </p:sp>
       <p:sp>
         <p:nvSpPr>
-          <p:cNvPr id="7" name="Rectangle 6">
-            <a:extLst>
-              <a:ext uri="{FF2B5EF4-FFF2-40B4-BE49-F238E27FC236}">
-                <a16:creationId xmlns:a16="http://schemas.microsoft.com/office/drawing/2014/main" id="{53D92844-5760-21C6-785C-96A3A154F55F}"/>
-              </a:ext>
-            </a:extLst>
-          </p:cNvPr>
+          <p:cNvPr id="7" name="Rectangle 6"/>
           <p:cNvSpPr/>
           <p:nvPr/>
         </p:nvSpPr>
@@ -5489,13 +4837,7 @@
       </p:sp>
       <p:sp>
         <p:nvSpPr>
-          <p:cNvPr id="8" name="Rectangle 7">
-            <a:extLst>
-              <a:ext uri="{FF2B5EF4-FFF2-40B4-BE49-F238E27FC236}">
-                <a16:creationId xmlns:a16="http://schemas.microsoft.com/office/drawing/2014/main" id="{C3CC34CF-F5EA-40BD-0073-697905531E31}"/>
-              </a:ext>
-            </a:extLst>
-          </p:cNvPr>
+          <p:cNvPr id="8" name="Rectangle 7"/>
           <p:cNvSpPr/>
           <p:nvPr/>
         </p:nvSpPr>
@@ -5543,13 +4885,7 @@
       </p:sp>
       <p:sp>
         <p:nvSpPr>
-          <p:cNvPr id="9" name="Rectangle 8">
-            <a:extLst>
-              <a:ext uri="{FF2B5EF4-FFF2-40B4-BE49-F238E27FC236}">
-                <a16:creationId xmlns:a16="http://schemas.microsoft.com/office/drawing/2014/main" id="{47B2162D-6B25-E4EA-6146-E37E8DAD5BDC}"/>
-              </a:ext>
-            </a:extLst>
-          </p:cNvPr>
+          <p:cNvPr id="9" name="Rectangle 8"/>
           <p:cNvSpPr/>
           <p:nvPr/>
         </p:nvSpPr>
@@ -5597,13 +4933,7 @@
       </p:sp>
       <p:sp>
         <p:nvSpPr>
-          <p:cNvPr id="10" name="Rectangle 9">
-            <a:extLst>
-              <a:ext uri="{FF2B5EF4-FFF2-40B4-BE49-F238E27FC236}">
-                <a16:creationId xmlns:a16="http://schemas.microsoft.com/office/drawing/2014/main" id="{28552630-B138-386A-D8FA-867AEAF77924}"/>
-              </a:ext>
-            </a:extLst>
-          </p:cNvPr>
+          <p:cNvPr id="10" name="Rectangle 9"/>
           <p:cNvSpPr/>
           <p:nvPr/>
         </p:nvSpPr>
@@ -5652,12 +4982,7 @@
       <p:sp>
         <p:nvSpPr>
           <p:cNvPr id="13" name="Arrow: Right 12">
-            <a:hlinkClick r:id="rId2" action="ppaction://hlinksldjump"/>
-            <a:extLst>
-              <a:ext uri="{FF2B5EF4-FFF2-40B4-BE49-F238E27FC236}">
-                <a16:creationId xmlns:a16="http://schemas.microsoft.com/office/drawing/2014/main" id="{A6E3C03B-84A7-2483-6ED1-136290984D5B}"/>
-              </a:ext>
-            </a:extLst>
+            <a:hlinkClick r:id="rId1" action="ppaction://hlinksldjump"/>
           </p:cNvPr>
           <p:cNvSpPr/>
           <p:nvPr/>
@@ -5702,13 +5027,7 @@
       </p:sp>
       <p:sp>
         <p:nvSpPr>
-          <p:cNvPr id="14" name="Rectangle 13">
-            <a:extLst>
-              <a:ext uri="{FF2B5EF4-FFF2-40B4-BE49-F238E27FC236}">
-                <a16:creationId xmlns:a16="http://schemas.microsoft.com/office/drawing/2014/main" id="{0D0DF6B9-1F24-FC66-DCA9-B014CCC69B4F}"/>
-              </a:ext>
-            </a:extLst>
-          </p:cNvPr>
+          <p:cNvPr id="14" name="Rectangle 13"/>
           <p:cNvSpPr/>
           <p:nvPr/>
         </p:nvSpPr>
@@ -5814,11 +5133,6 @@
         </p:txBody>
       </p:sp>
     </p:spTree>
-    <p:extLst>
-      <p:ext uri="{BB962C8B-B14F-4D97-AF65-F5344CB8AC3E}">
-        <p14:creationId xmlns:p14="http://schemas.microsoft.com/office/powerpoint/2010/main" val="869992652"/>
-      </p:ext>
-    </p:extLst>
   </p:cSld>
   <p:clrMapOvr>
     <a:masterClrMapping/>
@@ -5845,13 +5159,7 @@
       </p:grpSpPr>
       <p:sp>
         <p:nvSpPr>
-          <p:cNvPr id="2" name="Rectangle 1">
-            <a:extLst>
-              <a:ext uri="{FF2B5EF4-FFF2-40B4-BE49-F238E27FC236}">
-                <a16:creationId xmlns:a16="http://schemas.microsoft.com/office/drawing/2014/main" id="{5373C233-8ACA-8BA6-4171-E574282538B2}"/>
-              </a:ext>
-            </a:extLst>
-          </p:cNvPr>
+          <p:cNvPr id="2" name="Rectangle 1"/>
           <p:cNvSpPr/>
           <p:nvPr/>
         </p:nvSpPr>
@@ -5899,13 +5207,7 @@
       </p:sp>
       <p:sp>
         <p:nvSpPr>
-          <p:cNvPr id="3" name="Rectangle 2">
-            <a:extLst>
-              <a:ext uri="{FF2B5EF4-FFF2-40B4-BE49-F238E27FC236}">
-                <a16:creationId xmlns:a16="http://schemas.microsoft.com/office/drawing/2014/main" id="{B3325AC8-E1A6-A992-32CE-171D4C2C0360}"/>
-              </a:ext>
-            </a:extLst>
-          </p:cNvPr>
+          <p:cNvPr id="3" name="Rectangle 2"/>
           <p:cNvSpPr/>
           <p:nvPr/>
         </p:nvSpPr>
@@ -5953,13 +5255,7 @@
       </p:sp>
       <p:sp>
         <p:nvSpPr>
-          <p:cNvPr id="4" name="Rectangle 3">
-            <a:extLst>
-              <a:ext uri="{FF2B5EF4-FFF2-40B4-BE49-F238E27FC236}">
-                <a16:creationId xmlns:a16="http://schemas.microsoft.com/office/drawing/2014/main" id="{B03C018C-D347-D0E7-9DCF-1C8EEA600472}"/>
-              </a:ext>
-            </a:extLst>
-          </p:cNvPr>
+          <p:cNvPr id="4" name="Rectangle 3"/>
           <p:cNvSpPr/>
           <p:nvPr/>
         </p:nvSpPr>
@@ -6007,13 +5303,7 @@
       </p:sp>
       <p:sp>
         <p:nvSpPr>
-          <p:cNvPr id="5" name="Rectangle 4">
-            <a:extLst>
-              <a:ext uri="{FF2B5EF4-FFF2-40B4-BE49-F238E27FC236}">
-                <a16:creationId xmlns:a16="http://schemas.microsoft.com/office/drawing/2014/main" id="{E524CE91-9C2D-23FC-2BA0-53B33498DA9B}"/>
-              </a:ext>
-            </a:extLst>
-          </p:cNvPr>
+          <p:cNvPr id="5" name="Rectangle 4"/>
           <p:cNvSpPr/>
           <p:nvPr/>
         </p:nvSpPr>
@@ -6061,13 +5351,7 @@
       </p:sp>
       <p:sp>
         <p:nvSpPr>
-          <p:cNvPr id="6" name="Rectangle 5">
-            <a:extLst>
-              <a:ext uri="{FF2B5EF4-FFF2-40B4-BE49-F238E27FC236}">
-                <a16:creationId xmlns:a16="http://schemas.microsoft.com/office/drawing/2014/main" id="{537BC31B-31E9-8035-80C1-DE36898EE60F}"/>
-              </a:ext>
-            </a:extLst>
-          </p:cNvPr>
+          <p:cNvPr id="6" name="Rectangle 5"/>
           <p:cNvSpPr/>
           <p:nvPr/>
         </p:nvSpPr>
@@ -6115,13 +5399,7 @@
       </p:sp>
       <p:sp>
         <p:nvSpPr>
-          <p:cNvPr id="7" name="Rectangle 6">
-            <a:extLst>
-              <a:ext uri="{FF2B5EF4-FFF2-40B4-BE49-F238E27FC236}">
-                <a16:creationId xmlns:a16="http://schemas.microsoft.com/office/drawing/2014/main" id="{53D92844-5760-21C6-785C-96A3A154F55F}"/>
-              </a:ext>
-            </a:extLst>
-          </p:cNvPr>
+          <p:cNvPr id="7" name="Rectangle 6"/>
           <p:cNvSpPr/>
           <p:nvPr/>
         </p:nvSpPr>
@@ -6169,13 +5447,7 @@
       </p:sp>
       <p:sp>
         <p:nvSpPr>
-          <p:cNvPr id="8" name="Rectangle 7">
-            <a:extLst>
-              <a:ext uri="{FF2B5EF4-FFF2-40B4-BE49-F238E27FC236}">
-                <a16:creationId xmlns:a16="http://schemas.microsoft.com/office/drawing/2014/main" id="{C3CC34CF-F5EA-40BD-0073-697905531E31}"/>
-              </a:ext>
-            </a:extLst>
-          </p:cNvPr>
+          <p:cNvPr id="8" name="Rectangle 7"/>
           <p:cNvSpPr/>
           <p:nvPr/>
         </p:nvSpPr>
@@ -6223,13 +5495,7 @@
       </p:sp>
       <p:sp>
         <p:nvSpPr>
-          <p:cNvPr id="9" name="Rectangle 8">
-            <a:extLst>
-              <a:ext uri="{FF2B5EF4-FFF2-40B4-BE49-F238E27FC236}">
-                <a16:creationId xmlns:a16="http://schemas.microsoft.com/office/drawing/2014/main" id="{47B2162D-6B25-E4EA-6146-E37E8DAD5BDC}"/>
-              </a:ext>
-            </a:extLst>
-          </p:cNvPr>
+          <p:cNvPr id="9" name="Rectangle 8"/>
           <p:cNvSpPr/>
           <p:nvPr/>
         </p:nvSpPr>
@@ -6277,13 +5543,7 @@
       </p:sp>
       <p:sp>
         <p:nvSpPr>
-          <p:cNvPr id="10" name="Rectangle 9">
-            <a:extLst>
-              <a:ext uri="{FF2B5EF4-FFF2-40B4-BE49-F238E27FC236}">
-                <a16:creationId xmlns:a16="http://schemas.microsoft.com/office/drawing/2014/main" id="{28552630-B138-386A-D8FA-867AEAF77924}"/>
-              </a:ext>
-            </a:extLst>
-          </p:cNvPr>
+          <p:cNvPr id="10" name="Rectangle 9"/>
           <p:cNvSpPr/>
           <p:nvPr/>
         </p:nvSpPr>
@@ -6332,12 +5592,7 @@
       <p:sp>
         <p:nvSpPr>
           <p:cNvPr id="13" name="Arrow: Right 12">
-            <a:hlinkClick r:id="rId2" action="ppaction://hlinksldjump"/>
-            <a:extLst>
-              <a:ext uri="{FF2B5EF4-FFF2-40B4-BE49-F238E27FC236}">
-                <a16:creationId xmlns:a16="http://schemas.microsoft.com/office/drawing/2014/main" id="{A6E3C03B-84A7-2483-6ED1-136290984D5B}"/>
-              </a:ext>
-            </a:extLst>
+            <a:hlinkClick r:id="rId1" action="ppaction://hlinksldjump"/>
           </p:cNvPr>
           <p:cNvSpPr/>
           <p:nvPr/>
@@ -6382,13 +5637,7 @@
       </p:sp>
       <p:sp>
         <p:nvSpPr>
-          <p:cNvPr id="11" name="Rectangle: Rounded Corners 10">
-            <a:extLst>
-              <a:ext uri="{FF2B5EF4-FFF2-40B4-BE49-F238E27FC236}">
-                <a16:creationId xmlns:a16="http://schemas.microsoft.com/office/drawing/2014/main" id="{6B30D327-4959-4402-0FEE-00EF597FF6AD}"/>
-              </a:ext>
-            </a:extLst>
-          </p:cNvPr>
+          <p:cNvPr id="11" name="Rectangle: Rounded Corners 10"/>
           <p:cNvSpPr/>
           <p:nvPr/>
         </p:nvSpPr>
@@ -6450,11 +5699,6 @@
         </p:txBody>
       </p:sp>
     </p:spTree>
-    <p:extLst>
-      <p:ext uri="{BB962C8B-B14F-4D97-AF65-F5344CB8AC3E}">
-        <p14:creationId xmlns:p14="http://schemas.microsoft.com/office/powerpoint/2010/main" val="2869683715"/>
-      </p:ext>
-    </p:extLst>
   </p:cSld>
   <p:clrMapOvr>
     <a:masterClrMapping/>
@@ -6481,13 +5725,7 @@
       </p:grpSpPr>
       <p:sp>
         <p:nvSpPr>
-          <p:cNvPr id="2" name="Rectangle 1">
-            <a:extLst>
-              <a:ext uri="{FF2B5EF4-FFF2-40B4-BE49-F238E27FC236}">
-                <a16:creationId xmlns:a16="http://schemas.microsoft.com/office/drawing/2014/main" id="{5373C233-8ACA-8BA6-4171-E574282538B2}"/>
-              </a:ext>
-            </a:extLst>
-          </p:cNvPr>
+          <p:cNvPr id="2" name="Rectangle 1"/>
           <p:cNvSpPr/>
           <p:nvPr/>
         </p:nvSpPr>
@@ -6535,13 +5773,7 @@
       </p:sp>
       <p:sp>
         <p:nvSpPr>
-          <p:cNvPr id="3" name="Rectangle 2">
-            <a:extLst>
-              <a:ext uri="{FF2B5EF4-FFF2-40B4-BE49-F238E27FC236}">
-                <a16:creationId xmlns:a16="http://schemas.microsoft.com/office/drawing/2014/main" id="{B3325AC8-E1A6-A992-32CE-171D4C2C0360}"/>
-              </a:ext>
-            </a:extLst>
-          </p:cNvPr>
+          <p:cNvPr id="3" name="Rectangle 2"/>
           <p:cNvSpPr/>
           <p:nvPr/>
         </p:nvSpPr>
@@ -6589,13 +5821,7 @@
       </p:sp>
       <p:sp>
         <p:nvSpPr>
-          <p:cNvPr id="4" name="Rectangle 3">
-            <a:extLst>
-              <a:ext uri="{FF2B5EF4-FFF2-40B4-BE49-F238E27FC236}">
-                <a16:creationId xmlns:a16="http://schemas.microsoft.com/office/drawing/2014/main" id="{B03C018C-D347-D0E7-9DCF-1C8EEA600472}"/>
-              </a:ext>
-            </a:extLst>
-          </p:cNvPr>
+          <p:cNvPr id="4" name="Rectangle 3"/>
           <p:cNvSpPr/>
           <p:nvPr/>
         </p:nvSpPr>
@@ -6643,13 +5869,7 @@
       </p:sp>
       <p:sp>
         <p:nvSpPr>
-          <p:cNvPr id="5" name="Rectangle 4">
-            <a:extLst>
-              <a:ext uri="{FF2B5EF4-FFF2-40B4-BE49-F238E27FC236}">
-                <a16:creationId xmlns:a16="http://schemas.microsoft.com/office/drawing/2014/main" id="{E524CE91-9C2D-23FC-2BA0-53B33498DA9B}"/>
-              </a:ext>
-            </a:extLst>
-          </p:cNvPr>
+          <p:cNvPr id="5" name="Rectangle 4"/>
           <p:cNvSpPr/>
           <p:nvPr/>
         </p:nvSpPr>
@@ -6697,13 +5917,7 @@
       </p:sp>
       <p:sp>
         <p:nvSpPr>
-          <p:cNvPr id="6" name="Rectangle 5">
-            <a:extLst>
-              <a:ext uri="{FF2B5EF4-FFF2-40B4-BE49-F238E27FC236}">
-                <a16:creationId xmlns:a16="http://schemas.microsoft.com/office/drawing/2014/main" id="{537BC31B-31E9-8035-80C1-DE36898EE60F}"/>
-              </a:ext>
-            </a:extLst>
-          </p:cNvPr>
+          <p:cNvPr id="6" name="Rectangle 5"/>
           <p:cNvSpPr/>
           <p:nvPr/>
         </p:nvSpPr>
@@ -6751,13 +5965,7 @@
       </p:sp>
       <p:sp>
         <p:nvSpPr>
-          <p:cNvPr id="7" name="Rectangle 6">
-            <a:extLst>
-              <a:ext uri="{FF2B5EF4-FFF2-40B4-BE49-F238E27FC236}">
-                <a16:creationId xmlns:a16="http://schemas.microsoft.com/office/drawing/2014/main" id="{53D92844-5760-21C6-785C-96A3A154F55F}"/>
-              </a:ext>
-            </a:extLst>
-          </p:cNvPr>
+          <p:cNvPr id="7" name="Rectangle 6"/>
           <p:cNvSpPr/>
           <p:nvPr/>
         </p:nvSpPr>
@@ -6805,13 +6013,7 @@
       </p:sp>
       <p:sp>
         <p:nvSpPr>
-          <p:cNvPr id="8" name="Rectangle 7">
-            <a:extLst>
-              <a:ext uri="{FF2B5EF4-FFF2-40B4-BE49-F238E27FC236}">
-                <a16:creationId xmlns:a16="http://schemas.microsoft.com/office/drawing/2014/main" id="{C3CC34CF-F5EA-40BD-0073-697905531E31}"/>
-              </a:ext>
-            </a:extLst>
-          </p:cNvPr>
+          <p:cNvPr id="8" name="Rectangle 7"/>
           <p:cNvSpPr/>
           <p:nvPr/>
         </p:nvSpPr>
@@ -6859,13 +6061,7 @@
       </p:sp>
       <p:sp>
         <p:nvSpPr>
-          <p:cNvPr id="9" name="Rectangle 8">
-            <a:extLst>
-              <a:ext uri="{FF2B5EF4-FFF2-40B4-BE49-F238E27FC236}">
-                <a16:creationId xmlns:a16="http://schemas.microsoft.com/office/drawing/2014/main" id="{47B2162D-6B25-E4EA-6146-E37E8DAD5BDC}"/>
-              </a:ext>
-            </a:extLst>
-          </p:cNvPr>
+          <p:cNvPr id="9" name="Rectangle 8"/>
           <p:cNvSpPr/>
           <p:nvPr/>
         </p:nvSpPr>
@@ -6913,13 +6109,7 @@
       </p:sp>
       <p:sp>
         <p:nvSpPr>
-          <p:cNvPr id="10" name="Rectangle 9">
-            <a:extLst>
-              <a:ext uri="{FF2B5EF4-FFF2-40B4-BE49-F238E27FC236}">
-                <a16:creationId xmlns:a16="http://schemas.microsoft.com/office/drawing/2014/main" id="{28552630-B138-386A-D8FA-867AEAF77924}"/>
-              </a:ext>
-            </a:extLst>
-          </p:cNvPr>
+          <p:cNvPr id="10" name="Rectangle 9"/>
           <p:cNvSpPr/>
           <p:nvPr/>
         </p:nvSpPr>
@@ -6968,12 +6158,7 @@
       <p:sp>
         <p:nvSpPr>
           <p:cNvPr id="12" name="Arrow: Right 11">
-            <a:hlinkClick r:id="rId2" action="ppaction://hlinksldjump"/>
-            <a:extLst>
-              <a:ext uri="{FF2B5EF4-FFF2-40B4-BE49-F238E27FC236}">
-                <a16:creationId xmlns:a16="http://schemas.microsoft.com/office/drawing/2014/main" id="{942E8A21-4FF6-AF3E-D1C1-473B92A45EA4}"/>
-              </a:ext>
-            </a:extLst>
+            <a:hlinkClick r:id="rId1" action="ppaction://hlinksldjump"/>
           </p:cNvPr>
           <p:cNvSpPr/>
           <p:nvPr/>
@@ -7018,13 +6203,7 @@
       </p:sp>
       <p:sp>
         <p:nvSpPr>
-          <p:cNvPr id="13" name="Rectangle 12">
-            <a:extLst>
-              <a:ext uri="{FF2B5EF4-FFF2-40B4-BE49-F238E27FC236}">
-                <a16:creationId xmlns:a16="http://schemas.microsoft.com/office/drawing/2014/main" id="{2CE69013-447A-881A-3CF1-1EE0922BB8B3}"/>
-              </a:ext>
-            </a:extLst>
-          </p:cNvPr>
+          <p:cNvPr id="13" name="Rectangle 12"/>
           <p:cNvSpPr/>
           <p:nvPr/>
         </p:nvSpPr>
@@ -7114,11 +6293,6 @@
         </p:txBody>
       </p:sp>
     </p:spTree>
-    <p:extLst>
-      <p:ext uri="{BB962C8B-B14F-4D97-AF65-F5344CB8AC3E}">
-        <p14:creationId xmlns:p14="http://schemas.microsoft.com/office/powerpoint/2010/main" val="1348832633"/>
-      </p:ext>
-    </p:extLst>
   </p:cSld>
   <p:clrMapOvr>
     <a:masterClrMapping/>
@@ -7145,13 +6319,7 @@
       </p:grpSpPr>
       <p:sp>
         <p:nvSpPr>
-          <p:cNvPr id="2" name="Rectangle 1">
-            <a:extLst>
-              <a:ext uri="{FF2B5EF4-FFF2-40B4-BE49-F238E27FC236}">
-                <a16:creationId xmlns:a16="http://schemas.microsoft.com/office/drawing/2014/main" id="{5373C233-8ACA-8BA6-4171-E574282538B2}"/>
-              </a:ext>
-            </a:extLst>
-          </p:cNvPr>
+          <p:cNvPr id="2" name="Rectangle 1"/>
           <p:cNvSpPr/>
           <p:nvPr/>
         </p:nvSpPr>
@@ -7199,13 +6367,7 @@
       </p:sp>
       <p:sp>
         <p:nvSpPr>
-          <p:cNvPr id="3" name="Rectangle 2">
-            <a:extLst>
-              <a:ext uri="{FF2B5EF4-FFF2-40B4-BE49-F238E27FC236}">
-                <a16:creationId xmlns:a16="http://schemas.microsoft.com/office/drawing/2014/main" id="{B3325AC8-E1A6-A992-32CE-171D4C2C0360}"/>
-              </a:ext>
-            </a:extLst>
-          </p:cNvPr>
+          <p:cNvPr id="3" name="Rectangle 2"/>
           <p:cNvSpPr/>
           <p:nvPr/>
         </p:nvSpPr>
@@ -7253,13 +6415,7 @@
       </p:sp>
       <p:sp>
         <p:nvSpPr>
-          <p:cNvPr id="4" name="Rectangle 3">
-            <a:extLst>
-              <a:ext uri="{FF2B5EF4-FFF2-40B4-BE49-F238E27FC236}">
-                <a16:creationId xmlns:a16="http://schemas.microsoft.com/office/drawing/2014/main" id="{B03C018C-D347-D0E7-9DCF-1C8EEA600472}"/>
-              </a:ext>
-            </a:extLst>
-          </p:cNvPr>
+          <p:cNvPr id="4" name="Rectangle 3"/>
           <p:cNvSpPr/>
           <p:nvPr/>
         </p:nvSpPr>
@@ -7307,13 +6463,7 @@
       </p:sp>
       <p:sp>
         <p:nvSpPr>
-          <p:cNvPr id="5" name="Rectangle 4">
-            <a:extLst>
-              <a:ext uri="{FF2B5EF4-FFF2-40B4-BE49-F238E27FC236}">
-                <a16:creationId xmlns:a16="http://schemas.microsoft.com/office/drawing/2014/main" id="{E524CE91-9C2D-23FC-2BA0-53B33498DA9B}"/>
-              </a:ext>
-            </a:extLst>
-          </p:cNvPr>
+          <p:cNvPr id="5" name="Rectangle 4"/>
           <p:cNvSpPr/>
           <p:nvPr/>
         </p:nvSpPr>
@@ -7361,13 +6511,7 @@
       </p:sp>
       <p:sp>
         <p:nvSpPr>
-          <p:cNvPr id="6" name="Rectangle 5">
-            <a:extLst>
-              <a:ext uri="{FF2B5EF4-FFF2-40B4-BE49-F238E27FC236}">
-                <a16:creationId xmlns:a16="http://schemas.microsoft.com/office/drawing/2014/main" id="{537BC31B-31E9-8035-80C1-DE36898EE60F}"/>
-              </a:ext>
-            </a:extLst>
-          </p:cNvPr>
+          <p:cNvPr id="6" name="Rectangle 5"/>
           <p:cNvSpPr/>
           <p:nvPr/>
         </p:nvSpPr>
@@ -7415,13 +6559,7 @@
       </p:sp>
       <p:sp>
         <p:nvSpPr>
-          <p:cNvPr id="7" name="Rectangle 6">
-            <a:extLst>
-              <a:ext uri="{FF2B5EF4-FFF2-40B4-BE49-F238E27FC236}">
-                <a16:creationId xmlns:a16="http://schemas.microsoft.com/office/drawing/2014/main" id="{53D92844-5760-21C6-785C-96A3A154F55F}"/>
-              </a:ext>
-            </a:extLst>
-          </p:cNvPr>
+          <p:cNvPr id="7" name="Rectangle 6"/>
           <p:cNvSpPr/>
           <p:nvPr/>
         </p:nvSpPr>
@@ -7469,13 +6607,7 @@
       </p:sp>
       <p:sp>
         <p:nvSpPr>
-          <p:cNvPr id="8" name="Rectangle 7">
-            <a:extLst>
-              <a:ext uri="{FF2B5EF4-FFF2-40B4-BE49-F238E27FC236}">
-                <a16:creationId xmlns:a16="http://schemas.microsoft.com/office/drawing/2014/main" id="{C3CC34CF-F5EA-40BD-0073-697905531E31}"/>
-              </a:ext>
-            </a:extLst>
-          </p:cNvPr>
+          <p:cNvPr id="8" name="Rectangle 7"/>
           <p:cNvSpPr/>
           <p:nvPr/>
         </p:nvSpPr>
@@ -7523,13 +6655,7 @@
       </p:sp>
       <p:sp>
         <p:nvSpPr>
-          <p:cNvPr id="9" name="Rectangle 8">
-            <a:extLst>
-              <a:ext uri="{FF2B5EF4-FFF2-40B4-BE49-F238E27FC236}">
-                <a16:creationId xmlns:a16="http://schemas.microsoft.com/office/drawing/2014/main" id="{47B2162D-6B25-E4EA-6146-E37E8DAD5BDC}"/>
-              </a:ext>
-            </a:extLst>
-          </p:cNvPr>
+          <p:cNvPr id="9" name="Rectangle 8"/>
           <p:cNvSpPr/>
           <p:nvPr/>
         </p:nvSpPr>
@@ -7577,13 +6703,7 @@
       </p:sp>
       <p:sp>
         <p:nvSpPr>
-          <p:cNvPr id="10" name="Rectangle 9">
-            <a:extLst>
-              <a:ext uri="{FF2B5EF4-FFF2-40B4-BE49-F238E27FC236}">
-                <a16:creationId xmlns:a16="http://schemas.microsoft.com/office/drawing/2014/main" id="{28552630-B138-386A-D8FA-867AEAF77924}"/>
-              </a:ext>
-            </a:extLst>
-          </p:cNvPr>
+          <p:cNvPr id="10" name="Rectangle 9"/>
           <p:cNvSpPr/>
           <p:nvPr/>
         </p:nvSpPr>
@@ -7632,12 +6752,7 @@
       <p:sp>
         <p:nvSpPr>
           <p:cNvPr id="12" name="Arrow: Right 11">
-            <a:hlinkClick r:id="rId2" action="ppaction://hlinksldjump"/>
-            <a:extLst>
-              <a:ext uri="{FF2B5EF4-FFF2-40B4-BE49-F238E27FC236}">
-                <a16:creationId xmlns:a16="http://schemas.microsoft.com/office/drawing/2014/main" id="{942E8A21-4FF6-AF3E-D1C1-473B92A45EA4}"/>
-              </a:ext>
-            </a:extLst>
+            <a:hlinkClick r:id="rId1" action="ppaction://hlinksldjump"/>
           </p:cNvPr>
           <p:cNvSpPr/>
           <p:nvPr/>
@@ -7682,13 +6797,7 @@
       </p:sp>
       <p:sp>
         <p:nvSpPr>
-          <p:cNvPr id="11" name="Rectangle: Rounded Corners 10">
-            <a:extLst>
-              <a:ext uri="{FF2B5EF4-FFF2-40B4-BE49-F238E27FC236}">
-                <a16:creationId xmlns:a16="http://schemas.microsoft.com/office/drawing/2014/main" id="{60F87A5C-58C3-BF6F-1256-833BD4A95143}"/>
-              </a:ext>
-            </a:extLst>
-          </p:cNvPr>
+          <p:cNvPr id="11" name="Rectangle: Rounded Corners 10"/>
           <p:cNvSpPr/>
           <p:nvPr/>
         </p:nvSpPr>
@@ -7750,11 +6859,6 @@
         </p:txBody>
       </p:sp>
     </p:spTree>
-    <p:extLst>
-      <p:ext uri="{BB962C8B-B14F-4D97-AF65-F5344CB8AC3E}">
-        <p14:creationId xmlns:p14="http://schemas.microsoft.com/office/powerpoint/2010/main" val="2950886421"/>
-      </p:ext>
-    </p:extLst>
   </p:cSld>
   <p:clrMapOvr>
     <a:masterClrMapping/>
@@ -7781,13 +6885,7 @@
       </p:grpSpPr>
       <p:sp>
         <p:nvSpPr>
-          <p:cNvPr id="2" name="Rectangle 1">
-            <a:extLst>
-              <a:ext uri="{FF2B5EF4-FFF2-40B4-BE49-F238E27FC236}">
-                <a16:creationId xmlns:a16="http://schemas.microsoft.com/office/drawing/2014/main" id="{5373C233-8ACA-8BA6-4171-E574282538B2}"/>
-              </a:ext>
-            </a:extLst>
-          </p:cNvPr>
+          <p:cNvPr id="2" name="Rectangle 1"/>
           <p:cNvSpPr/>
           <p:nvPr/>
         </p:nvSpPr>
@@ -7835,13 +6933,7 @@
       </p:sp>
       <p:sp>
         <p:nvSpPr>
-          <p:cNvPr id="3" name="Rectangle 2">
-            <a:extLst>
-              <a:ext uri="{FF2B5EF4-FFF2-40B4-BE49-F238E27FC236}">
-                <a16:creationId xmlns:a16="http://schemas.microsoft.com/office/drawing/2014/main" id="{B3325AC8-E1A6-A992-32CE-171D4C2C0360}"/>
-              </a:ext>
-            </a:extLst>
-          </p:cNvPr>
+          <p:cNvPr id="3" name="Rectangle 2"/>
           <p:cNvSpPr/>
           <p:nvPr/>
         </p:nvSpPr>
@@ -7889,13 +6981,7 @@
       </p:sp>
       <p:sp>
         <p:nvSpPr>
-          <p:cNvPr id="4" name="Rectangle 3">
-            <a:extLst>
-              <a:ext uri="{FF2B5EF4-FFF2-40B4-BE49-F238E27FC236}">
-                <a16:creationId xmlns:a16="http://schemas.microsoft.com/office/drawing/2014/main" id="{B03C018C-D347-D0E7-9DCF-1C8EEA600472}"/>
-              </a:ext>
-            </a:extLst>
-          </p:cNvPr>
+          <p:cNvPr id="4" name="Rectangle 3"/>
           <p:cNvSpPr/>
           <p:nvPr/>
         </p:nvSpPr>
@@ -7943,13 +7029,7 @@
       </p:sp>
       <p:sp>
         <p:nvSpPr>
-          <p:cNvPr id="5" name="Rectangle 4">
-            <a:extLst>
-              <a:ext uri="{FF2B5EF4-FFF2-40B4-BE49-F238E27FC236}">
-                <a16:creationId xmlns:a16="http://schemas.microsoft.com/office/drawing/2014/main" id="{E524CE91-9C2D-23FC-2BA0-53B33498DA9B}"/>
-              </a:ext>
-            </a:extLst>
-          </p:cNvPr>
+          <p:cNvPr id="5" name="Rectangle 4"/>
           <p:cNvSpPr/>
           <p:nvPr/>
         </p:nvSpPr>
@@ -7997,13 +7077,7 @@
       </p:sp>
       <p:sp>
         <p:nvSpPr>
-          <p:cNvPr id="6" name="Rectangle 5">
-            <a:extLst>
-              <a:ext uri="{FF2B5EF4-FFF2-40B4-BE49-F238E27FC236}">
-                <a16:creationId xmlns:a16="http://schemas.microsoft.com/office/drawing/2014/main" id="{537BC31B-31E9-8035-80C1-DE36898EE60F}"/>
-              </a:ext>
-            </a:extLst>
-          </p:cNvPr>
+          <p:cNvPr id="6" name="Rectangle 5"/>
           <p:cNvSpPr/>
           <p:nvPr/>
         </p:nvSpPr>
@@ -8051,13 +7125,7 @@
       </p:sp>
       <p:sp>
         <p:nvSpPr>
-          <p:cNvPr id="7" name="Rectangle 6">
-            <a:extLst>
-              <a:ext uri="{FF2B5EF4-FFF2-40B4-BE49-F238E27FC236}">
-                <a16:creationId xmlns:a16="http://schemas.microsoft.com/office/drawing/2014/main" id="{53D92844-5760-21C6-785C-96A3A154F55F}"/>
-              </a:ext>
-            </a:extLst>
-          </p:cNvPr>
+          <p:cNvPr id="7" name="Rectangle 6"/>
           <p:cNvSpPr/>
           <p:nvPr/>
         </p:nvSpPr>
@@ -8105,13 +7173,7 @@
       </p:sp>
       <p:sp>
         <p:nvSpPr>
-          <p:cNvPr id="8" name="Rectangle 7">
-            <a:extLst>
-              <a:ext uri="{FF2B5EF4-FFF2-40B4-BE49-F238E27FC236}">
-                <a16:creationId xmlns:a16="http://schemas.microsoft.com/office/drawing/2014/main" id="{C3CC34CF-F5EA-40BD-0073-697905531E31}"/>
-              </a:ext>
-            </a:extLst>
-          </p:cNvPr>
+          <p:cNvPr id="8" name="Rectangle 7"/>
           <p:cNvSpPr/>
           <p:nvPr/>
         </p:nvSpPr>
@@ -8159,13 +7221,7 @@
       </p:sp>
       <p:sp>
         <p:nvSpPr>
-          <p:cNvPr id="9" name="Rectangle 8">
-            <a:extLst>
-              <a:ext uri="{FF2B5EF4-FFF2-40B4-BE49-F238E27FC236}">
-                <a16:creationId xmlns:a16="http://schemas.microsoft.com/office/drawing/2014/main" id="{47B2162D-6B25-E4EA-6146-E37E8DAD5BDC}"/>
-              </a:ext>
-            </a:extLst>
-          </p:cNvPr>
+          <p:cNvPr id="9" name="Rectangle 8"/>
           <p:cNvSpPr/>
           <p:nvPr/>
         </p:nvSpPr>
@@ -8213,13 +7269,7 @@
       </p:sp>
       <p:sp>
         <p:nvSpPr>
-          <p:cNvPr id="10" name="Rectangle 9">
-            <a:extLst>
-              <a:ext uri="{FF2B5EF4-FFF2-40B4-BE49-F238E27FC236}">
-                <a16:creationId xmlns:a16="http://schemas.microsoft.com/office/drawing/2014/main" id="{28552630-B138-386A-D8FA-867AEAF77924}"/>
-              </a:ext>
-            </a:extLst>
-          </p:cNvPr>
+          <p:cNvPr id="10" name="Rectangle 9"/>
           <p:cNvSpPr/>
           <p:nvPr/>
         </p:nvSpPr>
@@ -8268,12 +7318,7 @@
       <p:sp>
         <p:nvSpPr>
           <p:cNvPr id="12" name="Arrow: Right 11">
-            <a:hlinkClick r:id="rId2" action="ppaction://hlinksldjump"/>
-            <a:extLst>
-              <a:ext uri="{FF2B5EF4-FFF2-40B4-BE49-F238E27FC236}">
-                <a16:creationId xmlns:a16="http://schemas.microsoft.com/office/drawing/2014/main" id="{42FBC5E2-9721-CB3C-7F06-B6A3379F50E8}"/>
-              </a:ext>
-            </a:extLst>
+            <a:hlinkClick r:id="rId1" action="ppaction://hlinksldjump"/>
           </p:cNvPr>
           <p:cNvSpPr/>
           <p:nvPr/>
@@ -8318,13 +7363,7 @@
       </p:sp>
       <p:sp>
         <p:nvSpPr>
-          <p:cNvPr id="13" name="Rectangle 12">
-            <a:extLst>
-              <a:ext uri="{FF2B5EF4-FFF2-40B4-BE49-F238E27FC236}">
-                <a16:creationId xmlns:a16="http://schemas.microsoft.com/office/drawing/2014/main" id="{48A5B937-CF3C-F9EF-4AF9-CF19296DB82C}"/>
-              </a:ext>
-            </a:extLst>
-          </p:cNvPr>
+          <p:cNvPr id="13" name="Rectangle 12"/>
           <p:cNvSpPr/>
           <p:nvPr/>
         </p:nvSpPr>
@@ -8409,15 +7448,11 @@
               <a:rPr lang="en-ID" b="1" dirty="0"/>
               <a:t>.</a:t>
             </a:r>
+            <a:endParaRPr lang="en-ID" b="1" dirty="0"/>
           </a:p>
         </p:txBody>
       </p:sp>
     </p:spTree>
-    <p:extLst>
-      <p:ext uri="{BB962C8B-B14F-4D97-AF65-F5344CB8AC3E}">
-        <p14:creationId xmlns:p14="http://schemas.microsoft.com/office/powerpoint/2010/main" val="776402440"/>
-      </p:ext>
-    </p:extLst>
   </p:cSld>
   <p:clrMapOvr>
     <a:masterClrMapping/>
@@ -8444,13 +7479,7 @@
       </p:grpSpPr>
       <p:sp>
         <p:nvSpPr>
-          <p:cNvPr id="2" name="Rectangle 1">
-            <a:extLst>
-              <a:ext uri="{FF2B5EF4-FFF2-40B4-BE49-F238E27FC236}">
-                <a16:creationId xmlns:a16="http://schemas.microsoft.com/office/drawing/2014/main" id="{5373C233-8ACA-8BA6-4171-E574282538B2}"/>
-              </a:ext>
-            </a:extLst>
-          </p:cNvPr>
+          <p:cNvPr id="2" name="Rectangle 1"/>
           <p:cNvSpPr/>
           <p:nvPr/>
         </p:nvSpPr>
@@ -8498,13 +7527,7 @@
       </p:sp>
       <p:sp>
         <p:nvSpPr>
-          <p:cNvPr id="3" name="Rectangle 2">
-            <a:extLst>
-              <a:ext uri="{FF2B5EF4-FFF2-40B4-BE49-F238E27FC236}">
-                <a16:creationId xmlns:a16="http://schemas.microsoft.com/office/drawing/2014/main" id="{B3325AC8-E1A6-A992-32CE-171D4C2C0360}"/>
-              </a:ext>
-            </a:extLst>
-          </p:cNvPr>
+          <p:cNvPr id="3" name="Rectangle 2"/>
           <p:cNvSpPr/>
           <p:nvPr/>
         </p:nvSpPr>
@@ -8552,13 +7575,7 @@
       </p:sp>
       <p:sp>
         <p:nvSpPr>
-          <p:cNvPr id="4" name="Rectangle 3">
-            <a:extLst>
-              <a:ext uri="{FF2B5EF4-FFF2-40B4-BE49-F238E27FC236}">
-                <a16:creationId xmlns:a16="http://schemas.microsoft.com/office/drawing/2014/main" id="{B03C018C-D347-D0E7-9DCF-1C8EEA600472}"/>
-              </a:ext>
-            </a:extLst>
-          </p:cNvPr>
+          <p:cNvPr id="4" name="Rectangle 3"/>
           <p:cNvSpPr/>
           <p:nvPr/>
         </p:nvSpPr>
@@ -8606,13 +7623,7 @@
       </p:sp>
       <p:sp>
         <p:nvSpPr>
-          <p:cNvPr id="5" name="Rectangle 4">
-            <a:extLst>
-              <a:ext uri="{FF2B5EF4-FFF2-40B4-BE49-F238E27FC236}">
-                <a16:creationId xmlns:a16="http://schemas.microsoft.com/office/drawing/2014/main" id="{E524CE91-9C2D-23FC-2BA0-53B33498DA9B}"/>
-              </a:ext>
-            </a:extLst>
-          </p:cNvPr>
+          <p:cNvPr id="5" name="Rectangle 4"/>
           <p:cNvSpPr/>
           <p:nvPr/>
         </p:nvSpPr>
@@ -8660,13 +7671,7 @@
       </p:sp>
       <p:sp>
         <p:nvSpPr>
-          <p:cNvPr id="6" name="Rectangle 5">
-            <a:extLst>
-              <a:ext uri="{FF2B5EF4-FFF2-40B4-BE49-F238E27FC236}">
-                <a16:creationId xmlns:a16="http://schemas.microsoft.com/office/drawing/2014/main" id="{537BC31B-31E9-8035-80C1-DE36898EE60F}"/>
-              </a:ext>
-            </a:extLst>
-          </p:cNvPr>
+          <p:cNvPr id="6" name="Rectangle 5"/>
           <p:cNvSpPr/>
           <p:nvPr/>
         </p:nvSpPr>
@@ -8714,13 +7719,7 @@
       </p:sp>
       <p:sp>
         <p:nvSpPr>
-          <p:cNvPr id="7" name="Rectangle 6">
-            <a:extLst>
-              <a:ext uri="{FF2B5EF4-FFF2-40B4-BE49-F238E27FC236}">
-                <a16:creationId xmlns:a16="http://schemas.microsoft.com/office/drawing/2014/main" id="{53D92844-5760-21C6-785C-96A3A154F55F}"/>
-              </a:ext>
-            </a:extLst>
-          </p:cNvPr>
+          <p:cNvPr id="7" name="Rectangle 6"/>
           <p:cNvSpPr/>
           <p:nvPr/>
         </p:nvSpPr>
@@ -8768,13 +7767,7 @@
       </p:sp>
       <p:sp>
         <p:nvSpPr>
-          <p:cNvPr id="8" name="Rectangle 7">
-            <a:extLst>
-              <a:ext uri="{FF2B5EF4-FFF2-40B4-BE49-F238E27FC236}">
-                <a16:creationId xmlns:a16="http://schemas.microsoft.com/office/drawing/2014/main" id="{C3CC34CF-F5EA-40BD-0073-697905531E31}"/>
-              </a:ext>
-            </a:extLst>
-          </p:cNvPr>
+          <p:cNvPr id="8" name="Rectangle 7"/>
           <p:cNvSpPr/>
           <p:nvPr/>
         </p:nvSpPr>
@@ -8822,13 +7815,7 @@
       </p:sp>
       <p:sp>
         <p:nvSpPr>
-          <p:cNvPr id="9" name="Rectangle 8">
-            <a:extLst>
-              <a:ext uri="{FF2B5EF4-FFF2-40B4-BE49-F238E27FC236}">
-                <a16:creationId xmlns:a16="http://schemas.microsoft.com/office/drawing/2014/main" id="{47B2162D-6B25-E4EA-6146-E37E8DAD5BDC}"/>
-              </a:ext>
-            </a:extLst>
-          </p:cNvPr>
+          <p:cNvPr id="9" name="Rectangle 8"/>
           <p:cNvSpPr/>
           <p:nvPr/>
         </p:nvSpPr>
@@ -8876,13 +7863,7 @@
       </p:sp>
       <p:sp>
         <p:nvSpPr>
-          <p:cNvPr id="10" name="Rectangle 9">
-            <a:extLst>
-              <a:ext uri="{FF2B5EF4-FFF2-40B4-BE49-F238E27FC236}">
-                <a16:creationId xmlns:a16="http://schemas.microsoft.com/office/drawing/2014/main" id="{28552630-B138-386A-D8FA-867AEAF77924}"/>
-              </a:ext>
-            </a:extLst>
-          </p:cNvPr>
+          <p:cNvPr id="10" name="Rectangle 9"/>
           <p:cNvSpPr/>
           <p:nvPr/>
         </p:nvSpPr>
@@ -8931,12 +7912,7 @@
       <p:sp>
         <p:nvSpPr>
           <p:cNvPr id="12" name="Arrow: Right 11">
-            <a:hlinkClick r:id="rId2" action="ppaction://hlinksldjump"/>
-            <a:extLst>
-              <a:ext uri="{FF2B5EF4-FFF2-40B4-BE49-F238E27FC236}">
-                <a16:creationId xmlns:a16="http://schemas.microsoft.com/office/drawing/2014/main" id="{42FBC5E2-9721-CB3C-7F06-B6A3379F50E8}"/>
-              </a:ext>
-            </a:extLst>
+            <a:hlinkClick r:id="rId1" action="ppaction://hlinksldjump"/>
           </p:cNvPr>
           <p:cNvSpPr/>
           <p:nvPr/>
@@ -8981,13 +7957,7 @@
       </p:sp>
       <p:sp>
         <p:nvSpPr>
-          <p:cNvPr id="11" name="Rectangle: Rounded Corners 10">
-            <a:extLst>
-              <a:ext uri="{FF2B5EF4-FFF2-40B4-BE49-F238E27FC236}">
-                <a16:creationId xmlns:a16="http://schemas.microsoft.com/office/drawing/2014/main" id="{F3FFB7FF-86D3-268E-FBE0-75E324B79807}"/>
-              </a:ext>
-            </a:extLst>
-          </p:cNvPr>
+          <p:cNvPr id="11" name="Rectangle: Rounded Corners 10"/>
           <p:cNvSpPr/>
           <p:nvPr/>
         </p:nvSpPr>
@@ -9049,11 +8019,6 @@
         </p:txBody>
       </p:sp>
     </p:spTree>
-    <p:extLst>
-      <p:ext uri="{BB962C8B-B14F-4D97-AF65-F5344CB8AC3E}">
-        <p14:creationId xmlns:p14="http://schemas.microsoft.com/office/powerpoint/2010/main" val="844849554"/>
-      </p:ext>
-    </p:extLst>
   </p:cSld>
   <p:clrMapOvr>
     <a:masterClrMapping/>
@@ -9080,13 +8045,7 @@
       </p:grpSpPr>
       <p:sp>
         <p:nvSpPr>
-          <p:cNvPr id="2" name="Rectangle 1">
-            <a:extLst>
-              <a:ext uri="{FF2B5EF4-FFF2-40B4-BE49-F238E27FC236}">
-                <a16:creationId xmlns:a16="http://schemas.microsoft.com/office/drawing/2014/main" id="{5373C233-8ACA-8BA6-4171-E574282538B2}"/>
-              </a:ext>
-            </a:extLst>
-          </p:cNvPr>
+          <p:cNvPr id="2" name="Rectangle 1"/>
           <p:cNvSpPr/>
           <p:nvPr/>
         </p:nvSpPr>
@@ -9134,13 +8093,7 @@
       </p:sp>
       <p:sp>
         <p:nvSpPr>
-          <p:cNvPr id="3" name="Rectangle 2">
-            <a:extLst>
-              <a:ext uri="{FF2B5EF4-FFF2-40B4-BE49-F238E27FC236}">
-                <a16:creationId xmlns:a16="http://schemas.microsoft.com/office/drawing/2014/main" id="{B3325AC8-E1A6-A992-32CE-171D4C2C0360}"/>
-              </a:ext>
-            </a:extLst>
-          </p:cNvPr>
+          <p:cNvPr id="3" name="Rectangle 2"/>
           <p:cNvSpPr/>
           <p:nvPr/>
         </p:nvSpPr>
@@ -9188,13 +8141,7 @@
       </p:sp>
       <p:sp>
         <p:nvSpPr>
-          <p:cNvPr id="4" name="Rectangle 3">
-            <a:extLst>
-              <a:ext uri="{FF2B5EF4-FFF2-40B4-BE49-F238E27FC236}">
-                <a16:creationId xmlns:a16="http://schemas.microsoft.com/office/drawing/2014/main" id="{B03C018C-D347-D0E7-9DCF-1C8EEA600472}"/>
-              </a:ext>
-            </a:extLst>
-          </p:cNvPr>
+          <p:cNvPr id="4" name="Rectangle 3"/>
           <p:cNvSpPr/>
           <p:nvPr/>
         </p:nvSpPr>
@@ -9242,13 +8189,7 @@
       </p:sp>
       <p:sp>
         <p:nvSpPr>
-          <p:cNvPr id="5" name="Rectangle 4">
-            <a:extLst>
-              <a:ext uri="{FF2B5EF4-FFF2-40B4-BE49-F238E27FC236}">
-                <a16:creationId xmlns:a16="http://schemas.microsoft.com/office/drawing/2014/main" id="{E524CE91-9C2D-23FC-2BA0-53B33498DA9B}"/>
-              </a:ext>
-            </a:extLst>
-          </p:cNvPr>
+          <p:cNvPr id="5" name="Rectangle 4"/>
           <p:cNvSpPr/>
           <p:nvPr/>
         </p:nvSpPr>
@@ -9296,13 +8237,7 @@
       </p:sp>
       <p:sp>
         <p:nvSpPr>
-          <p:cNvPr id="6" name="Rectangle 5">
-            <a:extLst>
-              <a:ext uri="{FF2B5EF4-FFF2-40B4-BE49-F238E27FC236}">
-                <a16:creationId xmlns:a16="http://schemas.microsoft.com/office/drawing/2014/main" id="{537BC31B-31E9-8035-80C1-DE36898EE60F}"/>
-              </a:ext>
-            </a:extLst>
-          </p:cNvPr>
+          <p:cNvPr id="6" name="Rectangle 5"/>
           <p:cNvSpPr/>
           <p:nvPr/>
         </p:nvSpPr>
@@ -9350,13 +8285,7 @@
       </p:sp>
       <p:sp>
         <p:nvSpPr>
-          <p:cNvPr id="7" name="Rectangle 6">
-            <a:extLst>
-              <a:ext uri="{FF2B5EF4-FFF2-40B4-BE49-F238E27FC236}">
-                <a16:creationId xmlns:a16="http://schemas.microsoft.com/office/drawing/2014/main" id="{53D92844-5760-21C6-785C-96A3A154F55F}"/>
-              </a:ext>
-            </a:extLst>
-          </p:cNvPr>
+          <p:cNvPr id="7" name="Rectangle 6"/>
           <p:cNvSpPr/>
           <p:nvPr/>
         </p:nvSpPr>
@@ -9404,13 +8333,7 @@
       </p:sp>
       <p:sp>
         <p:nvSpPr>
-          <p:cNvPr id="8" name="Rectangle 7">
-            <a:extLst>
-              <a:ext uri="{FF2B5EF4-FFF2-40B4-BE49-F238E27FC236}">
-                <a16:creationId xmlns:a16="http://schemas.microsoft.com/office/drawing/2014/main" id="{C3CC34CF-F5EA-40BD-0073-697905531E31}"/>
-              </a:ext>
-            </a:extLst>
-          </p:cNvPr>
+          <p:cNvPr id="8" name="Rectangle 7"/>
           <p:cNvSpPr/>
           <p:nvPr/>
         </p:nvSpPr>
@@ -9458,13 +8381,7 @@
       </p:sp>
       <p:sp>
         <p:nvSpPr>
-          <p:cNvPr id="9" name="Rectangle 8">
-            <a:extLst>
-              <a:ext uri="{FF2B5EF4-FFF2-40B4-BE49-F238E27FC236}">
-                <a16:creationId xmlns:a16="http://schemas.microsoft.com/office/drawing/2014/main" id="{47B2162D-6B25-E4EA-6146-E37E8DAD5BDC}"/>
-              </a:ext>
-            </a:extLst>
-          </p:cNvPr>
+          <p:cNvPr id="9" name="Rectangle 8"/>
           <p:cNvSpPr/>
           <p:nvPr/>
         </p:nvSpPr>
@@ -9512,13 +8429,7 @@
       </p:sp>
       <p:sp>
         <p:nvSpPr>
-          <p:cNvPr id="10" name="Rectangle 9">
-            <a:extLst>
-              <a:ext uri="{FF2B5EF4-FFF2-40B4-BE49-F238E27FC236}">
-                <a16:creationId xmlns:a16="http://schemas.microsoft.com/office/drawing/2014/main" id="{28552630-B138-386A-D8FA-867AEAF77924}"/>
-              </a:ext>
-            </a:extLst>
-          </p:cNvPr>
+          <p:cNvPr id="10" name="Rectangle 9"/>
           <p:cNvSpPr/>
           <p:nvPr/>
         </p:nvSpPr>
@@ -9567,12 +8478,7 @@
       <p:sp>
         <p:nvSpPr>
           <p:cNvPr id="12" name="Arrow: Right 11">
-            <a:hlinkClick r:id="rId2" action="ppaction://hlinksldjump"/>
-            <a:extLst>
-              <a:ext uri="{FF2B5EF4-FFF2-40B4-BE49-F238E27FC236}">
-                <a16:creationId xmlns:a16="http://schemas.microsoft.com/office/drawing/2014/main" id="{BEBFA841-D7B3-5FC3-CD08-FA0B8200CA70}"/>
-              </a:ext>
-            </a:extLst>
+            <a:hlinkClick r:id="rId1" action="ppaction://hlinksldjump"/>
           </p:cNvPr>
           <p:cNvSpPr/>
           <p:nvPr/>
@@ -9617,13 +8523,7 @@
       </p:sp>
       <p:sp>
         <p:nvSpPr>
-          <p:cNvPr id="13" name="Rectangle 12">
-            <a:extLst>
-              <a:ext uri="{FF2B5EF4-FFF2-40B4-BE49-F238E27FC236}">
-                <a16:creationId xmlns:a16="http://schemas.microsoft.com/office/drawing/2014/main" id="{C80E889C-62A2-7E50-097F-AC64C9E7973A}"/>
-              </a:ext>
-            </a:extLst>
-          </p:cNvPr>
+          <p:cNvPr id="13" name="Rectangle 12"/>
           <p:cNvSpPr/>
           <p:nvPr/>
         </p:nvSpPr>
@@ -9665,11 +8565,6 @@
         </p:txBody>
       </p:sp>
     </p:spTree>
-    <p:extLst>
-      <p:ext uri="{BB962C8B-B14F-4D97-AF65-F5344CB8AC3E}">
-        <p14:creationId xmlns:p14="http://schemas.microsoft.com/office/powerpoint/2010/main" val="1589579268"/>
-      </p:ext>
-    </p:extLst>
   </p:cSld>
   <p:clrMapOvr>
     <a:masterClrMapping/>
@@ -9696,13 +8591,7 @@
       </p:grpSpPr>
       <p:sp>
         <p:nvSpPr>
-          <p:cNvPr id="2" name="Rectangle 1">
-            <a:extLst>
-              <a:ext uri="{FF2B5EF4-FFF2-40B4-BE49-F238E27FC236}">
-                <a16:creationId xmlns:a16="http://schemas.microsoft.com/office/drawing/2014/main" id="{5373C233-8ACA-8BA6-4171-E574282538B2}"/>
-              </a:ext>
-            </a:extLst>
-          </p:cNvPr>
+          <p:cNvPr id="2" name="Rectangle 1"/>
           <p:cNvSpPr/>
           <p:nvPr/>
         </p:nvSpPr>
@@ -9750,13 +8639,7 @@
       </p:sp>
       <p:sp>
         <p:nvSpPr>
-          <p:cNvPr id="3" name="Rectangle 2">
-            <a:extLst>
-              <a:ext uri="{FF2B5EF4-FFF2-40B4-BE49-F238E27FC236}">
-                <a16:creationId xmlns:a16="http://schemas.microsoft.com/office/drawing/2014/main" id="{B3325AC8-E1A6-A992-32CE-171D4C2C0360}"/>
-              </a:ext>
-            </a:extLst>
-          </p:cNvPr>
+          <p:cNvPr id="3" name="Rectangle 2"/>
           <p:cNvSpPr/>
           <p:nvPr/>
         </p:nvSpPr>
@@ -9804,13 +8687,7 @@
       </p:sp>
       <p:sp>
         <p:nvSpPr>
-          <p:cNvPr id="4" name="Rectangle 3">
-            <a:extLst>
-              <a:ext uri="{FF2B5EF4-FFF2-40B4-BE49-F238E27FC236}">
-                <a16:creationId xmlns:a16="http://schemas.microsoft.com/office/drawing/2014/main" id="{B03C018C-D347-D0E7-9DCF-1C8EEA600472}"/>
-              </a:ext>
-            </a:extLst>
-          </p:cNvPr>
+          <p:cNvPr id="4" name="Rectangle 3"/>
           <p:cNvSpPr/>
           <p:nvPr/>
         </p:nvSpPr>
@@ -9858,13 +8735,7 @@
       </p:sp>
       <p:sp>
         <p:nvSpPr>
-          <p:cNvPr id="5" name="Rectangle 4">
-            <a:extLst>
-              <a:ext uri="{FF2B5EF4-FFF2-40B4-BE49-F238E27FC236}">
-                <a16:creationId xmlns:a16="http://schemas.microsoft.com/office/drawing/2014/main" id="{E524CE91-9C2D-23FC-2BA0-53B33498DA9B}"/>
-              </a:ext>
-            </a:extLst>
-          </p:cNvPr>
+          <p:cNvPr id="5" name="Rectangle 4"/>
           <p:cNvSpPr/>
           <p:nvPr/>
         </p:nvSpPr>
@@ -9912,13 +8783,7 @@
       </p:sp>
       <p:sp>
         <p:nvSpPr>
-          <p:cNvPr id="6" name="Rectangle 5">
-            <a:extLst>
-              <a:ext uri="{FF2B5EF4-FFF2-40B4-BE49-F238E27FC236}">
-                <a16:creationId xmlns:a16="http://schemas.microsoft.com/office/drawing/2014/main" id="{537BC31B-31E9-8035-80C1-DE36898EE60F}"/>
-              </a:ext>
-            </a:extLst>
-          </p:cNvPr>
+          <p:cNvPr id="6" name="Rectangle 5"/>
           <p:cNvSpPr/>
           <p:nvPr/>
         </p:nvSpPr>
@@ -9966,13 +8831,7 @@
       </p:sp>
       <p:sp>
         <p:nvSpPr>
-          <p:cNvPr id="7" name="Rectangle 6">
-            <a:extLst>
-              <a:ext uri="{FF2B5EF4-FFF2-40B4-BE49-F238E27FC236}">
-                <a16:creationId xmlns:a16="http://schemas.microsoft.com/office/drawing/2014/main" id="{53D92844-5760-21C6-785C-96A3A154F55F}"/>
-              </a:ext>
-            </a:extLst>
-          </p:cNvPr>
+          <p:cNvPr id="7" name="Rectangle 6"/>
           <p:cNvSpPr/>
           <p:nvPr/>
         </p:nvSpPr>
@@ -10020,13 +8879,7 @@
       </p:sp>
       <p:sp>
         <p:nvSpPr>
-          <p:cNvPr id="8" name="Rectangle 7">
-            <a:extLst>
-              <a:ext uri="{FF2B5EF4-FFF2-40B4-BE49-F238E27FC236}">
-                <a16:creationId xmlns:a16="http://schemas.microsoft.com/office/drawing/2014/main" id="{C3CC34CF-F5EA-40BD-0073-697905531E31}"/>
-              </a:ext>
-            </a:extLst>
-          </p:cNvPr>
+          <p:cNvPr id="8" name="Rectangle 7"/>
           <p:cNvSpPr/>
           <p:nvPr/>
         </p:nvSpPr>
@@ -10074,13 +8927,7 @@
       </p:sp>
       <p:sp>
         <p:nvSpPr>
-          <p:cNvPr id="9" name="Rectangle 8">
-            <a:extLst>
-              <a:ext uri="{FF2B5EF4-FFF2-40B4-BE49-F238E27FC236}">
-                <a16:creationId xmlns:a16="http://schemas.microsoft.com/office/drawing/2014/main" id="{47B2162D-6B25-E4EA-6146-E37E8DAD5BDC}"/>
-              </a:ext>
-            </a:extLst>
-          </p:cNvPr>
+          <p:cNvPr id="9" name="Rectangle 8"/>
           <p:cNvSpPr/>
           <p:nvPr/>
         </p:nvSpPr>
@@ -10128,13 +8975,7 @@
       </p:sp>
       <p:sp>
         <p:nvSpPr>
-          <p:cNvPr id="10" name="Rectangle 9">
-            <a:extLst>
-              <a:ext uri="{FF2B5EF4-FFF2-40B4-BE49-F238E27FC236}">
-                <a16:creationId xmlns:a16="http://schemas.microsoft.com/office/drawing/2014/main" id="{28552630-B138-386A-D8FA-867AEAF77924}"/>
-              </a:ext>
-            </a:extLst>
-          </p:cNvPr>
+          <p:cNvPr id="10" name="Rectangle 9"/>
           <p:cNvSpPr/>
           <p:nvPr/>
         </p:nvSpPr>
@@ -10183,12 +9024,7 @@
       <p:sp>
         <p:nvSpPr>
           <p:cNvPr id="12" name="Arrow: Right 11">
-            <a:hlinkClick r:id="rId2" action="ppaction://hlinksldjump"/>
-            <a:extLst>
-              <a:ext uri="{FF2B5EF4-FFF2-40B4-BE49-F238E27FC236}">
-                <a16:creationId xmlns:a16="http://schemas.microsoft.com/office/drawing/2014/main" id="{BEBFA841-D7B3-5FC3-CD08-FA0B8200CA70}"/>
-              </a:ext>
-            </a:extLst>
+            <a:hlinkClick r:id="rId1" action="ppaction://hlinksldjump"/>
           </p:cNvPr>
           <p:cNvSpPr/>
           <p:nvPr/>
@@ -10233,13 +9069,7 @@
       </p:sp>
       <p:sp>
         <p:nvSpPr>
-          <p:cNvPr id="11" name="Rectangle: Rounded Corners 10">
-            <a:extLst>
-              <a:ext uri="{FF2B5EF4-FFF2-40B4-BE49-F238E27FC236}">
-                <a16:creationId xmlns:a16="http://schemas.microsoft.com/office/drawing/2014/main" id="{265FADA9-E188-10FE-2E2F-D576FA2DD9E8}"/>
-              </a:ext>
-            </a:extLst>
-          </p:cNvPr>
+          <p:cNvPr id="11" name="Rectangle: Rounded Corners 10"/>
           <p:cNvSpPr/>
           <p:nvPr/>
         </p:nvSpPr>
@@ -10301,11 +9131,6 @@
         </p:txBody>
       </p:sp>
     </p:spTree>
-    <p:extLst>
-      <p:ext uri="{BB962C8B-B14F-4D97-AF65-F5344CB8AC3E}">
-        <p14:creationId xmlns:p14="http://schemas.microsoft.com/office/powerpoint/2010/main" val="2095586601"/>
-      </p:ext>
-    </p:extLst>
   </p:cSld>
   <p:clrMapOvr>
     <a:masterClrMapping/>
@@ -10332,13 +9157,7 @@
       </p:grpSpPr>
       <p:sp>
         <p:nvSpPr>
-          <p:cNvPr id="2" name="Rectangle 1">
-            <a:extLst>
-              <a:ext uri="{FF2B5EF4-FFF2-40B4-BE49-F238E27FC236}">
-                <a16:creationId xmlns:a16="http://schemas.microsoft.com/office/drawing/2014/main" id="{5373C233-8ACA-8BA6-4171-E574282538B2}"/>
-              </a:ext>
-            </a:extLst>
-          </p:cNvPr>
+          <p:cNvPr id="2" name="Rectangle 1"/>
           <p:cNvSpPr/>
           <p:nvPr/>
         </p:nvSpPr>
@@ -10386,13 +9205,7 @@
       </p:sp>
       <p:sp>
         <p:nvSpPr>
-          <p:cNvPr id="3" name="Rectangle 2">
-            <a:extLst>
-              <a:ext uri="{FF2B5EF4-FFF2-40B4-BE49-F238E27FC236}">
-                <a16:creationId xmlns:a16="http://schemas.microsoft.com/office/drawing/2014/main" id="{B3325AC8-E1A6-A992-32CE-171D4C2C0360}"/>
-              </a:ext>
-            </a:extLst>
-          </p:cNvPr>
+          <p:cNvPr id="3" name="Rectangle 2"/>
           <p:cNvSpPr/>
           <p:nvPr/>
         </p:nvSpPr>
@@ -10440,13 +9253,7 @@
       </p:sp>
       <p:sp>
         <p:nvSpPr>
-          <p:cNvPr id="4" name="Rectangle 3">
-            <a:extLst>
-              <a:ext uri="{FF2B5EF4-FFF2-40B4-BE49-F238E27FC236}">
-                <a16:creationId xmlns:a16="http://schemas.microsoft.com/office/drawing/2014/main" id="{B03C018C-D347-D0E7-9DCF-1C8EEA600472}"/>
-              </a:ext>
-            </a:extLst>
-          </p:cNvPr>
+          <p:cNvPr id="4" name="Rectangle 3"/>
           <p:cNvSpPr/>
           <p:nvPr/>
         </p:nvSpPr>
@@ -10494,13 +9301,7 @@
       </p:sp>
       <p:sp>
         <p:nvSpPr>
-          <p:cNvPr id="5" name="Rectangle 4">
-            <a:extLst>
-              <a:ext uri="{FF2B5EF4-FFF2-40B4-BE49-F238E27FC236}">
-                <a16:creationId xmlns:a16="http://schemas.microsoft.com/office/drawing/2014/main" id="{E524CE91-9C2D-23FC-2BA0-53B33498DA9B}"/>
-              </a:ext>
-            </a:extLst>
-          </p:cNvPr>
+          <p:cNvPr id="5" name="Rectangle 4"/>
           <p:cNvSpPr/>
           <p:nvPr/>
         </p:nvSpPr>
@@ -10548,13 +9349,7 @@
       </p:sp>
       <p:sp>
         <p:nvSpPr>
-          <p:cNvPr id="6" name="Rectangle 5">
-            <a:extLst>
-              <a:ext uri="{FF2B5EF4-FFF2-40B4-BE49-F238E27FC236}">
-                <a16:creationId xmlns:a16="http://schemas.microsoft.com/office/drawing/2014/main" id="{537BC31B-31E9-8035-80C1-DE36898EE60F}"/>
-              </a:ext>
-            </a:extLst>
-          </p:cNvPr>
+          <p:cNvPr id="6" name="Rectangle 5"/>
           <p:cNvSpPr/>
           <p:nvPr/>
         </p:nvSpPr>
@@ -10602,13 +9397,7 @@
       </p:sp>
       <p:sp>
         <p:nvSpPr>
-          <p:cNvPr id="7" name="Rectangle 6">
-            <a:extLst>
-              <a:ext uri="{FF2B5EF4-FFF2-40B4-BE49-F238E27FC236}">
-                <a16:creationId xmlns:a16="http://schemas.microsoft.com/office/drawing/2014/main" id="{53D92844-5760-21C6-785C-96A3A154F55F}"/>
-              </a:ext>
-            </a:extLst>
-          </p:cNvPr>
+          <p:cNvPr id="7" name="Rectangle 6"/>
           <p:cNvSpPr/>
           <p:nvPr/>
         </p:nvSpPr>
@@ -10656,13 +9445,7 @@
       </p:sp>
       <p:sp>
         <p:nvSpPr>
-          <p:cNvPr id="8" name="Rectangle 7">
-            <a:extLst>
-              <a:ext uri="{FF2B5EF4-FFF2-40B4-BE49-F238E27FC236}">
-                <a16:creationId xmlns:a16="http://schemas.microsoft.com/office/drawing/2014/main" id="{C3CC34CF-F5EA-40BD-0073-697905531E31}"/>
-              </a:ext>
-            </a:extLst>
-          </p:cNvPr>
+          <p:cNvPr id="8" name="Rectangle 7"/>
           <p:cNvSpPr/>
           <p:nvPr/>
         </p:nvSpPr>
@@ -10710,13 +9493,7 @@
       </p:sp>
       <p:sp>
         <p:nvSpPr>
-          <p:cNvPr id="9" name="Rectangle 8">
-            <a:extLst>
-              <a:ext uri="{FF2B5EF4-FFF2-40B4-BE49-F238E27FC236}">
-                <a16:creationId xmlns:a16="http://schemas.microsoft.com/office/drawing/2014/main" id="{47B2162D-6B25-E4EA-6146-E37E8DAD5BDC}"/>
-              </a:ext>
-            </a:extLst>
-          </p:cNvPr>
+          <p:cNvPr id="9" name="Rectangle 8"/>
           <p:cNvSpPr/>
           <p:nvPr/>
         </p:nvSpPr>
@@ -10764,13 +9541,7 @@
       </p:sp>
       <p:sp>
         <p:nvSpPr>
-          <p:cNvPr id="10" name="Rectangle 9">
-            <a:extLst>
-              <a:ext uri="{FF2B5EF4-FFF2-40B4-BE49-F238E27FC236}">
-                <a16:creationId xmlns:a16="http://schemas.microsoft.com/office/drawing/2014/main" id="{28552630-B138-386A-D8FA-867AEAF77924}"/>
-              </a:ext>
-            </a:extLst>
-          </p:cNvPr>
+          <p:cNvPr id="10" name="Rectangle 9"/>
           <p:cNvSpPr/>
           <p:nvPr/>
         </p:nvSpPr>
@@ -10819,12 +9590,7 @@
       <p:sp>
         <p:nvSpPr>
           <p:cNvPr id="11" name="Arrow: Right 10">
-            <a:hlinkClick r:id="rId2" action="ppaction://hlinksldjump"/>
-            <a:extLst>
-              <a:ext uri="{FF2B5EF4-FFF2-40B4-BE49-F238E27FC236}">
-                <a16:creationId xmlns:a16="http://schemas.microsoft.com/office/drawing/2014/main" id="{5CBFBC06-8A7F-5A90-0FF0-782FD55BED7E}"/>
-              </a:ext>
-            </a:extLst>
+            <a:hlinkClick r:id="rId1" action="ppaction://hlinksldjump"/>
           </p:cNvPr>
           <p:cNvSpPr/>
           <p:nvPr/>
@@ -10869,13 +9635,7 @@
       </p:sp>
       <p:sp>
         <p:nvSpPr>
-          <p:cNvPr id="12" name="Rectangle 11">
-            <a:extLst>
-              <a:ext uri="{FF2B5EF4-FFF2-40B4-BE49-F238E27FC236}">
-                <a16:creationId xmlns:a16="http://schemas.microsoft.com/office/drawing/2014/main" id="{D6D3C100-4432-F877-7A25-1EB922181221}"/>
-              </a:ext>
-            </a:extLst>
-          </p:cNvPr>
+          <p:cNvPr id="12" name="Rectangle 11"/>
           <p:cNvSpPr/>
           <p:nvPr/>
         </p:nvSpPr>
@@ -10914,24 +9674,13 @@
             <a:pPr algn="ctr"/>
             <a:r>
               <a:rPr lang="en-US" dirty="0"/>
-              <a:t>JAWABAN YANG BENAR ADALAH </a:t>
-            </a:r>
-            <a:r>
-              <a:rPr lang="en-US" dirty="0">
-                <a:hlinkClick r:id="rId3" action="ppaction://hlinksldjump"/>
-              </a:rPr>
-              <a:t>A. SUM</a:t>
+              <a:t>JAWABAN YANG BENAR ADALAH B.AVG</a:t>
             </a:r>
             <a:endParaRPr lang="en-US" dirty="0"/>
           </a:p>
         </p:txBody>
       </p:sp>
     </p:spTree>
-    <p:extLst>
-      <p:ext uri="{BB962C8B-B14F-4D97-AF65-F5344CB8AC3E}">
-        <p14:creationId xmlns:p14="http://schemas.microsoft.com/office/powerpoint/2010/main" val="508553299"/>
-      </p:ext>
-    </p:extLst>
   </p:cSld>
   <p:clrMapOvr>
     <a:masterClrMapping/>
@@ -10958,13 +9707,7 @@
       </p:grpSpPr>
       <p:sp>
         <p:nvSpPr>
-          <p:cNvPr id="2" name="Title 1">
-            <a:extLst>
-              <a:ext uri="{FF2B5EF4-FFF2-40B4-BE49-F238E27FC236}">
-                <a16:creationId xmlns:a16="http://schemas.microsoft.com/office/drawing/2014/main" id="{13EDBB74-2C4D-E769-4AFD-2A6BF06F4D3B}"/>
-              </a:ext>
-            </a:extLst>
-          </p:cNvPr>
+          <p:cNvPr id="2" name="Title 1"/>
           <p:cNvSpPr>
             <a:spLocks noGrp="1"/>
           </p:cNvSpPr>
@@ -10996,13 +9739,7 @@
       </p:sp>
       <p:sp>
         <p:nvSpPr>
-          <p:cNvPr id="3" name="Content Placeholder 2">
-            <a:extLst>
-              <a:ext uri="{FF2B5EF4-FFF2-40B4-BE49-F238E27FC236}">
-                <a16:creationId xmlns:a16="http://schemas.microsoft.com/office/drawing/2014/main" id="{165BC7FF-1BB2-A7D3-7DCE-5458E869E74E}"/>
-              </a:ext>
-            </a:extLst>
-          </p:cNvPr>
+          <p:cNvPr id="3" name="Content Placeholder 2"/>
           <p:cNvSpPr>
             <a:spLocks noGrp="1"/>
           </p:cNvSpPr>
@@ -11080,6 +9817,7 @@
               <a:rPr lang="en-US" dirty="0"/>
               <a:t>?</a:t>
             </a:r>
+            <a:endParaRPr lang="en-US" dirty="0"/>
           </a:p>
           <a:p>
             <a:pPr marL="0" indent="0">
@@ -11093,7 +9831,7 @@
             </a:pPr>
             <a:r>
               <a:rPr lang="en-US" dirty="0">
-                <a:hlinkClick r:id="rId2" action="ppaction://hlinksldjump"/>
+                <a:hlinkClick r:id="rId1" action="ppaction://hlinksldjump"/>
               </a:rPr>
               <a:t>A. SUM</a:t>
             </a:r>
@@ -11105,7 +9843,7 @@
             </a:pPr>
             <a:r>
               <a:rPr lang="en-US" dirty="0">
-                <a:hlinkClick r:id="rId3" action="ppaction://hlinksldjump"/>
+                <a:hlinkClick r:id="rId2" action="ppaction://hlinksldjump"/>
               </a:rPr>
               <a:t>B. AVG</a:t>
             </a:r>
@@ -11117,13 +9855,13 @@
             </a:pPr>
             <a:r>
               <a:rPr lang="en-US" dirty="0">
-                <a:hlinkClick r:id="rId2" action="ppaction://hlinksldjump"/>
+                <a:hlinkClick r:id="rId1" action="ppaction://hlinksldjump"/>
               </a:rPr>
               <a:t>C. </a:t>
             </a:r>
             <a:r>
               <a:rPr lang="en-US" dirty="0" err="1">
-                <a:hlinkClick r:id="rId2" action="ppaction://hlinksldjump"/>
+                <a:hlinkClick r:id="rId1" action="ppaction://hlinksldjump"/>
               </a:rPr>
               <a:t>NoCab</a:t>
             </a:r>
@@ -11135,7 +9873,7 @@
             </a:pPr>
             <a:r>
               <a:rPr lang="en-US" dirty="0">
-                <a:hlinkClick r:id="rId2" action="ppaction://hlinksldjump"/>
+                <a:hlinkClick r:id="rId1" action="ppaction://hlinksldjump"/>
               </a:rPr>
               <a:t>D. COUNT</a:t>
             </a:r>
@@ -11147,7 +9885,7 @@
             </a:pPr>
             <a:r>
               <a:rPr lang="en-US" dirty="0">
-                <a:hlinkClick r:id="rId2" action="ppaction://hlinksldjump"/>
+                <a:hlinkClick r:id="rId1" action="ppaction://hlinksldjump"/>
               </a:rPr>
               <a:t>E. AS</a:t>
             </a:r>
@@ -11158,12 +9896,7 @@
       <p:sp>
         <p:nvSpPr>
           <p:cNvPr id="4" name="Arrow: Right 3">
-            <a:hlinkClick r:id="rId4" action="ppaction://hlinksldjump"/>
-            <a:extLst>
-              <a:ext uri="{FF2B5EF4-FFF2-40B4-BE49-F238E27FC236}">
-                <a16:creationId xmlns:a16="http://schemas.microsoft.com/office/drawing/2014/main" id="{7045CA10-B159-E08C-4FE1-85C911AEB896}"/>
-              </a:ext>
-            </a:extLst>
+            <a:hlinkClick r:id="rId3" action="ppaction://hlinksldjump"/>
           </p:cNvPr>
           <p:cNvSpPr/>
           <p:nvPr/>
@@ -11208,12 +9941,7 @@
       <p:sp>
         <p:nvSpPr>
           <p:cNvPr id="5" name="Arrow: Right 4">
-            <a:hlinkClick r:id="rId3" action="ppaction://hlinksldjump"/>
-            <a:extLst>
-              <a:ext uri="{FF2B5EF4-FFF2-40B4-BE49-F238E27FC236}">
-                <a16:creationId xmlns:a16="http://schemas.microsoft.com/office/drawing/2014/main" id="{74A8EF80-95F6-C0B5-8556-AB28F117F458}"/>
-              </a:ext>
-            </a:extLst>
+            <a:hlinkClick r:id="rId2" action="ppaction://hlinksldjump"/>
           </p:cNvPr>
           <p:cNvSpPr/>
           <p:nvPr/>
@@ -11256,11 +9984,6 @@
         </p:txBody>
       </p:sp>
     </p:spTree>
-    <p:extLst>
-      <p:ext uri="{BB962C8B-B14F-4D97-AF65-F5344CB8AC3E}">
-        <p14:creationId xmlns:p14="http://schemas.microsoft.com/office/powerpoint/2010/main" val="1445541855"/>
-      </p:ext>
-    </p:extLst>
   </p:cSld>
   <p:clrMapOvr>
     <a:masterClrMapping/>
@@ -11287,13 +10010,7 @@
       </p:grpSpPr>
       <p:sp>
         <p:nvSpPr>
-          <p:cNvPr id="2" name="Title 1">
-            <a:extLst>
-              <a:ext uri="{FF2B5EF4-FFF2-40B4-BE49-F238E27FC236}">
-                <a16:creationId xmlns:a16="http://schemas.microsoft.com/office/drawing/2014/main" id="{13EDBB74-2C4D-E769-4AFD-2A6BF06F4D3B}"/>
-              </a:ext>
-            </a:extLst>
-          </p:cNvPr>
+          <p:cNvPr id="2" name="Title 1"/>
           <p:cNvSpPr>
             <a:spLocks noGrp="1"/>
           </p:cNvSpPr>
@@ -11325,13 +10042,7 @@
       </p:sp>
       <p:sp>
         <p:nvSpPr>
-          <p:cNvPr id="3" name="Content Placeholder 2">
-            <a:extLst>
-              <a:ext uri="{FF2B5EF4-FFF2-40B4-BE49-F238E27FC236}">
-                <a16:creationId xmlns:a16="http://schemas.microsoft.com/office/drawing/2014/main" id="{165BC7FF-1BB2-A7D3-7DCE-5458E869E74E}"/>
-              </a:ext>
-            </a:extLst>
-          </p:cNvPr>
+          <p:cNvPr id="3" name="Content Placeholder 2"/>
           <p:cNvSpPr>
             <a:spLocks noGrp="1"/>
           </p:cNvSpPr>
@@ -11419,6 +10130,7 @@
               <a:rPr lang="en-ID" dirty="0"/>
               <a:t>?</a:t>
             </a:r>
+            <a:endParaRPr lang="en-ID" dirty="0"/>
           </a:p>
           <a:p>
             <a:pPr marL="0" indent="0">
@@ -11432,7 +10144,7 @@
             </a:pPr>
             <a:r>
               <a:rPr lang="en-ID" dirty="0" err="1">
-                <a:hlinkClick r:id="rId2" action="ppaction://hlinksldjump"/>
+                <a:hlinkClick r:id="rId1" action="ppaction://hlinksldjump"/>
               </a:rPr>
               <a:t>A.NoCab</a:t>
             </a:r>
@@ -11444,7 +10156,7 @@
             </a:pPr>
             <a:r>
               <a:rPr lang="en-ID" dirty="0">
-                <a:hlinkClick r:id="rId2" action="ppaction://hlinksldjump"/>
+                <a:hlinkClick r:id="rId1" action="ppaction://hlinksldjump"/>
               </a:rPr>
               <a:t>B.SUM</a:t>
             </a:r>
@@ -11456,7 +10168,7 @@
             </a:pPr>
             <a:r>
               <a:rPr lang="en-ID" dirty="0">
-                <a:hlinkClick r:id="rId2" action="ppaction://hlinksldjump"/>
+                <a:hlinkClick r:id="rId1" action="ppaction://hlinksldjump"/>
               </a:rPr>
               <a:t>C.SELECT</a:t>
             </a:r>
@@ -11468,7 +10180,7 @@
             </a:pPr>
             <a:r>
               <a:rPr lang="en-ID" dirty="0">
-                <a:hlinkClick r:id="rId2" action="ppaction://hlinksldjump"/>
+                <a:hlinkClick r:id="rId1" action="ppaction://hlinksldjump"/>
               </a:rPr>
               <a:t>D.COUNT</a:t>
             </a:r>
@@ -11480,7 +10192,7 @@
             </a:pPr>
             <a:r>
               <a:rPr lang="en-ID" dirty="0">
-                <a:hlinkClick r:id="rId3" action="ppaction://hlinksldjump"/>
+                <a:hlinkClick r:id="rId2" action="ppaction://hlinksldjump"/>
               </a:rPr>
               <a:t>E.GROUP BY</a:t>
             </a:r>
@@ -11491,12 +10203,7 @@
       <p:sp>
         <p:nvSpPr>
           <p:cNvPr id="4" name="Arrow: Right 3">
-            <a:hlinkClick r:id="rId4" action="ppaction://hlinksldjump"/>
-            <a:extLst>
-              <a:ext uri="{FF2B5EF4-FFF2-40B4-BE49-F238E27FC236}">
-                <a16:creationId xmlns:a16="http://schemas.microsoft.com/office/drawing/2014/main" id="{7045CA10-B159-E08C-4FE1-85C911AEB896}"/>
-              </a:ext>
-            </a:extLst>
+            <a:hlinkClick r:id="rId3" action="ppaction://hlinksldjump"/>
           </p:cNvPr>
           <p:cNvSpPr/>
           <p:nvPr/>
@@ -11541,12 +10248,7 @@
       <p:sp>
         <p:nvSpPr>
           <p:cNvPr id="5" name="Arrow: Right 4">
-            <a:hlinkClick r:id="rId3" action="ppaction://hlinksldjump"/>
-            <a:extLst>
-              <a:ext uri="{FF2B5EF4-FFF2-40B4-BE49-F238E27FC236}">
-                <a16:creationId xmlns:a16="http://schemas.microsoft.com/office/drawing/2014/main" id="{74A8EF80-95F6-C0B5-8556-AB28F117F458}"/>
-              </a:ext>
-            </a:extLst>
+            <a:hlinkClick r:id="rId2" action="ppaction://hlinksldjump"/>
           </p:cNvPr>
           <p:cNvSpPr/>
           <p:nvPr/>
@@ -11589,11 +10291,6 @@
         </p:txBody>
       </p:sp>
     </p:spTree>
-    <p:extLst>
-      <p:ext uri="{BB962C8B-B14F-4D97-AF65-F5344CB8AC3E}">
-        <p14:creationId xmlns:p14="http://schemas.microsoft.com/office/powerpoint/2010/main" val="2118596815"/>
-      </p:ext>
-    </p:extLst>
   </p:cSld>
   <p:clrMapOvr>
     <a:masterClrMapping/>
@@ -11620,13 +10317,7 @@
       </p:grpSpPr>
       <p:sp>
         <p:nvSpPr>
-          <p:cNvPr id="2" name="Title 1">
-            <a:extLst>
-              <a:ext uri="{FF2B5EF4-FFF2-40B4-BE49-F238E27FC236}">
-                <a16:creationId xmlns:a16="http://schemas.microsoft.com/office/drawing/2014/main" id="{13EDBB74-2C4D-E769-4AFD-2A6BF06F4D3B}"/>
-              </a:ext>
-            </a:extLst>
-          </p:cNvPr>
+          <p:cNvPr id="2" name="Title 1"/>
           <p:cNvSpPr>
             <a:spLocks noGrp="1"/>
           </p:cNvSpPr>
@@ -11658,13 +10349,7 @@
       </p:sp>
       <p:sp>
         <p:nvSpPr>
-          <p:cNvPr id="3" name="Content Placeholder 2">
-            <a:extLst>
-              <a:ext uri="{FF2B5EF4-FFF2-40B4-BE49-F238E27FC236}">
-                <a16:creationId xmlns:a16="http://schemas.microsoft.com/office/drawing/2014/main" id="{165BC7FF-1BB2-A7D3-7DCE-5458E869E74E}"/>
-              </a:ext>
-            </a:extLst>
-          </p:cNvPr>
+          <p:cNvPr id="3" name="Content Placeholder 2"/>
           <p:cNvSpPr>
             <a:spLocks noGrp="1"/>
           </p:cNvSpPr>
@@ -11802,18 +10487,14 @@
               <a:rPr lang="en-ID" dirty="0"/>
               <a:t>?</a:t>
             </a:r>
+            <a:endParaRPr lang="en-ID" dirty="0"/>
           </a:p>
         </p:txBody>
       </p:sp>
       <p:sp>
         <p:nvSpPr>
           <p:cNvPr id="4" name="Arrow: Right 3">
-            <a:hlinkClick r:id="rId2" action="ppaction://hlinksldjump"/>
-            <a:extLst>
-              <a:ext uri="{FF2B5EF4-FFF2-40B4-BE49-F238E27FC236}">
-                <a16:creationId xmlns:a16="http://schemas.microsoft.com/office/drawing/2014/main" id="{7045CA10-B159-E08C-4FE1-85C911AEB896}"/>
-              </a:ext>
-            </a:extLst>
+            <a:hlinkClick r:id="rId1" action="ppaction://hlinksldjump"/>
           </p:cNvPr>
           <p:cNvSpPr/>
           <p:nvPr/>
@@ -11858,12 +10539,7 @@
       <p:sp>
         <p:nvSpPr>
           <p:cNvPr id="5" name="Arrow: Right 4">
-            <a:hlinkClick r:id="rId3" action="ppaction://hlinksldjump"/>
-            <a:extLst>
-              <a:ext uri="{FF2B5EF4-FFF2-40B4-BE49-F238E27FC236}">
-                <a16:creationId xmlns:a16="http://schemas.microsoft.com/office/drawing/2014/main" id="{74A8EF80-95F6-C0B5-8556-AB28F117F458}"/>
-              </a:ext>
-            </a:extLst>
+            <a:hlinkClick r:id="rId2" action="ppaction://hlinksldjump"/>
           </p:cNvPr>
           <p:cNvSpPr/>
           <p:nvPr/>
@@ -11906,11 +10582,6 @@
         </p:txBody>
       </p:sp>
     </p:spTree>
-    <p:extLst>
-      <p:ext uri="{BB962C8B-B14F-4D97-AF65-F5344CB8AC3E}">
-        <p14:creationId xmlns:p14="http://schemas.microsoft.com/office/powerpoint/2010/main" val="3705454179"/>
-      </p:ext>
-    </p:extLst>
   </p:cSld>
   <p:clrMapOvr>
     <a:masterClrMapping/>
@@ -11937,13 +10608,7 @@
       </p:grpSpPr>
       <p:sp>
         <p:nvSpPr>
-          <p:cNvPr id="2" name="Title 1">
-            <a:extLst>
-              <a:ext uri="{FF2B5EF4-FFF2-40B4-BE49-F238E27FC236}">
-                <a16:creationId xmlns:a16="http://schemas.microsoft.com/office/drawing/2014/main" id="{13EDBB74-2C4D-E769-4AFD-2A6BF06F4D3B}"/>
-              </a:ext>
-            </a:extLst>
-          </p:cNvPr>
+          <p:cNvPr id="2" name="Title 1"/>
           <p:cNvSpPr>
             <a:spLocks noGrp="1"/>
           </p:cNvSpPr>
@@ -11975,13 +10640,7 @@
       </p:sp>
       <p:sp>
         <p:nvSpPr>
-          <p:cNvPr id="3" name="Content Placeholder 2">
-            <a:extLst>
-              <a:ext uri="{FF2B5EF4-FFF2-40B4-BE49-F238E27FC236}">
-                <a16:creationId xmlns:a16="http://schemas.microsoft.com/office/drawing/2014/main" id="{165BC7FF-1BB2-A7D3-7DCE-5458E869E74E}"/>
-              </a:ext>
-            </a:extLst>
-          </p:cNvPr>
+          <p:cNvPr id="3" name="Content Placeholder 2"/>
           <p:cNvSpPr>
             <a:spLocks noGrp="1"/>
           </p:cNvSpPr>
@@ -12039,15 +10698,125 @@
             </a:pPr>
             <a:r>
               <a:rPr lang="en-US" dirty="0" err="1">
-                <a:hlinkClick r:id="rId2" action="ppaction://hlinksldjump"/>
+                <a:hlinkClick r:id="rId1" action="ppaction://hlinksldjump"/>
               </a:rPr>
               <a:t>nama</a:t>
             </a:r>
+            <a:r>
+              <a:rPr lang="en-US" dirty="0">
+                <a:hlinkClick r:id="rId1" action="ppaction://hlinksldjump"/>
+              </a:rPr>
+              <a:t> </a:t>
+            </a:r>
+            <a:r>
+              <a:rPr lang="en-US" dirty="0" err="1">
+                <a:hlinkClick r:id="rId1" action="ppaction://hlinksldjump"/>
+              </a:rPr>
+              <a:t>kolom</a:t>
+            </a:r>
+            <a:r>
+              <a:rPr lang="en-US" dirty="0">
+                <a:hlinkClick r:id="rId1" action="ppaction://hlinksldjump"/>
+              </a:rPr>
+              <a:t> yang </a:t>
+            </a:r>
+            <a:r>
+              <a:rPr lang="en-US" dirty="0" err="1">
+                <a:hlinkClick r:id="rId1" action="ppaction://hlinksldjump"/>
+              </a:rPr>
+              <a:t>datanya</a:t>
+            </a:r>
+            <a:r>
+              <a:rPr lang="en-US" dirty="0">
+                <a:hlinkClick r:id="rId1" action="ppaction://hlinksldjump"/>
+              </a:rPr>
+              <a:t> </a:t>
+            </a:r>
+            <a:r>
+              <a:rPr lang="en-US" dirty="0" err="1">
+                <a:hlinkClick r:id="rId1" action="ppaction://hlinksldjump"/>
+              </a:rPr>
+              <a:t>dipilih</a:t>
+            </a:r>
+            <a:r>
+              <a:rPr lang="en-US" dirty="0">
+                <a:hlinkClick r:id="rId1" action="ppaction://hlinksldjump"/>
+              </a:rPr>
+              <a:t> untuk </a:t>
+            </a:r>
+            <a:r>
+              <a:rPr lang="en-US" dirty="0" err="1">
+                <a:hlinkClick r:id="rId1" action="ppaction://hlinksldjump"/>
+              </a:rPr>
+              <a:t>dikelompokkan</a:t>
+            </a:r>
+            <a:r>
+              <a:rPr lang="en-US" dirty="0">
+                <a:hlinkClick r:id="rId1" action="ppaction://hlinksldjump"/>
+              </a:rPr>
+              <a:t>.</a:t>
+            </a:r>
+            <a:endParaRPr lang="en-US" dirty="0"/>
+          </a:p>
+          <a:p>
+            <a:pPr marL="514350" indent="-514350">
+              <a:buAutoNum type="alphaUcPeriod"/>
+            </a:pPr>
             <a:r>
               <a:rPr lang="en-US" dirty="0">
                 <a:hlinkClick r:id="rId2" action="ppaction://hlinksldjump"/>
               </a:rPr>
-              <a:t> </a:t>
+              <a:t>Nama table yang </a:t>
+            </a:r>
+            <a:r>
+              <a:rPr lang="en-US" dirty="0" err="1">
+                <a:hlinkClick r:id="rId2" action="ppaction://hlinksldjump"/>
+              </a:rPr>
+              <a:t>terkelompok</a:t>
+            </a:r>
+            <a:endParaRPr lang="en-US" dirty="0"/>
+          </a:p>
+          <a:p>
+            <a:pPr marL="514350" indent="-514350">
+              <a:buAutoNum type="alphaUcPeriod"/>
+            </a:pPr>
+            <a:r>
+              <a:rPr lang="en-US" dirty="0">
+                <a:hlinkClick r:id="rId2" action="ppaction://hlinksldjump"/>
+              </a:rPr>
+              <a:t>Nama data yang </a:t>
+            </a:r>
+            <a:r>
+              <a:rPr lang="en-US" dirty="0" err="1">
+                <a:hlinkClick r:id="rId2" action="ppaction://hlinksldjump"/>
+              </a:rPr>
+              <a:t>dikelompokan</a:t>
+            </a:r>
+            <a:endParaRPr lang="en-US" dirty="0">
+              <a:hlinkClick r:id="rId2" action="ppaction://hlinksldjump"/>
+            </a:endParaRPr>
+          </a:p>
+          <a:p>
+            <a:pPr marL="514350" indent="-514350">
+              <a:buAutoNum type="alphaUcPeriod"/>
+            </a:pPr>
+            <a:r>
+              <a:rPr lang="en-US" dirty="0">
+                <a:hlinkClick r:id="rId2" action="ppaction://hlinksldjump"/>
+              </a:rPr>
+              <a:t>Kelompok yang </a:t>
+            </a:r>
+            <a:r>
+              <a:rPr lang="en-US" dirty="0" err="1">
+                <a:hlinkClick r:id="rId2" action="ppaction://hlinksldjump"/>
+              </a:rPr>
+              <a:t>dipilih</a:t>
+            </a:r>
+            <a:r>
+              <a:rPr lang="en-US" dirty="0">
+                <a:hlinkClick r:id="rId2" action="ppaction://hlinksldjump"/>
+              </a:rPr>
+              <a:t> untuk </a:t>
             </a:r>
             <a:r>
               <a:rPr lang="en-US" dirty="0" err="1">
@@ -12059,159 +10828,50 @@
               <a:rPr lang="en-US" dirty="0">
                 <a:hlinkClick r:id="rId2" action="ppaction://hlinksldjump"/>
               </a:rPr>
-              <a:t> yang </a:t>
+              <a:t> data</a:t>
+            </a:r>
+            <a:endParaRPr lang="en-US" dirty="0"/>
+          </a:p>
+          <a:p>
+            <a:pPr marL="514350" indent="-514350">
+              <a:buAutoNum type="alphaUcPeriod"/>
+            </a:pPr>
+            <a:r>
+              <a:rPr lang="en-US" dirty="0">
+                <a:hlinkClick r:id="rId2" action="ppaction://hlinksldjump"/>
+              </a:rPr>
+              <a:t>Data yang </a:t>
             </a:r>
             <a:r>
               <a:rPr lang="en-US" dirty="0" err="1">
                 <a:hlinkClick r:id="rId2" action="ppaction://hlinksldjump"/>
               </a:rPr>
-              <a:t>datanya</a:t>
+              <a:t>ada</a:t>
             </a:r>
             <a:r>
               <a:rPr lang="en-US" dirty="0">
                 <a:hlinkClick r:id="rId2" action="ppaction://hlinksldjump"/>
               </a:rPr>
-              <a:t> </a:t>
+              <a:t> pada </a:t>
             </a:r>
             <a:r>
               <a:rPr lang="en-US" dirty="0" err="1">
                 <a:hlinkClick r:id="rId2" action="ppaction://hlinksldjump"/>
               </a:rPr>
-              <a:t>dipilih</a:t>
+              <a:t>kolom</a:t>
             </a:r>
             <a:r>
               <a:rPr lang="en-US" dirty="0">
                 <a:hlinkClick r:id="rId2" action="ppaction://hlinksldjump"/>
               </a:rPr>
-              <a:t> untuk </a:t>
+              <a:t> yang </a:t>
             </a:r>
             <a:r>
               <a:rPr lang="en-US" dirty="0" err="1">
                 <a:hlinkClick r:id="rId2" action="ppaction://hlinksldjump"/>
               </a:rPr>
-              <a:t>dikelompokkan</a:t>
-            </a:r>
-            <a:r>
-              <a:rPr lang="en-US" dirty="0">
-                <a:hlinkClick r:id="rId2" action="ppaction://hlinksldjump"/>
-              </a:rPr>
-              <a:t>.</a:t>
-            </a:r>
-            <a:endParaRPr lang="en-US" dirty="0"/>
-          </a:p>
-          <a:p>
-            <a:pPr marL="514350" indent="-514350">
-              <a:buAutoNum type="alphaUcPeriod"/>
-            </a:pPr>
-            <a:r>
-              <a:rPr lang="en-US" dirty="0">
-                <a:hlinkClick r:id="rId3" action="ppaction://hlinksldjump"/>
-              </a:rPr>
-              <a:t>Nama table yang </a:t>
-            </a:r>
-            <a:r>
-              <a:rPr lang="en-US" dirty="0" err="1">
-                <a:hlinkClick r:id="rId3" action="ppaction://hlinksldjump"/>
-              </a:rPr>
-              <a:t>terkelompok</a:t>
-            </a:r>
-            <a:endParaRPr lang="en-US" dirty="0"/>
-          </a:p>
-          <a:p>
-            <a:pPr marL="514350" indent="-514350">
-              <a:buAutoNum type="alphaUcPeriod"/>
-            </a:pPr>
-            <a:r>
-              <a:rPr lang="en-US" dirty="0">
-                <a:hlinkClick r:id="rId3" action="ppaction://hlinksldjump"/>
-              </a:rPr>
-              <a:t>Nama data yang </a:t>
-            </a:r>
-            <a:r>
-              <a:rPr lang="en-US" dirty="0" err="1">
-                <a:hlinkClick r:id="rId3" action="ppaction://hlinksldjump"/>
-              </a:rPr>
               <a:t>dikelompokan</a:t>
             </a:r>
-            <a:endParaRPr lang="en-US" dirty="0">
-              <a:hlinkClick r:id="rId3" action="ppaction://hlinksldjump"/>
-            </a:endParaRPr>
-          </a:p>
-          <a:p>
-            <a:pPr marL="514350" indent="-514350">
-              <a:buAutoNum type="alphaUcPeriod"/>
-            </a:pPr>
-            <a:r>
-              <a:rPr lang="en-US" dirty="0">
-                <a:hlinkClick r:id="rId3" action="ppaction://hlinksldjump"/>
-              </a:rPr>
-              <a:t>Kelompok yang </a:t>
-            </a:r>
-            <a:r>
-              <a:rPr lang="en-US" dirty="0" err="1">
-                <a:hlinkClick r:id="rId3" action="ppaction://hlinksldjump"/>
-              </a:rPr>
-              <a:t>dipilih</a:t>
-            </a:r>
-            <a:r>
-              <a:rPr lang="en-US" dirty="0">
-                <a:hlinkClick r:id="rId3" action="ppaction://hlinksldjump"/>
-              </a:rPr>
-              <a:t> untuk </a:t>
-            </a:r>
-            <a:r>
-              <a:rPr lang="en-US" dirty="0" err="1">
-                <a:hlinkClick r:id="rId3" action="ppaction://hlinksldjump"/>
-              </a:rPr>
-              <a:t>kolom</a:t>
-            </a:r>
-            <a:r>
-              <a:rPr lang="en-US" dirty="0">
-                <a:hlinkClick r:id="rId3" action="ppaction://hlinksldjump"/>
-              </a:rPr>
-              <a:t> data</a:t>
-            </a:r>
-          </a:p>
-          <a:p>
-            <a:pPr marL="514350" indent="-514350">
-              <a:buAutoNum type="alphaUcPeriod"/>
-            </a:pPr>
-            <a:r>
-              <a:rPr lang="en-US" dirty="0">
-                <a:hlinkClick r:id="rId3" action="ppaction://hlinksldjump"/>
-              </a:rPr>
-              <a:t>Data yang </a:t>
-            </a:r>
-            <a:r>
-              <a:rPr lang="en-US" dirty="0" err="1">
-                <a:hlinkClick r:id="rId3" action="ppaction://hlinksldjump"/>
-              </a:rPr>
-              <a:t>ada</a:t>
-            </a:r>
-            <a:r>
-              <a:rPr lang="en-US" dirty="0">
-                <a:hlinkClick r:id="rId3" action="ppaction://hlinksldjump"/>
-              </a:rPr>
-              <a:t> pada </a:t>
-            </a:r>
-            <a:r>
-              <a:rPr lang="en-US" dirty="0" err="1">
-                <a:hlinkClick r:id="rId3" action="ppaction://hlinksldjump"/>
-              </a:rPr>
-              <a:t>kolom</a:t>
-            </a:r>
-            <a:r>
-              <a:rPr lang="en-US" dirty="0">
-                <a:hlinkClick r:id="rId3" action="ppaction://hlinksldjump"/>
-              </a:rPr>
-              <a:t> yang </a:t>
-            </a:r>
-            <a:r>
-              <a:rPr lang="en-US" dirty="0" err="1">
-                <a:hlinkClick r:id="rId3" action="ppaction://hlinksldjump"/>
-              </a:rPr>
-              <a:t>dikelompokan</a:t>
-            </a:r>
             <a:endParaRPr lang="en-ID" dirty="0"/>
           </a:p>
         </p:txBody>
@@ -12219,12 +10879,7 @@
       <p:sp>
         <p:nvSpPr>
           <p:cNvPr id="4" name="Arrow: Right 3">
-            <a:hlinkClick r:id="rId4" action="ppaction://hlinksldjump"/>
-            <a:extLst>
-              <a:ext uri="{FF2B5EF4-FFF2-40B4-BE49-F238E27FC236}">
-                <a16:creationId xmlns:a16="http://schemas.microsoft.com/office/drawing/2014/main" id="{7045CA10-B159-E08C-4FE1-85C911AEB896}"/>
-              </a:ext>
-            </a:extLst>
+            <a:hlinkClick r:id="rId3" action="ppaction://hlinksldjump"/>
           </p:cNvPr>
           <p:cNvSpPr/>
           <p:nvPr/>
@@ -12269,12 +10924,7 @@
       <p:sp>
         <p:nvSpPr>
           <p:cNvPr id="5" name="Arrow: Right 4">
-            <a:hlinkClick r:id="rId2" action="ppaction://hlinksldjump"/>
-            <a:extLst>
-              <a:ext uri="{FF2B5EF4-FFF2-40B4-BE49-F238E27FC236}">
-                <a16:creationId xmlns:a16="http://schemas.microsoft.com/office/drawing/2014/main" id="{74A8EF80-95F6-C0B5-8556-AB28F117F458}"/>
-              </a:ext>
-            </a:extLst>
+            <a:hlinkClick r:id="rId1" action="ppaction://hlinksldjump"/>
           </p:cNvPr>
           <p:cNvSpPr/>
           <p:nvPr/>
@@ -12317,11 +10967,6 @@
         </p:txBody>
       </p:sp>
     </p:spTree>
-    <p:extLst>
-      <p:ext uri="{BB962C8B-B14F-4D97-AF65-F5344CB8AC3E}">
-        <p14:creationId xmlns:p14="http://schemas.microsoft.com/office/powerpoint/2010/main" val="556292274"/>
-      </p:ext>
-    </p:extLst>
   </p:cSld>
   <p:clrMapOvr>
     <a:masterClrMapping/>
@@ -12348,13 +10993,7 @@
       </p:grpSpPr>
       <p:sp>
         <p:nvSpPr>
-          <p:cNvPr id="2" name="Title 1">
-            <a:extLst>
-              <a:ext uri="{FF2B5EF4-FFF2-40B4-BE49-F238E27FC236}">
-                <a16:creationId xmlns:a16="http://schemas.microsoft.com/office/drawing/2014/main" id="{13EDBB74-2C4D-E769-4AFD-2A6BF06F4D3B}"/>
-              </a:ext>
-            </a:extLst>
-          </p:cNvPr>
+          <p:cNvPr id="2" name="Title 1"/>
           <p:cNvSpPr>
             <a:spLocks noGrp="1"/>
           </p:cNvSpPr>
@@ -12386,13 +11025,7 @@
       </p:sp>
       <p:sp>
         <p:nvSpPr>
-          <p:cNvPr id="3" name="Content Placeholder 2">
-            <a:extLst>
-              <a:ext uri="{FF2B5EF4-FFF2-40B4-BE49-F238E27FC236}">
-                <a16:creationId xmlns:a16="http://schemas.microsoft.com/office/drawing/2014/main" id="{165BC7FF-1BB2-A7D3-7DCE-5458E869E74E}"/>
-              </a:ext>
-            </a:extLst>
-          </p:cNvPr>
+          <p:cNvPr id="3" name="Content Placeholder 2"/>
           <p:cNvSpPr>
             <a:spLocks noGrp="1"/>
           </p:cNvSpPr>
@@ -12490,18 +11123,14 @@
               <a:rPr lang="en-ID" dirty="0"/>
               <a:t>?</a:t>
             </a:r>
+            <a:endParaRPr lang="en-ID" dirty="0"/>
           </a:p>
         </p:txBody>
       </p:sp>
       <p:sp>
         <p:nvSpPr>
           <p:cNvPr id="4" name="Arrow: Right 3">
-            <a:hlinkClick r:id="rId2" action="ppaction://hlinksldjump"/>
-            <a:extLst>
-              <a:ext uri="{FF2B5EF4-FFF2-40B4-BE49-F238E27FC236}">
-                <a16:creationId xmlns:a16="http://schemas.microsoft.com/office/drawing/2014/main" id="{7045CA10-B159-E08C-4FE1-85C911AEB896}"/>
-              </a:ext>
-            </a:extLst>
+            <a:hlinkClick r:id="rId1" action="ppaction://hlinksldjump"/>
           </p:cNvPr>
           <p:cNvSpPr/>
           <p:nvPr/>
@@ -12546,12 +11175,7 @@
       <p:sp>
         <p:nvSpPr>
           <p:cNvPr id="5" name="Arrow: Right 4">
-            <a:hlinkClick r:id="rId3" action="ppaction://hlinksldjump"/>
-            <a:extLst>
-              <a:ext uri="{FF2B5EF4-FFF2-40B4-BE49-F238E27FC236}">
-                <a16:creationId xmlns:a16="http://schemas.microsoft.com/office/drawing/2014/main" id="{74A8EF80-95F6-C0B5-8556-AB28F117F458}"/>
-              </a:ext>
-            </a:extLst>
+            <a:hlinkClick r:id="rId2" action="ppaction://hlinksldjump"/>
           </p:cNvPr>
           <p:cNvSpPr/>
           <p:nvPr/>
@@ -12594,11 +11218,6 @@
         </p:txBody>
       </p:sp>
     </p:spTree>
-    <p:extLst>
-      <p:ext uri="{BB962C8B-B14F-4D97-AF65-F5344CB8AC3E}">
-        <p14:creationId xmlns:p14="http://schemas.microsoft.com/office/powerpoint/2010/main" val="330824573"/>
-      </p:ext>
-    </p:extLst>
   </p:cSld>
   <p:clrMapOvr>
     <a:masterClrMapping/>
@@ -12625,13 +11244,7 @@
       </p:grpSpPr>
       <p:sp>
         <p:nvSpPr>
-          <p:cNvPr id="2" name="Title 1">
-            <a:extLst>
-              <a:ext uri="{FF2B5EF4-FFF2-40B4-BE49-F238E27FC236}">
-                <a16:creationId xmlns:a16="http://schemas.microsoft.com/office/drawing/2014/main" id="{13EDBB74-2C4D-E769-4AFD-2A6BF06F4D3B}"/>
-              </a:ext>
-            </a:extLst>
-          </p:cNvPr>
+          <p:cNvPr id="2" name="Title 1"/>
           <p:cNvSpPr>
             <a:spLocks noGrp="1"/>
           </p:cNvSpPr>
@@ -12663,13 +11276,7 @@
       </p:sp>
       <p:sp>
         <p:nvSpPr>
-          <p:cNvPr id="3" name="Content Placeholder 2">
-            <a:extLst>
-              <a:ext uri="{FF2B5EF4-FFF2-40B4-BE49-F238E27FC236}">
-                <a16:creationId xmlns:a16="http://schemas.microsoft.com/office/drawing/2014/main" id="{165BC7FF-1BB2-A7D3-7DCE-5458E869E74E}"/>
-              </a:ext>
-            </a:extLst>
-          </p:cNvPr>
+          <p:cNvPr id="3" name="Content Placeholder 2"/>
           <p:cNvSpPr>
             <a:spLocks noGrp="1"/>
           </p:cNvSpPr>
@@ -12855,18 +11462,14 @@
               <a:rPr lang="en-ID" dirty="0"/>
               <a:t>?</a:t>
             </a:r>
+            <a:endParaRPr lang="en-ID" dirty="0"/>
           </a:p>
         </p:txBody>
       </p:sp>
       <p:sp>
         <p:nvSpPr>
           <p:cNvPr id="4" name="Arrow: Right 3">
-            <a:hlinkClick r:id="rId2" action="ppaction://hlinksldjump"/>
-            <a:extLst>
-              <a:ext uri="{FF2B5EF4-FFF2-40B4-BE49-F238E27FC236}">
-                <a16:creationId xmlns:a16="http://schemas.microsoft.com/office/drawing/2014/main" id="{7045CA10-B159-E08C-4FE1-85C911AEB896}"/>
-              </a:ext>
-            </a:extLst>
+            <a:hlinkClick r:id="rId1" action="ppaction://hlinksldjump"/>
           </p:cNvPr>
           <p:cNvSpPr/>
           <p:nvPr/>
@@ -12911,12 +11514,7 @@
       <p:sp>
         <p:nvSpPr>
           <p:cNvPr id="5" name="Arrow: Right 4">
-            <a:hlinkClick r:id="rId3" action="ppaction://hlinksldjump"/>
-            <a:extLst>
-              <a:ext uri="{FF2B5EF4-FFF2-40B4-BE49-F238E27FC236}">
-                <a16:creationId xmlns:a16="http://schemas.microsoft.com/office/drawing/2014/main" id="{74A8EF80-95F6-C0B5-8556-AB28F117F458}"/>
-              </a:ext>
-            </a:extLst>
+            <a:hlinkClick r:id="rId2" action="ppaction://hlinksldjump"/>
           </p:cNvPr>
           <p:cNvSpPr/>
           <p:nvPr/>
@@ -12959,11 +11557,6 @@
         </p:txBody>
       </p:sp>
     </p:spTree>
-    <p:extLst>
-      <p:ext uri="{BB962C8B-B14F-4D97-AF65-F5344CB8AC3E}">
-        <p14:creationId xmlns:p14="http://schemas.microsoft.com/office/powerpoint/2010/main" val="353317276"/>
-      </p:ext>
-    </p:extLst>
   </p:cSld>
   <p:clrMapOvr>
     <a:masterClrMapping/>
@@ -12990,13 +11583,7 @@
       </p:grpSpPr>
       <p:sp>
         <p:nvSpPr>
-          <p:cNvPr id="2" name="Title 1">
-            <a:extLst>
-              <a:ext uri="{FF2B5EF4-FFF2-40B4-BE49-F238E27FC236}">
-                <a16:creationId xmlns:a16="http://schemas.microsoft.com/office/drawing/2014/main" id="{13EDBB74-2C4D-E769-4AFD-2A6BF06F4D3B}"/>
-              </a:ext>
-            </a:extLst>
-          </p:cNvPr>
+          <p:cNvPr id="2" name="Title 1"/>
           <p:cNvSpPr>
             <a:spLocks noGrp="1"/>
           </p:cNvSpPr>
@@ -13028,13 +11615,7 @@
       </p:sp>
       <p:sp>
         <p:nvSpPr>
-          <p:cNvPr id="3" name="Content Placeholder 2">
-            <a:extLst>
-              <a:ext uri="{FF2B5EF4-FFF2-40B4-BE49-F238E27FC236}">
-                <a16:creationId xmlns:a16="http://schemas.microsoft.com/office/drawing/2014/main" id="{165BC7FF-1BB2-A7D3-7DCE-5458E869E74E}"/>
-              </a:ext>
-            </a:extLst>
-          </p:cNvPr>
+          <p:cNvPr id="3" name="Content Placeholder 2"/>
           <p:cNvSpPr>
             <a:spLocks noGrp="1"/>
           </p:cNvSpPr>
@@ -13156,18 +11737,14 @@
               <a:rPr lang="en-ID" dirty="0"/>
               <a:t>'?</a:t>
             </a:r>
+            <a:endParaRPr lang="en-ID" dirty="0"/>
           </a:p>
         </p:txBody>
       </p:sp>
       <p:sp>
         <p:nvSpPr>
           <p:cNvPr id="4" name="Arrow: Right 3">
-            <a:hlinkClick r:id="rId2" action="ppaction://hlinksldjump"/>
-            <a:extLst>
-              <a:ext uri="{FF2B5EF4-FFF2-40B4-BE49-F238E27FC236}">
-                <a16:creationId xmlns:a16="http://schemas.microsoft.com/office/drawing/2014/main" id="{7045CA10-B159-E08C-4FE1-85C911AEB896}"/>
-              </a:ext>
-            </a:extLst>
+            <a:hlinkClick r:id="rId1" action="ppaction://hlinksldjump"/>
           </p:cNvPr>
           <p:cNvSpPr/>
           <p:nvPr/>
@@ -13212,12 +11789,7 @@
       <p:sp>
         <p:nvSpPr>
           <p:cNvPr id="5" name="Arrow: Right 4">
-            <a:hlinkClick r:id="rId3" action="ppaction://hlinksldjump"/>
-            <a:extLst>
-              <a:ext uri="{FF2B5EF4-FFF2-40B4-BE49-F238E27FC236}">
-                <a16:creationId xmlns:a16="http://schemas.microsoft.com/office/drawing/2014/main" id="{74A8EF80-95F6-C0B5-8556-AB28F117F458}"/>
-              </a:ext>
-            </a:extLst>
+            <a:hlinkClick r:id="rId2" action="ppaction://hlinksldjump"/>
           </p:cNvPr>
           <p:cNvSpPr/>
           <p:nvPr/>
@@ -13260,11 +11832,6 @@
         </p:txBody>
       </p:sp>
     </p:spTree>
-    <p:extLst>
-      <p:ext uri="{BB962C8B-B14F-4D97-AF65-F5344CB8AC3E}">
-        <p14:creationId xmlns:p14="http://schemas.microsoft.com/office/powerpoint/2010/main" val="1450825285"/>
-      </p:ext>
-    </p:extLst>
   </p:cSld>
   <p:clrMapOvr>
     <a:masterClrMapping/>
@@ -13291,13 +11858,7 @@
       </p:grpSpPr>
       <p:sp>
         <p:nvSpPr>
-          <p:cNvPr id="2" name="Title 1">
-            <a:extLst>
-              <a:ext uri="{FF2B5EF4-FFF2-40B4-BE49-F238E27FC236}">
-                <a16:creationId xmlns:a16="http://schemas.microsoft.com/office/drawing/2014/main" id="{13EDBB74-2C4D-E769-4AFD-2A6BF06F4D3B}"/>
-              </a:ext>
-            </a:extLst>
-          </p:cNvPr>
+          <p:cNvPr id="2" name="Title 1"/>
           <p:cNvSpPr>
             <a:spLocks noGrp="1"/>
           </p:cNvSpPr>
@@ -13329,13 +11890,7 @@
       </p:sp>
       <p:sp>
         <p:nvSpPr>
-          <p:cNvPr id="3" name="Content Placeholder 2">
-            <a:extLst>
-              <a:ext uri="{FF2B5EF4-FFF2-40B4-BE49-F238E27FC236}">
-                <a16:creationId xmlns:a16="http://schemas.microsoft.com/office/drawing/2014/main" id="{165BC7FF-1BB2-A7D3-7DCE-5458E869E74E}"/>
-              </a:ext>
-            </a:extLst>
-          </p:cNvPr>
+          <p:cNvPr id="3" name="Content Placeholder 2"/>
           <p:cNvSpPr>
             <a:spLocks noGrp="1"/>
           </p:cNvSpPr>
@@ -13405,12 +11960,7 @@
       <p:sp>
         <p:nvSpPr>
           <p:cNvPr id="4" name="Arrow: Right 3">
-            <a:hlinkClick r:id="rId2" action="ppaction://hlinksldjump"/>
-            <a:extLst>
-              <a:ext uri="{FF2B5EF4-FFF2-40B4-BE49-F238E27FC236}">
-                <a16:creationId xmlns:a16="http://schemas.microsoft.com/office/drawing/2014/main" id="{7045CA10-B159-E08C-4FE1-85C911AEB896}"/>
-              </a:ext>
-            </a:extLst>
+            <a:hlinkClick r:id="rId1" action="ppaction://hlinksldjump"/>
           </p:cNvPr>
           <p:cNvSpPr/>
           <p:nvPr/>
@@ -13455,12 +12005,7 @@
       <p:sp>
         <p:nvSpPr>
           <p:cNvPr id="5" name="Arrow: Right 4">
-            <a:hlinkClick r:id="rId3" action="ppaction://hlinksldjump"/>
-            <a:extLst>
-              <a:ext uri="{FF2B5EF4-FFF2-40B4-BE49-F238E27FC236}">
-                <a16:creationId xmlns:a16="http://schemas.microsoft.com/office/drawing/2014/main" id="{74A8EF80-95F6-C0B5-8556-AB28F117F458}"/>
-              </a:ext>
-            </a:extLst>
+            <a:hlinkClick r:id="rId2" action="ppaction://hlinksldjump"/>
           </p:cNvPr>
           <p:cNvSpPr/>
           <p:nvPr/>
@@ -13503,11 +12048,6 @@
         </p:txBody>
       </p:sp>
     </p:spTree>
-    <p:extLst>
-      <p:ext uri="{BB962C8B-B14F-4D97-AF65-F5344CB8AC3E}">
-        <p14:creationId xmlns:p14="http://schemas.microsoft.com/office/powerpoint/2010/main" val="3957936128"/>
-      </p:ext>
-    </p:extLst>
   </p:cSld>
   <p:clrMapOvr>
     <a:masterClrMapping/>
@@ -13534,13 +12074,7 @@
       </p:grpSpPr>
       <p:sp>
         <p:nvSpPr>
-          <p:cNvPr id="2" name="Title 1">
-            <a:extLst>
-              <a:ext uri="{FF2B5EF4-FFF2-40B4-BE49-F238E27FC236}">
-                <a16:creationId xmlns:a16="http://schemas.microsoft.com/office/drawing/2014/main" id="{13EDBB74-2C4D-E769-4AFD-2A6BF06F4D3B}"/>
-              </a:ext>
-            </a:extLst>
-          </p:cNvPr>
+          <p:cNvPr id="2" name="Title 1"/>
           <p:cNvSpPr>
             <a:spLocks noGrp="1"/>
           </p:cNvSpPr>
@@ -13572,13 +12106,7 @@
       </p:sp>
       <p:sp>
         <p:nvSpPr>
-          <p:cNvPr id="3" name="Content Placeholder 2">
-            <a:extLst>
-              <a:ext uri="{FF2B5EF4-FFF2-40B4-BE49-F238E27FC236}">
-                <a16:creationId xmlns:a16="http://schemas.microsoft.com/office/drawing/2014/main" id="{165BC7FF-1BB2-A7D3-7DCE-5458E869E74E}"/>
-              </a:ext>
-            </a:extLst>
-          </p:cNvPr>
+          <p:cNvPr id="3" name="Content Placeholder 2"/>
           <p:cNvSpPr>
             <a:spLocks noGrp="1"/>
           </p:cNvSpPr>
@@ -13650,6 +12178,7 @@
               <a:rPr lang="en-ID" dirty="0"/>
               <a:t>?</a:t>
             </a:r>
+            <a:endParaRPr lang="en-ID" dirty="0"/>
           </a:p>
           <a:p>
             <a:pPr marL="0" indent="0">
@@ -13663,10 +12192,11 @@
             </a:pPr>
             <a:r>
               <a:rPr lang="en-ID" dirty="0">
-                <a:hlinkClick r:id="rId2" action="ppaction://hlinksldjump"/>
+                <a:hlinkClick r:id="rId1" action="ppaction://hlinksldjump"/>
               </a:rPr>
               <a:t>A.COUNT</a:t>
             </a:r>
+            <a:endParaRPr lang="en-ID" dirty="0"/>
           </a:p>
           <a:p>
             <a:pPr marL="0" indent="0">
@@ -13674,10 +12204,11 @@
             </a:pPr>
             <a:r>
               <a:rPr lang="en-ID" dirty="0">
-                <a:hlinkClick r:id="rId2" action="ppaction://hlinksldjump"/>
+                <a:hlinkClick r:id="rId1" action="ppaction://hlinksldjump"/>
               </a:rPr>
               <a:t>B.HAVING</a:t>
             </a:r>
+            <a:endParaRPr lang="en-ID" dirty="0"/>
           </a:p>
           <a:p>
             <a:pPr marL="0" indent="0">
@@ -13685,7 +12216,7 @@
             </a:pPr>
             <a:r>
               <a:rPr lang="en-ID" dirty="0">
-                <a:hlinkClick r:id="rId2" action="ppaction://hlinksldjump"/>
+                <a:hlinkClick r:id="rId1" action="ppaction://hlinksldjump"/>
               </a:rPr>
               <a:t>C.GROUP BY</a:t>
             </a:r>
@@ -13697,7 +12228,7 @@
             </a:pPr>
             <a:r>
               <a:rPr lang="en-ID" dirty="0">
-                <a:hlinkClick r:id="rId3" action="ppaction://hlinksldjump"/>
+                <a:hlinkClick r:id="rId2" action="ppaction://hlinksldjump"/>
               </a:rPr>
               <a:t>D.AS</a:t>
             </a:r>
@@ -13709,7 +12240,7 @@
             </a:pPr>
             <a:r>
               <a:rPr lang="en-ID" dirty="0">
-                <a:hlinkClick r:id="rId2" action="ppaction://hlinksldjump"/>
+                <a:hlinkClick r:id="rId1" action="ppaction://hlinksldjump"/>
               </a:rPr>
               <a:t>E.US?</a:t>
             </a:r>
@@ -13720,12 +12251,7 @@
       <p:sp>
         <p:nvSpPr>
           <p:cNvPr id="4" name="Arrow: Right 3">
-            <a:hlinkClick r:id="rId4" action="ppaction://hlinksldjump"/>
-            <a:extLst>
-              <a:ext uri="{FF2B5EF4-FFF2-40B4-BE49-F238E27FC236}">
-                <a16:creationId xmlns:a16="http://schemas.microsoft.com/office/drawing/2014/main" id="{7045CA10-B159-E08C-4FE1-85C911AEB896}"/>
-              </a:ext>
-            </a:extLst>
+            <a:hlinkClick r:id="rId3" action="ppaction://hlinksldjump"/>
           </p:cNvPr>
           <p:cNvSpPr/>
           <p:nvPr/>
@@ -13770,12 +12296,7 @@
       <p:sp>
         <p:nvSpPr>
           <p:cNvPr id="5" name="Arrow: Right 4">
-            <a:hlinkClick r:id="rId3" action="ppaction://hlinksldjump"/>
-            <a:extLst>
-              <a:ext uri="{FF2B5EF4-FFF2-40B4-BE49-F238E27FC236}">
-                <a16:creationId xmlns:a16="http://schemas.microsoft.com/office/drawing/2014/main" id="{74A8EF80-95F6-C0B5-8556-AB28F117F458}"/>
-              </a:ext>
-            </a:extLst>
+            <a:hlinkClick r:id="rId2" action="ppaction://hlinksldjump"/>
           </p:cNvPr>
           <p:cNvSpPr/>
           <p:nvPr/>
@@ -13818,11 +12339,6 @@
         </p:txBody>
       </p:sp>
     </p:spTree>
-    <p:extLst>
-      <p:ext uri="{BB962C8B-B14F-4D97-AF65-F5344CB8AC3E}">
-        <p14:creationId xmlns:p14="http://schemas.microsoft.com/office/powerpoint/2010/main" val="3061850999"/>
-      </p:ext>
-    </p:extLst>
   </p:cSld>
   <p:clrMapOvr>
     <a:masterClrMapping/>
@@ -13849,13 +12365,7 @@
       </p:grpSpPr>
       <p:sp>
         <p:nvSpPr>
-          <p:cNvPr id="2" name="Rectangle 1">
-            <a:extLst>
-              <a:ext uri="{FF2B5EF4-FFF2-40B4-BE49-F238E27FC236}">
-                <a16:creationId xmlns:a16="http://schemas.microsoft.com/office/drawing/2014/main" id="{5373C233-8ACA-8BA6-4171-E574282538B2}"/>
-              </a:ext>
-            </a:extLst>
-          </p:cNvPr>
+          <p:cNvPr id="2" name="Rectangle 1"/>
           <p:cNvSpPr/>
           <p:nvPr/>
         </p:nvSpPr>
@@ -13903,13 +12413,7 @@
       </p:sp>
       <p:sp>
         <p:nvSpPr>
-          <p:cNvPr id="3" name="Rectangle 2">
-            <a:extLst>
-              <a:ext uri="{FF2B5EF4-FFF2-40B4-BE49-F238E27FC236}">
-                <a16:creationId xmlns:a16="http://schemas.microsoft.com/office/drawing/2014/main" id="{B3325AC8-E1A6-A992-32CE-171D4C2C0360}"/>
-              </a:ext>
-            </a:extLst>
-          </p:cNvPr>
+          <p:cNvPr id="3" name="Rectangle 2"/>
           <p:cNvSpPr/>
           <p:nvPr/>
         </p:nvSpPr>
@@ -13957,13 +12461,7 @@
       </p:sp>
       <p:sp>
         <p:nvSpPr>
-          <p:cNvPr id="4" name="Rectangle 3">
-            <a:extLst>
-              <a:ext uri="{FF2B5EF4-FFF2-40B4-BE49-F238E27FC236}">
-                <a16:creationId xmlns:a16="http://schemas.microsoft.com/office/drawing/2014/main" id="{B03C018C-D347-D0E7-9DCF-1C8EEA600472}"/>
-              </a:ext>
-            </a:extLst>
-          </p:cNvPr>
+          <p:cNvPr id="4" name="Rectangle 3"/>
           <p:cNvSpPr/>
           <p:nvPr/>
         </p:nvSpPr>
@@ -14011,13 +12509,7 @@
       </p:sp>
       <p:sp>
         <p:nvSpPr>
-          <p:cNvPr id="5" name="Rectangle 4">
-            <a:extLst>
-              <a:ext uri="{FF2B5EF4-FFF2-40B4-BE49-F238E27FC236}">
-                <a16:creationId xmlns:a16="http://schemas.microsoft.com/office/drawing/2014/main" id="{E524CE91-9C2D-23FC-2BA0-53B33498DA9B}"/>
-              </a:ext>
-            </a:extLst>
-          </p:cNvPr>
+          <p:cNvPr id="5" name="Rectangle 4"/>
           <p:cNvSpPr/>
           <p:nvPr/>
         </p:nvSpPr>
@@ -14065,13 +12557,7 @@
       </p:sp>
       <p:sp>
         <p:nvSpPr>
-          <p:cNvPr id="6" name="Rectangle 5">
-            <a:extLst>
-              <a:ext uri="{FF2B5EF4-FFF2-40B4-BE49-F238E27FC236}">
-                <a16:creationId xmlns:a16="http://schemas.microsoft.com/office/drawing/2014/main" id="{537BC31B-31E9-8035-80C1-DE36898EE60F}"/>
-              </a:ext>
-            </a:extLst>
-          </p:cNvPr>
+          <p:cNvPr id="6" name="Rectangle 5"/>
           <p:cNvSpPr/>
           <p:nvPr/>
         </p:nvSpPr>
@@ -14119,13 +12605,7 @@
       </p:sp>
       <p:sp>
         <p:nvSpPr>
-          <p:cNvPr id="7" name="Rectangle 6">
-            <a:extLst>
-              <a:ext uri="{FF2B5EF4-FFF2-40B4-BE49-F238E27FC236}">
-                <a16:creationId xmlns:a16="http://schemas.microsoft.com/office/drawing/2014/main" id="{53D92844-5760-21C6-785C-96A3A154F55F}"/>
-              </a:ext>
-            </a:extLst>
-          </p:cNvPr>
+          <p:cNvPr id="7" name="Rectangle 6"/>
           <p:cNvSpPr/>
           <p:nvPr/>
         </p:nvSpPr>
@@ -14173,13 +12653,7 @@
       </p:sp>
       <p:sp>
         <p:nvSpPr>
-          <p:cNvPr id="8" name="Rectangle 7">
-            <a:extLst>
-              <a:ext uri="{FF2B5EF4-FFF2-40B4-BE49-F238E27FC236}">
-                <a16:creationId xmlns:a16="http://schemas.microsoft.com/office/drawing/2014/main" id="{C3CC34CF-F5EA-40BD-0073-697905531E31}"/>
-              </a:ext>
-            </a:extLst>
-          </p:cNvPr>
+          <p:cNvPr id="8" name="Rectangle 7"/>
           <p:cNvSpPr/>
           <p:nvPr/>
         </p:nvSpPr>
@@ -14227,13 +12701,7 @@
       </p:sp>
       <p:sp>
         <p:nvSpPr>
-          <p:cNvPr id="9" name="Rectangle 8">
-            <a:extLst>
-              <a:ext uri="{FF2B5EF4-FFF2-40B4-BE49-F238E27FC236}">
-                <a16:creationId xmlns:a16="http://schemas.microsoft.com/office/drawing/2014/main" id="{47B2162D-6B25-E4EA-6146-E37E8DAD5BDC}"/>
-              </a:ext>
-            </a:extLst>
-          </p:cNvPr>
+          <p:cNvPr id="9" name="Rectangle 8"/>
           <p:cNvSpPr/>
           <p:nvPr/>
         </p:nvSpPr>
@@ -14281,13 +12749,7 @@
       </p:sp>
       <p:sp>
         <p:nvSpPr>
-          <p:cNvPr id="10" name="Rectangle 9">
-            <a:extLst>
-              <a:ext uri="{FF2B5EF4-FFF2-40B4-BE49-F238E27FC236}">
-                <a16:creationId xmlns:a16="http://schemas.microsoft.com/office/drawing/2014/main" id="{28552630-B138-386A-D8FA-867AEAF77924}"/>
-              </a:ext>
-            </a:extLst>
-          </p:cNvPr>
+          <p:cNvPr id="10" name="Rectangle 9"/>
           <p:cNvSpPr/>
           <p:nvPr/>
         </p:nvSpPr>
@@ -14336,12 +12798,7 @@
       <p:sp>
         <p:nvSpPr>
           <p:cNvPr id="11" name="Arrow: Right 10">
-            <a:hlinkClick r:id="rId2" action="ppaction://hlinksldjump"/>
-            <a:extLst>
-              <a:ext uri="{FF2B5EF4-FFF2-40B4-BE49-F238E27FC236}">
-                <a16:creationId xmlns:a16="http://schemas.microsoft.com/office/drawing/2014/main" id="{5CBFBC06-8A7F-5A90-0FF0-782FD55BED7E}"/>
-              </a:ext>
-            </a:extLst>
+            <a:hlinkClick r:id="rId1" action="ppaction://hlinksldjump"/>
           </p:cNvPr>
           <p:cNvSpPr/>
           <p:nvPr/>
@@ -14386,13 +12843,7 @@
       </p:sp>
       <p:sp>
         <p:nvSpPr>
-          <p:cNvPr id="13" name="Rectangle: Rounded Corners 12">
-            <a:extLst>
-              <a:ext uri="{FF2B5EF4-FFF2-40B4-BE49-F238E27FC236}">
-                <a16:creationId xmlns:a16="http://schemas.microsoft.com/office/drawing/2014/main" id="{9B74FC7E-72BD-44CB-ED95-A2619069DB28}"/>
-              </a:ext>
-            </a:extLst>
-          </p:cNvPr>
+          <p:cNvPr id="13" name="Rectangle: Rounded Corners 12"/>
           <p:cNvSpPr/>
           <p:nvPr/>
         </p:nvSpPr>
@@ -14454,11 +12905,6 @@
         </p:txBody>
       </p:sp>
     </p:spTree>
-    <p:extLst>
-      <p:ext uri="{BB962C8B-B14F-4D97-AF65-F5344CB8AC3E}">
-        <p14:creationId xmlns:p14="http://schemas.microsoft.com/office/powerpoint/2010/main" val="1412951565"/>
-      </p:ext>
-    </p:extLst>
   </p:cSld>
   <p:clrMapOvr>
     <a:masterClrMapping/>
@@ -14485,13 +12931,7 @@
       </p:grpSpPr>
       <p:sp>
         <p:nvSpPr>
-          <p:cNvPr id="2" name="Rectangle 1">
-            <a:extLst>
-              <a:ext uri="{FF2B5EF4-FFF2-40B4-BE49-F238E27FC236}">
-                <a16:creationId xmlns:a16="http://schemas.microsoft.com/office/drawing/2014/main" id="{5373C233-8ACA-8BA6-4171-E574282538B2}"/>
-              </a:ext>
-            </a:extLst>
-          </p:cNvPr>
+          <p:cNvPr id="2" name="Rectangle 1"/>
           <p:cNvSpPr/>
           <p:nvPr/>
         </p:nvSpPr>
@@ -14539,13 +12979,7 @@
       </p:sp>
       <p:sp>
         <p:nvSpPr>
-          <p:cNvPr id="3" name="Rectangle 2">
-            <a:extLst>
-              <a:ext uri="{FF2B5EF4-FFF2-40B4-BE49-F238E27FC236}">
-                <a16:creationId xmlns:a16="http://schemas.microsoft.com/office/drawing/2014/main" id="{B3325AC8-E1A6-A992-32CE-171D4C2C0360}"/>
-              </a:ext>
-            </a:extLst>
-          </p:cNvPr>
+          <p:cNvPr id="3" name="Rectangle 2"/>
           <p:cNvSpPr/>
           <p:nvPr/>
         </p:nvSpPr>
@@ -14593,13 +13027,7 @@
       </p:sp>
       <p:sp>
         <p:nvSpPr>
-          <p:cNvPr id="4" name="Rectangle 3">
-            <a:extLst>
-              <a:ext uri="{FF2B5EF4-FFF2-40B4-BE49-F238E27FC236}">
-                <a16:creationId xmlns:a16="http://schemas.microsoft.com/office/drawing/2014/main" id="{B03C018C-D347-D0E7-9DCF-1C8EEA600472}"/>
-              </a:ext>
-            </a:extLst>
-          </p:cNvPr>
+          <p:cNvPr id="4" name="Rectangle 3"/>
           <p:cNvSpPr/>
           <p:nvPr/>
         </p:nvSpPr>
@@ -14647,13 +13075,7 @@
       </p:sp>
       <p:sp>
         <p:nvSpPr>
-          <p:cNvPr id="5" name="Rectangle 4">
-            <a:extLst>
-              <a:ext uri="{FF2B5EF4-FFF2-40B4-BE49-F238E27FC236}">
-                <a16:creationId xmlns:a16="http://schemas.microsoft.com/office/drawing/2014/main" id="{E524CE91-9C2D-23FC-2BA0-53B33498DA9B}"/>
-              </a:ext>
-            </a:extLst>
-          </p:cNvPr>
+          <p:cNvPr id="5" name="Rectangle 4"/>
           <p:cNvSpPr/>
           <p:nvPr/>
         </p:nvSpPr>
@@ -14701,13 +13123,7 @@
       </p:sp>
       <p:sp>
         <p:nvSpPr>
-          <p:cNvPr id="6" name="Rectangle 5">
-            <a:extLst>
-              <a:ext uri="{FF2B5EF4-FFF2-40B4-BE49-F238E27FC236}">
-                <a16:creationId xmlns:a16="http://schemas.microsoft.com/office/drawing/2014/main" id="{537BC31B-31E9-8035-80C1-DE36898EE60F}"/>
-              </a:ext>
-            </a:extLst>
-          </p:cNvPr>
+          <p:cNvPr id="6" name="Rectangle 5"/>
           <p:cNvSpPr/>
           <p:nvPr/>
         </p:nvSpPr>
@@ -14755,13 +13171,7 @@
       </p:sp>
       <p:sp>
         <p:nvSpPr>
-          <p:cNvPr id="7" name="Rectangle 6">
-            <a:extLst>
-              <a:ext uri="{FF2B5EF4-FFF2-40B4-BE49-F238E27FC236}">
-                <a16:creationId xmlns:a16="http://schemas.microsoft.com/office/drawing/2014/main" id="{53D92844-5760-21C6-785C-96A3A154F55F}"/>
-              </a:ext>
-            </a:extLst>
-          </p:cNvPr>
+          <p:cNvPr id="7" name="Rectangle 6"/>
           <p:cNvSpPr/>
           <p:nvPr/>
         </p:nvSpPr>
@@ -14809,13 +13219,7 @@
       </p:sp>
       <p:sp>
         <p:nvSpPr>
-          <p:cNvPr id="8" name="Rectangle 7">
-            <a:extLst>
-              <a:ext uri="{FF2B5EF4-FFF2-40B4-BE49-F238E27FC236}">
-                <a16:creationId xmlns:a16="http://schemas.microsoft.com/office/drawing/2014/main" id="{C3CC34CF-F5EA-40BD-0073-697905531E31}"/>
-              </a:ext>
-            </a:extLst>
-          </p:cNvPr>
+          <p:cNvPr id="8" name="Rectangle 7"/>
           <p:cNvSpPr/>
           <p:nvPr/>
         </p:nvSpPr>
@@ -14863,13 +13267,7 @@
       </p:sp>
       <p:sp>
         <p:nvSpPr>
-          <p:cNvPr id="9" name="Rectangle 8">
-            <a:extLst>
-              <a:ext uri="{FF2B5EF4-FFF2-40B4-BE49-F238E27FC236}">
-                <a16:creationId xmlns:a16="http://schemas.microsoft.com/office/drawing/2014/main" id="{47B2162D-6B25-E4EA-6146-E37E8DAD5BDC}"/>
-              </a:ext>
-            </a:extLst>
-          </p:cNvPr>
+          <p:cNvPr id="9" name="Rectangle 8"/>
           <p:cNvSpPr/>
           <p:nvPr/>
         </p:nvSpPr>
@@ -14917,13 +13315,7 @@
       </p:sp>
       <p:sp>
         <p:nvSpPr>
-          <p:cNvPr id="10" name="Rectangle 9">
-            <a:extLst>
-              <a:ext uri="{FF2B5EF4-FFF2-40B4-BE49-F238E27FC236}">
-                <a16:creationId xmlns:a16="http://schemas.microsoft.com/office/drawing/2014/main" id="{28552630-B138-386A-D8FA-867AEAF77924}"/>
-              </a:ext>
-            </a:extLst>
-          </p:cNvPr>
+          <p:cNvPr id="10" name="Rectangle 9"/>
           <p:cNvSpPr/>
           <p:nvPr/>
         </p:nvSpPr>
@@ -14972,12 +13364,7 @@
       <p:sp>
         <p:nvSpPr>
           <p:cNvPr id="14" name="Arrow: Right 13">
-            <a:hlinkClick r:id="rId2" action="ppaction://hlinksldjump"/>
-            <a:extLst>
-              <a:ext uri="{FF2B5EF4-FFF2-40B4-BE49-F238E27FC236}">
-                <a16:creationId xmlns:a16="http://schemas.microsoft.com/office/drawing/2014/main" id="{F5161E5A-FA05-855A-69B4-9B2539FB03D3}"/>
-              </a:ext>
-            </a:extLst>
+            <a:hlinkClick r:id="rId1" action="ppaction://hlinksldjump"/>
           </p:cNvPr>
           <p:cNvSpPr/>
           <p:nvPr/>
@@ -15022,13 +13409,7 @@
       </p:sp>
       <p:sp>
         <p:nvSpPr>
-          <p:cNvPr id="15" name="Rectangle 14">
-            <a:extLst>
-              <a:ext uri="{FF2B5EF4-FFF2-40B4-BE49-F238E27FC236}">
-                <a16:creationId xmlns:a16="http://schemas.microsoft.com/office/drawing/2014/main" id="{9FC4B5DF-2EF2-16DD-CB07-0A4910CBD37C}"/>
-              </a:ext>
-            </a:extLst>
-          </p:cNvPr>
+          <p:cNvPr id="15" name="Rectangle 14"/>
           <p:cNvSpPr/>
           <p:nvPr/>
         </p:nvSpPr>
@@ -15071,7 +13452,7 @@
             </a:r>
             <a:r>
               <a:rPr lang="en-ID" dirty="0">
-                <a:hlinkClick r:id="rId3" action="ppaction://hlinksldjump"/>
+                <a:hlinkClick r:id="rId2" action="ppaction://hlinksldjump"/>
               </a:rPr>
               <a:t>E.GROUP BY</a:t>
             </a:r>
@@ -15080,11 +13461,6 @@
         </p:txBody>
       </p:sp>
     </p:spTree>
-    <p:extLst>
-      <p:ext uri="{BB962C8B-B14F-4D97-AF65-F5344CB8AC3E}">
-        <p14:creationId xmlns:p14="http://schemas.microsoft.com/office/powerpoint/2010/main" val="1594174784"/>
-      </p:ext>
-    </p:extLst>
   </p:cSld>
   <p:clrMapOvr>
     <a:masterClrMapping/>
@@ -15111,13 +13487,7 @@
       </p:grpSpPr>
       <p:sp>
         <p:nvSpPr>
-          <p:cNvPr id="2" name="Rectangle 1">
-            <a:extLst>
-              <a:ext uri="{FF2B5EF4-FFF2-40B4-BE49-F238E27FC236}">
-                <a16:creationId xmlns:a16="http://schemas.microsoft.com/office/drawing/2014/main" id="{5373C233-8ACA-8BA6-4171-E574282538B2}"/>
-              </a:ext>
-            </a:extLst>
-          </p:cNvPr>
+          <p:cNvPr id="2" name="Rectangle 1"/>
           <p:cNvSpPr/>
           <p:nvPr/>
         </p:nvSpPr>
@@ -15165,13 +13535,7 @@
       </p:sp>
       <p:sp>
         <p:nvSpPr>
-          <p:cNvPr id="3" name="Rectangle 2">
-            <a:extLst>
-              <a:ext uri="{FF2B5EF4-FFF2-40B4-BE49-F238E27FC236}">
-                <a16:creationId xmlns:a16="http://schemas.microsoft.com/office/drawing/2014/main" id="{B3325AC8-E1A6-A992-32CE-171D4C2C0360}"/>
-              </a:ext>
-            </a:extLst>
-          </p:cNvPr>
+          <p:cNvPr id="3" name="Rectangle 2"/>
           <p:cNvSpPr/>
           <p:nvPr/>
         </p:nvSpPr>
@@ -15219,13 +13583,7 @@
       </p:sp>
       <p:sp>
         <p:nvSpPr>
-          <p:cNvPr id="4" name="Rectangle 3">
-            <a:extLst>
-              <a:ext uri="{FF2B5EF4-FFF2-40B4-BE49-F238E27FC236}">
-                <a16:creationId xmlns:a16="http://schemas.microsoft.com/office/drawing/2014/main" id="{B03C018C-D347-D0E7-9DCF-1C8EEA600472}"/>
-              </a:ext>
-            </a:extLst>
-          </p:cNvPr>
+          <p:cNvPr id="4" name="Rectangle 3"/>
           <p:cNvSpPr/>
           <p:nvPr/>
         </p:nvSpPr>
@@ -15273,13 +13631,7 @@
       </p:sp>
       <p:sp>
         <p:nvSpPr>
-          <p:cNvPr id="5" name="Rectangle 4">
-            <a:extLst>
-              <a:ext uri="{FF2B5EF4-FFF2-40B4-BE49-F238E27FC236}">
-                <a16:creationId xmlns:a16="http://schemas.microsoft.com/office/drawing/2014/main" id="{E524CE91-9C2D-23FC-2BA0-53B33498DA9B}"/>
-              </a:ext>
-            </a:extLst>
-          </p:cNvPr>
+          <p:cNvPr id="5" name="Rectangle 4"/>
           <p:cNvSpPr/>
           <p:nvPr/>
         </p:nvSpPr>
@@ -15327,13 +13679,7 @@
       </p:sp>
       <p:sp>
         <p:nvSpPr>
-          <p:cNvPr id="6" name="Rectangle 5">
-            <a:extLst>
-              <a:ext uri="{FF2B5EF4-FFF2-40B4-BE49-F238E27FC236}">
-                <a16:creationId xmlns:a16="http://schemas.microsoft.com/office/drawing/2014/main" id="{537BC31B-31E9-8035-80C1-DE36898EE60F}"/>
-              </a:ext>
-            </a:extLst>
-          </p:cNvPr>
+          <p:cNvPr id="6" name="Rectangle 5"/>
           <p:cNvSpPr/>
           <p:nvPr/>
         </p:nvSpPr>
@@ -15381,13 +13727,7 @@
       </p:sp>
       <p:sp>
         <p:nvSpPr>
-          <p:cNvPr id="7" name="Rectangle 6">
-            <a:extLst>
-              <a:ext uri="{FF2B5EF4-FFF2-40B4-BE49-F238E27FC236}">
-                <a16:creationId xmlns:a16="http://schemas.microsoft.com/office/drawing/2014/main" id="{53D92844-5760-21C6-785C-96A3A154F55F}"/>
-              </a:ext>
-            </a:extLst>
-          </p:cNvPr>
+          <p:cNvPr id="7" name="Rectangle 6"/>
           <p:cNvSpPr/>
           <p:nvPr/>
         </p:nvSpPr>
@@ -15435,13 +13775,7 @@
       </p:sp>
       <p:sp>
         <p:nvSpPr>
-          <p:cNvPr id="8" name="Rectangle 7">
-            <a:extLst>
-              <a:ext uri="{FF2B5EF4-FFF2-40B4-BE49-F238E27FC236}">
-                <a16:creationId xmlns:a16="http://schemas.microsoft.com/office/drawing/2014/main" id="{C3CC34CF-F5EA-40BD-0073-697905531E31}"/>
-              </a:ext>
-            </a:extLst>
-          </p:cNvPr>
+          <p:cNvPr id="8" name="Rectangle 7"/>
           <p:cNvSpPr/>
           <p:nvPr/>
         </p:nvSpPr>
@@ -15489,13 +13823,7 @@
       </p:sp>
       <p:sp>
         <p:nvSpPr>
-          <p:cNvPr id="9" name="Rectangle 8">
-            <a:extLst>
-              <a:ext uri="{FF2B5EF4-FFF2-40B4-BE49-F238E27FC236}">
-                <a16:creationId xmlns:a16="http://schemas.microsoft.com/office/drawing/2014/main" id="{47B2162D-6B25-E4EA-6146-E37E8DAD5BDC}"/>
-              </a:ext>
-            </a:extLst>
-          </p:cNvPr>
+          <p:cNvPr id="9" name="Rectangle 8"/>
           <p:cNvSpPr/>
           <p:nvPr/>
         </p:nvSpPr>
@@ -15543,13 +13871,7 @@
       </p:sp>
       <p:sp>
         <p:nvSpPr>
-          <p:cNvPr id="10" name="Rectangle 9">
-            <a:extLst>
-              <a:ext uri="{FF2B5EF4-FFF2-40B4-BE49-F238E27FC236}">
-                <a16:creationId xmlns:a16="http://schemas.microsoft.com/office/drawing/2014/main" id="{28552630-B138-386A-D8FA-867AEAF77924}"/>
-              </a:ext>
-            </a:extLst>
-          </p:cNvPr>
+          <p:cNvPr id="10" name="Rectangle 9"/>
           <p:cNvSpPr/>
           <p:nvPr/>
         </p:nvSpPr>
@@ -15598,12 +13920,7 @@
       <p:sp>
         <p:nvSpPr>
           <p:cNvPr id="14" name="Arrow: Right 13">
-            <a:hlinkClick r:id="rId2" action="ppaction://hlinksldjump"/>
-            <a:extLst>
-              <a:ext uri="{FF2B5EF4-FFF2-40B4-BE49-F238E27FC236}">
-                <a16:creationId xmlns:a16="http://schemas.microsoft.com/office/drawing/2014/main" id="{F5161E5A-FA05-855A-69B4-9B2539FB03D3}"/>
-              </a:ext>
-            </a:extLst>
+            <a:hlinkClick r:id="rId1" action="ppaction://hlinksldjump"/>
           </p:cNvPr>
           <p:cNvSpPr/>
           <p:nvPr/>
@@ -15648,13 +13965,7 @@
       </p:sp>
       <p:sp>
         <p:nvSpPr>
-          <p:cNvPr id="11" name="Rectangle: Rounded Corners 10">
-            <a:extLst>
-              <a:ext uri="{FF2B5EF4-FFF2-40B4-BE49-F238E27FC236}">
-                <a16:creationId xmlns:a16="http://schemas.microsoft.com/office/drawing/2014/main" id="{3D318877-4EF8-F512-67C1-BAE2F10537F7}"/>
-              </a:ext>
-            </a:extLst>
-          </p:cNvPr>
+          <p:cNvPr id="11" name="Rectangle: Rounded Corners 10"/>
           <p:cNvSpPr/>
           <p:nvPr/>
         </p:nvSpPr>
@@ -15716,11 +14027,6 @@
         </p:txBody>
       </p:sp>
     </p:spTree>
-    <p:extLst>
-      <p:ext uri="{BB962C8B-B14F-4D97-AF65-F5344CB8AC3E}">
-        <p14:creationId xmlns:p14="http://schemas.microsoft.com/office/powerpoint/2010/main" val="1168353046"/>
-      </p:ext>
-    </p:extLst>
   </p:cSld>
   <p:clrMapOvr>
     <a:masterClrMapping/>
@@ -15747,13 +14053,7 @@
       </p:grpSpPr>
       <p:sp>
         <p:nvSpPr>
-          <p:cNvPr id="2" name="Rectangle 1">
-            <a:extLst>
-              <a:ext uri="{FF2B5EF4-FFF2-40B4-BE49-F238E27FC236}">
-                <a16:creationId xmlns:a16="http://schemas.microsoft.com/office/drawing/2014/main" id="{5373C233-8ACA-8BA6-4171-E574282538B2}"/>
-              </a:ext>
-            </a:extLst>
-          </p:cNvPr>
+          <p:cNvPr id="2" name="Rectangle 1"/>
           <p:cNvSpPr/>
           <p:nvPr/>
         </p:nvSpPr>
@@ -15801,13 +14101,7 @@
       </p:sp>
       <p:sp>
         <p:nvSpPr>
-          <p:cNvPr id="3" name="Rectangle 2">
-            <a:extLst>
-              <a:ext uri="{FF2B5EF4-FFF2-40B4-BE49-F238E27FC236}">
-                <a16:creationId xmlns:a16="http://schemas.microsoft.com/office/drawing/2014/main" id="{B3325AC8-E1A6-A992-32CE-171D4C2C0360}"/>
-              </a:ext>
-            </a:extLst>
-          </p:cNvPr>
+          <p:cNvPr id="3" name="Rectangle 2"/>
           <p:cNvSpPr/>
           <p:nvPr/>
         </p:nvSpPr>
@@ -15855,13 +14149,7 @@
       </p:sp>
       <p:sp>
         <p:nvSpPr>
-          <p:cNvPr id="4" name="Rectangle 3">
-            <a:extLst>
-              <a:ext uri="{FF2B5EF4-FFF2-40B4-BE49-F238E27FC236}">
-                <a16:creationId xmlns:a16="http://schemas.microsoft.com/office/drawing/2014/main" id="{B03C018C-D347-D0E7-9DCF-1C8EEA600472}"/>
-              </a:ext>
-            </a:extLst>
-          </p:cNvPr>
+          <p:cNvPr id="4" name="Rectangle 3"/>
           <p:cNvSpPr/>
           <p:nvPr/>
         </p:nvSpPr>
@@ -15909,13 +14197,7 @@
       </p:sp>
       <p:sp>
         <p:nvSpPr>
-          <p:cNvPr id="5" name="Rectangle 4">
-            <a:extLst>
-              <a:ext uri="{FF2B5EF4-FFF2-40B4-BE49-F238E27FC236}">
-                <a16:creationId xmlns:a16="http://schemas.microsoft.com/office/drawing/2014/main" id="{E524CE91-9C2D-23FC-2BA0-53B33498DA9B}"/>
-              </a:ext>
-            </a:extLst>
-          </p:cNvPr>
+          <p:cNvPr id="5" name="Rectangle 4"/>
           <p:cNvSpPr/>
           <p:nvPr/>
         </p:nvSpPr>
@@ -15963,13 +14245,7 @@
       </p:sp>
       <p:sp>
         <p:nvSpPr>
-          <p:cNvPr id="6" name="Rectangle 5">
-            <a:extLst>
-              <a:ext uri="{FF2B5EF4-FFF2-40B4-BE49-F238E27FC236}">
-                <a16:creationId xmlns:a16="http://schemas.microsoft.com/office/drawing/2014/main" id="{537BC31B-31E9-8035-80C1-DE36898EE60F}"/>
-              </a:ext>
-            </a:extLst>
-          </p:cNvPr>
+          <p:cNvPr id="6" name="Rectangle 5"/>
           <p:cNvSpPr/>
           <p:nvPr/>
         </p:nvSpPr>
@@ -16017,13 +14293,7 @@
       </p:sp>
       <p:sp>
         <p:nvSpPr>
-          <p:cNvPr id="7" name="Rectangle 6">
-            <a:extLst>
-              <a:ext uri="{FF2B5EF4-FFF2-40B4-BE49-F238E27FC236}">
-                <a16:creationId xmlns:a16="http://schemas.microsoft.com/office/drawing/2014/main" id="{53D92844-5760-21C6-785C-96A3A154F55F}"/>
-              </a:ext>
-            </a:extLst>
-          </p:cNvPr>
+          <p:cNvPr id="7" name="Rectangle 6"/>
           <p:cNvSpPr/>
           <p:nvPr/>
         </p:nvSpPr>
@@ -16071,13 +14341,7 @@
       </p:sp>
       <p:sp>
         <p:nvSpPr>
-          <p:cNvPr id="8" name="Rectangle 7">
-            <a:extLst>
-              <a:ext uri="{FF2B5EF4-FFF2-40B4-BE49-F238E27FC236}">
-                <a16:creationId xmlns:a16="http://schemas.microsoft.com/office/drawing/2014/main" id="{C3CC34CF-F5EA-40BD-0073-697905531E31}"/>
-              </a:ext>
-            </a:extLst>
-          </p:cNvPr>
+          <p:cNvPr id="8" name="Rectangle 7"/>
           <p:cNvSpPr/>
           <p:nvPr/>
         </p:nvSpPr>
@@ -16125,13 +14389,7 @@
       </p:sp>
       <p:sp>
         <p:nvSpPr>
-          <p:cNvPr id="9" name="Rectangle 8">
-            <a:extLst>
-              <a:ext uri="{FF2B5EF4-FFF2-40B4-BE49-F238E27FC236}">
-                <a16:creationId xmlns:a16="http://schemas.microsoft.com/office/drawing/2014/main" id="{47B2162D-6B25-E4EA-6146-E37E8DAD5BDC}"/>
-              </a:ext>
-            </a:extLst>
-          </p:cNvPr>
+          <p:cNvPr id="9" name="Rectangle 8"/>
           <p:cNvSpPr/>
           <p:nvPr/>
         </p:nvSpPr>
@@ -16179,13 +14437,7 @@
       </p:sp>
       <p:sp>
         <p:nvSpPr>
-          <p:cNvPr id="10" name="Rectangle 9">
-            <a:extLst>
-              <a:ext uri="{FF2B5EF4-FFF2-40B4-BE49-F238E27FC236}">
-                <a16:creationId xmlns:a16="http://schemas.microsoft.com/office/drawing/2014/main" id="{28552630-B138-386A-D8FA-867AEAF77924}"/>
-              </a:ext>
-            </a:extLst>
-          </p:cNvPr>
+          <p:cNvPr id="10" name="Rectangle 9"/>
           <p:cNvSpPr/>
           <p:nvPr/>
         </p:nvSpPr>
@@ -16234,12 +14486,7 @@
       <p:sp>
         <p:nvSpPr>
           <p:cNvPr id="14" name="Arrow: Right 13">
-            <a:hlinkClick r:id="rId2" action="ppaction://hlinksldjump"/>
-            <a:extLst>
-              <a:ext uri="{FF2B5EF4-FFF2-40B4-BE49-F238E27FC236}">
-                <a16:creationId xmlns:a16="http://schemas.microsoft.com/office/drawing/2014/main" id="{11291A82-30D1-0FDA-9E23-BB7783CF0124}"/>
-              </a:ext>
-            </a:extLst>
+            <a:hlinkClick r:id="rId1" action="ppaction://hlinksldjump"/>
           </p:cNvPr>
           <p:cNvSpPr/>
           <p:nvPr/>
@@ -16284,13 +14531,7 @@
       </p:sp>
       <p:sp>
         <p:nvSpPr>
-          <p:cNvPr id="15" name="Rectangle 14">
-            <a:extLst>
-              <a:ext uri="{FF2B5EF4-FFF2-40B4-BE49-F238E27FC236}">
-                <a16:creationId xmlns:a16="http://schemas.microsoft.com/office/drawing/2014/main" id="{D1783351-CA91-5963-AF03-6DFD005F1EC2}"/>
-              </a:ext>
-            </a:extLst>
-          </p:cNvPr>
+          <p:cNvPr id="15" name="Rectangle 14"/>
           <p:cNvSpPr/>
           <p:nvPr/>
         </p:nvSpPr>
@@ -16364,11 +14605,6 @@
         </p:txBody>
       </p:sp>
     </p:spTree>
-    <p:extLst>
-      <p:ext uri="{BB962C8B-B14F-4D97-AF65-F5344CB8AC3E}">
-        <p14:creationId xmlns:p14="http://schemas.microsoft.com/office/powerpoint/2010/main" val="1096285201"/>
-      </p:ext>
-    </p:extLst>
   </p:cSld>
   <p:clrMapOvr>
     <a:masterClrMapping/>
@@ -16395,13 +14631,7 @@
       </p:grpSpPr>
       <p:sp>
         <p:nvSpPr>
-          <p:cNvPr id="2" name="Rectangle 1">
-            <a:extLst>
-              <a:ext uri="{FF2B5EF4-FFF2-40B4-BE49-F238E27FC236}">
-                <a16:creationId xmlns:a16="http://schemas.microsoft.com/office/drawing/2014/main" id="{5373C233-8ACA-8BA6-4171-E574282538B2}"/>
-              </a:ext>
-            </a:extLst>
-          </p:cNvPr>
+          <p:cNvPr id="2" name="Rectangle 1"/>
           <p:cNvSpPr/>
           <p:nvPr/>
         </p:nvSpPr>
@@ -16449,13 +14679,7 @@
       </p:sp>
       <p:sp>
         <p:nvSpPr>
-          <p:cNvPr id="3" name="Rectangle 2">
-            <a:extLst>
-              <a:ext uri="{FF2B5EF4-FFF2-40B4-BE49-F238E27FC236}">
-                <a16:creationId xmlns:a16="http://schemas.microsoft.com/office/drawing/2014/main" id="{B3325AC8-E1A6-A992-32CE-171D4C2C0360}"/>
-              </a:ext>
-            </a:extLst>
-          </p:cNvPr>
+          <p:cNvPr id="3" name="Rectangle 2"/>
           <p:cNvSpPr/>
           <p:nvPr/>
         </p:nvSpPr>
@@ -16503,13 +14727,7 @@
       </p:sp>
       <p:sp>
         <p:nvSpPr>
-          <p:cNvPr id="4" name="Rectangle 3">
-            <a:extLst>
-              <a:ext uri="{FF2B5EF4-FFF2-40B4-BE49-F238E27FC236}">
-                <a16:creationId xmlns:a16="http://schemas.microsoft.com/office/drawing/2014/main" id="{B03C018C-D347-D0E7-9DCF-1C8EEA600472}"/>
-              </a:ext>
-            </a:extLst>
-          </p:cNvPr>
+          <p:cNvPr id="4" name="Rectangle 3"/>
           <p:cNvSpPr/>
           <p:nvPr/>
         </p:nvSpPr>
@@ -16557,13 +14775,7 @@
       </p:sp>
       <p:sp>
         <p:nvSpPr>
-          <p:cNvPr id="5" name="Rectangle 4">
-            <a:extLst>
-              <a:ext uri="{FF2B5EF4-FFF2-40B4-BE49-F238E27FC236}">
-                <a16:creationId xmlns:a16="http://schemas.microsoft.com/office/drawing/2014/main" id="{E524CE91-9C2D-23FC-2BA0-53B33498DA9B}"/>
-              </a:ext>
-            </a:extLst>
-          </p:cNvPr>
+          <p:cNvPr id="5" name="Rectangle 4"/>
           <p:cNvSpPr/>
           <p:nvPr/>
         </p:nvSpPr>
@@ -16611,13 +14823,7 @@
       </p:sp>
       <p:sp>
         <p:nvSpPr>
-          <p:cNvPr id="6" name="Rectangle 5">
-            <a:extLst>
-              <a:ext uri="{FF2B5EF4-FFF2-40B4-BE49-F238E27FC236}">
-                <a16:creationId xmlns:a16="http://schemas.microsoft.com/office/drawing/2014/main" id="{537BC31B-31E9-8035-80C1-DE36898EE60F}"/>
-              </a:ext>
-            </a:extLst>
-          </p:cNvPr>
+          <p:cNvPr id="6" name="Rectangle 5"/>
           <p:cNvSpPr/>
           <p:nvPr/>
         </p:nvSpPr>
@@ -16665,13 +14871,7 @@
       </p:sp>
       <p:sp>
         <p:nvSpPr>
-          <p:cNvPr id="7" name="Rectangle 6">
-            <a:extLst>
-              <a:ext uri="{FF2B5EF4-FFF2-40B4-BE49-F238E27FC236}">
-                <a16:creationId xmlns:a16="http://schemas.microsoft.com/office/drawing/2014/main" id="{53D92844-5760-21C6-785C-96A3A154F55F}"/>
-              </a:ext>
-            </a:extLst>
-          </p:cNvPr>
+          <p:cNvPr id="7" name="Rectangle 6"/>
           <p:cNvSpPr/>
           <p:nvPr/>
         </p:nvSpPr>
@@ -16719,13 +14919,7 @@
       </p:sp>
       <p:sp>
         <p:nvSpPr>
-          <p:cNvPr id="8" name="Rectangle 7">
-            <a:extLst>
-              <a:ext uri="{FF2B5EF4-FFF2-40B4-BE49-F238E27FC236}">
-                <a16:creationId xmlns:a16="http://schemas.microsoft.com/office/drawing/2014/main" id="{C3CC34CF-F5EA-40BD-0073-697905531E31}"/>
-              </a:ext>
-            </a:extLst>
-          </p:cNvPr>
+          <p:cNvPr id="8" name="Rectangle 7"/>
           <p:cNvSpPr/>
           <p:nvPr/>
         </p:nvSpPr>
@@ -16773,13 +14967,7 @@
       </p:sp>
       <p:sp>
         <p:nvSpPr>
-          <p:cNvPr id="9" name="Rectangle 8">
-            <a:extLst>
-              <a:ext uri="{FF2B5EF4-FFF2-40B4-BE49-F238E27FC236}">
-                <a16:creationId xmlns:a16="http://schemas.microsoft.com/office/drawing/2014/main" id="{47B2162D-6B25-E4EA-6146-E37E8DAD5BDC}"/>
-              </a:ext>
-            </a:extLst>
-          </p:cNvPr>
+          <p:cNvPr id="9" name="Rectangle 8"/>
           <p:cNvSpPr/>
           <p:nvPr/>
         </p:nvSpPr>
@@ -16827,13 +15015,7 @@
       </p:sp>
       <p:sp>
         <p:nvSpPr>
-          <p:cNvPr id="10" name="Rectangle 9">
-            <a:extLst>
-              <a:ext uri="{FF2B5EF4-FFF2-40B4-BE49-F238E27FC236}">
-                <a16:creationId xmlns:a16="http://schemas.microsoft.com/office/drawing/2014/main" id="{28552630-B138-386A-D8FA-867AEAF77924}"/>
-              </a:ext>
-            </a:extLst>
-          </p:cNvPr>
+          <p:cNvPr id="10" name="Rectangle 9"/>
           <p:cNvSpPr/>
           <p:nvPr/>
         </p:nvSpPr>
@@ -16882,12 +15064,7 @@
       <p:sp>
         <p:nvSpPr>
           <p:cNvPr id="14" name="Arrow: Right 13">
-            <a:hlinkClick r:id="rId2" action="ppaction://hlinksldjump"/>
-            <a:extLst>
-              <a:ext uri="{FF2B5EF4-FFF2-40B4-BE49-F238E27FC236}">
-                <a16:creationId xmlns:a16="http://schemas.microsoft.com/office/drawing/2014/main" id="{11291A82-30D1-0FDA-9E23-BB7783CF0124}"/>
-              </a:ext>
-            </a:extLst>
+            <a:hlinkClick r:id="rId1" action="ppaction://hlinksldjump"/>
           </p:cNvPr>
           <p:cNvSpPr/>
           <p:nvPr/>
@@ -16932,13 +15109,7 @@
       </p:sp>
       <p:sp>
         <p:nvSpPr>
-          <p:cNvPr id="11" name="Rectangle: Rounded Corners 10">
-            <a:extLst>
-              <a:ext uri="{FF2B5EF4-FFF2-40B4-BE49-F238E27FC236}">
-                <a16:creationId xmlns:a16="http://schemas.microsoft.com/office/drawing/2014/main" id="{584D2F19-06E5-EEF0-502D-CB71FE95B3E5}"/>
-              </a:ext>
-            </a:extLst>
-          </p:cNvPr>
+          <p:cNvPr id="11" name="Rectangle: Rounded Corners 10"/>
           <p:cNvSpPr/>
           <p:nvPr/>
         </p:nvSpPr>
@@ -17000,11 +15171,6 @@
         </p:txBody>
       </p:sp>
     </p:spTree>
-    <p:extLst>
-      <p:ext uri="{BB962C8B-B14F-4D97-AF65-F5344CB8AC3E}">
-        <p14:creationId xmlns:p14="http://schemas.microsoft.com/office/powerpoint/2010/main" val="1959320885"/>
-      </p:ext>
-    </p:extLst>
   </p:cSld>
   <p:clrMapOvr>
     <a:masterClrMapping/>
@@ -17031,13 +15197,7 @@
       </p:grpSpPr>
       <p:sp>
         <p:nvSpPr>
-          <p:cNvPr id="2" name="Rectangle 1">
-            <a:extLst>
-              <a:ext uri="{FF2B5EF4-FFF2-40B4-BE49-F238E27FC236}">
-                <a16:creationId xmlns:a16="http://schemas.microsoft.com/office/drawing/2014/main" id="{5373C233-8ACA-8BA6-4171-E574282538B2}"/>
-              </a:ext>
-            </a:extLst>
-          </p:cNvPr>
+          <p:cNvPr id="2" name="Rectangle 1"/>
           <p:cNvSpPr/>
           <p:nvPr/>
         </p:nvSpPr>
@@ -17085,13 +15245,7 @@
       </p:sp>
       <p:sp>
         <p:nvSpPr>
-          <p:cNvPr id="3" name="Rectangle 2">
-            <a:extLst>
-              <a:ext uri="{FF2B5EF4-FFF2-40B4-BE49-F238E27FC236}">
-                <a16:creationId xmlns:a16="http://schemas.microsoft.com/office/drawing/2014/main" id="{B3325AC8-E1A6-A992-32CE-171D4C2C0360}"/>
-              </a:ext>
-            </a:extLst>
-          </p:cNvPr>
+          <p:cNvPr id="3" name="Rectangle 2"/>
           <p:cNvSpPr/>
           <p:nvPr/>
         </p:nvSpPr>
@@ -17139,13 +15293,7 @@
       </p:sp>
       <p:sp>
         <p:nvSpPr>
-          <p:cNvPr id="4" name="Rectangle 3">
-            <a:extLst>
-              <a:ext uri="{FF2B5EF4-FFF2-40B4-BE49-F238E27FC236}">
-                <a16:creationId xmlns:a16="http://schemas.microsoft.com/office/drawing/2014/main" id="{B03C018C-D347-D0E7-9DCF-1C8EEA600472}"/>
-              </a:ext>
-            </a:extLst>
-          </p:cNvPr>
+          <p:cNvPr id="4" name="Rectangle 3"/>
           <p:cNvSpPr/>
           <p:nvPr/>
         </p:nvSpPr>
@@ -17193,13 +15341,7 @@
       </p:sp>
       <p:sp>
         <p:nvSpPr>
-          <p:cNvPr id="5" name="Rectangle 4">
-            <a:extLst>
-              <a:ext uri="{FF2B5EF4-FFF2-40B4-BE49-F238E27FC236}">
-                <a16:creationId xmlns:a16="http://schemas.microsoft.com/office/drawing/2014/main" id="{E524CE91-9C2D-23FC-2BA0-53B33498DA9B}"/>
-              </a:ext>
-            </a:extLst>
-          </p:cNvPr>
+          <p:cNvPr id="5" name="Rectangle 4"/>
           <p:cNvSpPr/>
           <p:nvPr/>
         </p:nvSpPr>
@@ -17247,13 +15389,7 @@
       </p:sp>
       <p:sp>
         <p:nvSpPr>
-          <p:cNvPr id="6" name="Rectangle 5">
-            <a:extLst>
-              <a:ext uri="{FF2B5EF4-FFF2-40B4-BE49-F238E27FC236}">
-                <a16:creationId xmlns:a16="http://schemas.microsoft.com/office/drawing/2014/main" id="{537BC31B-31E9-8035-80C1-DE36898EE60F}"/>
-              </a:ext>
-            </a:extLst>
-          </p:cNvPr>
+          <p:cNvPr id="6" name="Rectangle 5"/>
           <p:cNvSpPr/>
           <p:nvPr/>
         </p:nvSpPr>
@@ -17301,13 +15437,7 @@
       </p:sp>
       <p:sp>
         <p:nvSpPr>
-          <p:cNvPr id="7" name="Rectangle 6">
-            <a:extLst>
-              <a:ext uri="{FF2B5EF4-FFF2-40B4-BE49-F238E27FC236}">
-                <a16:creationId xmlns:a16="http://schemas.microsoft.com/office/drawing/2014/main" id="{53D92844-5760-21C6-785C-96A3A154F55F}"/>
-              </a:ext>
-            </a:extLst>
-          </p:cNvPr>
+          <p:cNvPr id="7" name="Rectangle 6"/>
           <p:cNvSpPr/>
           <p:nvPr/>
         </p:nvSpPr>
@@ -17355,13 +15485,7 @@
       </p:sp>
       <p:sp>
         <p:nvSpPr>
-          <p:cNvPr id="8" name="Rectangle 7">
-            <a:extLst>
-              <a:ext uri="{FF2B5EF4-FFF2-40B4-BE49-F238E27FC236}">
-                <a16:creationId xmlns:a16="http://schemas.microsoft.com/office/drawing/2014/main" id="{C3CC34CF-F5EA-40BD-0073-697905531E31}"/>
-              </a:ext>
-            </a:extLst>
-          </p:cNvPr>
+          <p:cNvPr id="8" name="Rectangle 7"/>
           <p:cNvSpPr/>
           <p:nvPr/>
         </p:nvSpPr>
@@ -17409,13 +15533,7 @@
       </p:sp>
       <p:sp>
         <p:nvSpPr>
-          <p:cNvPr id="9" name="Rectangle 8">
-            <a:extLst>
-              <a:ext uri="{FF2B5EF4-FFF2-40B4-BE49-F238E27FC236}">
-                <a16:creationId xmlns:a16="http://schemas.microsoft.com/office/drawing/2014/main" id="{47B2162D-6B25-E4EA-6146-E37E8DAD5BDC}"/>
-              </a:ext>
-            </a:extLst>
-          </p:cNvPr>
+          <p:cNvPr id="9" name="Rectangle 8"/>
           <p:cNvSpPr/>
           <p:nvPr/>
         </p:nvSpPr>
@@ -17463,13 +15581,7 @@
       </p:sp>
       <p:sp>
         <p:nvSpPr>
-          <p:cNvPr id="10" name="Rectangle 9">
-            <a:extLst>
-              <a:ext uri="{FF2B5EF4-FFF2-40B4-BE49-F238E27FC236}">
-                <a16:creationId xmlns:a16="http://schemas.microsoft.com/office/drawing/2014/main" id="{28552630-B138-386A-D8FA-867AEAF77924}"/>
-              </a:ext>
-            </a:extLst>
-          </p:cNvPr>
+          <p:cNvPr id="10" name="Rectangle 9"/>
           <p:cNvSpPr/>
           <p:nvPr/>
         </p:nvSpPr>
@@ -17518,12 +15630,7 @@
       <p:sp>
         <p:nvSpPr>
           <p:cNvPr id="18" name="Arrow: Right 17">
-            <a:hlinkClick r:id="rId2" action="ppaction://hlinksldjump"/>
-            <a:extLst>
-              <a:ext uri="{FF2B5EF4-FFF2-40B4-BE49-F238E27FC236}">
-                <a16:creationId xmlns:a16="http://schemas.microsoft.com/office/drawing/2014/main" id="{620B04C7-0603-1293-5D59-822602F10645}"/>
-              </a:ext>
-            </a:extLst>
+            <a:hlinkClick r:id="rId1" action="ppaction://hlinksldjump"/>
           </p:cNvPr>
           <p:cNvSpPr/>
           <p:nvPr/>
@@ -17568,13 +15675,7 @@
       </p:sp>
       <p:sp>
         <p:nvSpPr>
-          <p:cNvPr id="19" name="Rectangle 18">
-            <a:extLst>
-              <a:ext uri="{FF2B5EF4-FFF2-40B4-BE49-F238E27FC236}">
-                <a16:creationId xmlns:a16="http://schemas.microsoft.com/office/drawing/2014/main" id="{8F44AB91-A63F-3867-1B7A-B402C4378680}"/>
-              </a:ext>
-            </a:extLst>
-          </p:cNvPr>
+          <p:cNvPr id="19" name="Rectangle 18"/>
           <p:cNvSpPr/>
           <p:nvPr/>
         </p:nvSpPr>
@@ -17629,61 +15730,61 @@
             </a:r>
             <a:r>
               <a:rPr lang="en-US" dirty="0" err="1">
-                <a:hlinkClick r:id="rId3" action="ppaction://hlinksldjump"/>
+                <a:hlinkClick r:id="rId2" action="ppaction://hlinksldjump"/>
               </a:rPr>
               <a:t>nama</a:t>
             </a:r>
             <a:r>
               <a:rPr lang="en-US" dirty="0">
-                <a:hlinkClick r:id="rId3" action="ppaction://hlinksldjump"/>
+                <a:hlinkClick r:id="rId2" action="ppaction://hlinksldjump"/>
               </a:rPr>
               <a:t> </a:t>
             </a:r>
             <a:r>
               <a:rPr lang="en-US" dirty="0" err="1">
-                <a:hlinkClick r:id="rId3" action="ppaction://hlinksldjump"/>
+                <a:hlinkClick r:id="rId2" action="ppaction://hlinksldjump"/>
               </a:rPr>
               <a:t>kolom</a:t>
             </a:r>
             <a:r>
               <a:rPr lang="en-US" dirty="0">
-                <a:hlinkClick r:id="rId3" action="ppaction://hlinksldjump"/>
+                <a:hlinkClick r:id="rId2" action="ppaction://hlinksldjump"/>
               </a:rPr>
               <a:t> yang </a:t>
             </a:r>
             <a:r>
               <a:rPr lang="en-US" dirty="0" err="1">
-                <a:hlinkClick r:id="rId3" action="ppaction://hlinksldjump"/>
+                <a:hlinkClick r:id="rId2" action="ppaction://hlinksldjump"/>
               </a:rPr>
               <a:t>datanya</a:t>
             </a:r>
             <a:r>
               <a:rPr lang="en-US" dirty="0">
-                <a:hlinkClick r:id="rId3" action="ppaction://hlinksldjump"/>
+                <a:hlinkClick r:id="rId2" action="ppaction://hlinksldjump"/>
               </a:rPr>
               <a:t> </a:t>
             </a:r>
             <a:r>
               <a:rPr lang="en-US" dirty="0" err="1">
-                <a:hlinkClick r:id="rId3" action="ppaction://hlinksldjump"/>
+                <a:hlinkClick r:id="rId2" action="ppaction://hlinksldjump"/>
               </a:rPr>
               <a:t>dipilih</a:t>
             </a:r>
             <a:r>
               <a:rPr lang="en-US" dirty="0">
-                <a:hlinkClick r:id="rId3" action="ppaction://hlinksldjump"/>
+                <a:hlinkClick r:id="rId2" action="ppaction://hlinksldjump"/>
               </a:rPr>
               <a:t> untuk </a:t>
             </a:r>
             <a:r>
               <a:rPr lang="en-US" dirty="0" err="1">
-                <a:hlinkClick r:id="rId3" action="ppaction://hlinksldjump"/>
+                <a:hlinkClick r:id="rId2" action="ppaction://hlinksldjump"/>
               </a:rPr>
               <a:t>dikelompokkan</a:t>
             </a:r>
             <a:r>
               <a:rPr lang="en-US" dirty="0">
-                <a:hlinkClick r:id="rId3" action="ppaction://hlinksldjump"/>
+                <a:hlinkClick r:id="rId2" action="ppaction://hlinksldjump"/>
               </a:rPr>
               <a:t>.</a:t>
             </a:r>
@@ -17696,11 +15797,6 @@
         </p:txBody>
       </p:sp>
     </p:spTree>
-    <p:extLst>
-      <p:ext uri="{BB962C8B-B14F-4D97-AF65-F5344CB8AC3E}">
-        <p14:creationId xmlns:p14="http://schemas.microsoft.com/office/powerpoint/2010/main" val="2499461086"/>
-      </p:ext>
-    </p:extLst>
   </p:cSld>
   <p:clrMapOvr>
     <a:masterClrMapping/>
@@ -17727,13 +15823,7 @@
       </p:grpSpPr>
       <p:sp>
         <p:nvSpPr>
-          <p:cNvPr id="2" name="Rectangle 1">
-            <a:extLst>
-              <a:ext uri="{FF2B5EF4-FFF2-40B4-BE49-F238E27FC236}">
-                <a16:creationId xmlns:a16="http://schemas.microsoft.com/office/drawing/2014/main" id="{5373C233-8ACA-8BA6-4171-E574282538B2}"/>
-              </a:ext>
-            </a:extLst>
-          </p:cNvPr>
+          <p:cNvPr id="2" name="Rectangle 1"/>
           <p:cNvSpPr/>
           <p:nvPr/>
         </p:nvSpPr>
@@ -17781,13 +15871,7 @@
       </p:sp>
       <p:sp>
         <p:nvSpPr>
-          <p:cNvPr id="3" name="Rectangle 2">
-            <a:extLst>
-              <a:ext uri="{FF2B5EF4-FFF2-40B4-BE49-F238E27FC236}">
-                <a16:creationId xmlns:a16="http://schemas.microsoft.com/office/drawing/2014/main" id="{B3325AC8-E1A6-A992-32CE-171D4C2C0360}"/>
-              </a:ext>
-            </a:extLst>
-          </p:cNvPr>
+          <p:cNvPr id="3" name="Rectangle 2"/>
           <p:cNvSpPr/>
           <p:nvPr/>
         </p:nvSpPr>
@@ -17835,13 +15919,7 @@
       </p:sp>
       <p:sp>
         <p:nvSpPr>
-          <p:cNvPr id="4" name="Rectangle 3">
-            <a:extLst>
-              <a:ext uri="{FF2B5EF4-FFF2-40B4-BE49-F238E27FC236}">
-                <a16:creationId xmlns:a16="http://schemas.microsoft.com/office/drawing/2014/main" id="{B03C018C-D347-D0E7-9DCF-1C8EEA600472}"/>
-              </a:ext>
-            </a:extLst>
-          </p:cNvPr>
+          <p:cNvPr id="4" name="Rectangle 3"/>
           <p:cNvSpPr/>
           <p:nvPr/>
         </p:nvSpPr>
@@ -17889,13 +15967,7 @@
       </p:sp>
       <p:sp>
         <p:nvSpPr>
-          <p:cNvPr id="5" name="Rectangle 4">
-            <a:extLst>
-              <a:ext uri="{FF2B5EF4-FFF2-40B4-BE49-F238E27FC236}">
-                <a16:creationId xmlns:a16="http://schemas.microsoft.com/office/drawing/2014/main" id="{E524CE91-9C2D-23FC-2BA0-53B33498DA9B}"/>
-              </a:ext>
-            </a:extLst>
-          </p:cNvPr>
+          <p:cNvPr id="5" name="Rectangle 4"/>
           <p:cNvSpPr/>
           <p:nvPr/>
         </p:nvSpPr>
@@ -17943,13 +16015,7 @@
       </p:sp>
       <p:sp>
         <p:nvSpPr>
-          <p:cNvPr id="6" name="Rectangle 5">
-            <a:extLst>
-              <a:ext uri="{FF2B5EF4-FFF2-40B4-BE49-F238E27FC236}">
-                <a16:creationId xmlns:a16="http://schemas.microsoft.com/office/drawing/2014/main" id="{537BC31B-31E9-8035-80C1-DE36898EE60F}"/>
-              </a:ext>
-            </a:extLst>
-          </p:cNvPr>
+          <p:cNvPr id="6" name="Rectangle 5"/>
           <p:cNvSpPr/>
           <p:nvPr/>
         </p:nvSpPr>
@@ -17997,13 +16063,7 @@
       </p:sp>
       <p:sp>
         <p:nvSpPr>
-          <p:cNvPr id="7" name="Rectangle 6">
-            <a:extLst>
-              <a:ext uri="{FF2B5EF4-FFF2-40B4-BE49-F238E27FC236}">
-                <a16:creationId xmlns:a16="http://schemas.microsoft.com/office/drawing/2014/main" id="{53D92844-5760-21C6-785C-96A3A154F55F}"/>
-              </a:ext>
-            </a:extLst>
-          </p:cNvPr>
+          <p:cNvPr id="7" name="Rectangle 6"/>
           <p:cNvSpPr/>
           <p:nvPr/>
         </p:nvSpPr>
@@ -18051,13 +16111,7 @@
       </p:sp>
       <p:sp>
         <p:nvSpPr>
-          <p:cNvPr id="8" name="Rectangle 7">
-            <a:extLst>
-              <a:ext uri="{FF2B5EF4-FFF2-40B4-BE49-F238E27FC236}">
-                <a16:creationId xmlns:a16="http://schemas.microsoft.com/office/drawing/2014/main" id="{C3CC34CF-F5EA-40BD-0073-697905531E31}"/>
-              </a:ext>
-            </a:extLst>
-          </p:cNvPr>
+          <p:cNvPr id="8" name="Rectangle 7"/>
           <p:cNvSpPr/>
           <p:nvPr/>
         </p:nvSpPr>
@@ -18105,13 +16159,7 @@
       </p:sp>
       <p:sp>
         <p:nvSpPr>
-          <p:cNvPr id="9" name="Rectangle 8">
-            <a:extLst>
-              <a:ext uri="{FF2B5EF4-FFF2-40B4-BE49-F238E27FC236}">
-                <a16:creationId xmlns:a16="http://schemas.microsoft.com/office/drawing/2014/main" id="{47B2162D-6B25-E4EA-6146-E37E8DAD5BDC}"/>
-              </a:ext>
-            </a:extLst>
-          </p:cNvPr>
+          <p:cNvPr id="9" name="Rectangle 8"/>
           <p:cNvSpPr/>
           <p:nvPr/>
         </p:nvSpPr>
@@ -18159,13 +16207,7 @@
       </p:sp>
       <p:sp>
         <p:nvSpPr>
-          <p:cNvPr id="10" name="Rectangle 9">
-            <a:extLst>
-              <a:ext uri="{FF2B5EF4-FFF2-40B4-BE49-F238E27FC236}">
-                <a16:creationId xmlns:a16="http://schemas.microsoft.com/office/drawing/2014/main" id="{28552630-B138-386A-D8FA-867AEAF77924}"/>
-              </a:ext>
-            </a:extLst>
-          </p:cNvPr>
+          <p:cNvPr id="10" name="Rectangle 9"/>
           <p:cNvSpPr/>
           <p:nvPr/>
         </p:nvSpPr>
@@ -18214,12 +16256,7 @@
       <p:sp>
         <p:nvSpPr>
           <p:cNvPr id="18" name="Arrow: Right 17">
-            <a:hlinkClick r:id="rId2" action="ppaction://hlinksldjump"/>
-            <a:extLst>
-              <a:ext uri="{FF2B5EF4-FFF2-40B4-BE49-F238E27FC236}">
-                <a16:creationId xmlns:a16="http://schemas.microsoft.com/office/drawing/2014/main" id="{620B04C7-0603-1293-5D59-822602F10645}"/>
-              </a:ext>
-            </a:extLst>
+            <a:hlinkClick r:id="rId1" action="ppaction://hlinksldjump"/>
           </p:cNvPr>
           <p:cNvSpPr/>
           <p:nvPr/>
@@ -18264,13 +16301,7 @@
       </p:sp>
       <p:sp>
         <p:nvSpPr>
-          <p:cNvPr id="11" name="Rectangle: Rounded Corners 10">
-            <a:extLst>
-              <a:ext uri="{FF2B5EF4-FFF2-40B4-BE49-F238E27FC236}">
-                <a16:creationId xmlns:a16="http://schemas.microsoft.com/office/drawing/2014/main" id="{E6CCB85E-A96B-3B01-2450-14F70E0DA38F}"/>
-              </a:ext>
-            </a:extLst>
-          </p:cNvPr>
+          <p:cNvPr id="11" name="Rectangle: Rounded Corners 10"/>
           <p:cNvSpPr/>
           <p:nvPr/>
         </p:nvSpPr>
@@ -18332,11 +16363,6 @@
         </p:txBody>
       </p:sp>
     </p:spTree>
-    <p:extLst>
-      <p:ext uri="{BB962C8B-B14F-4D97-AF65-F5344CB8AC3E}">
-        <p14:creationId xmlns:p14="http://schemas.microsoft.com/office/powerpoint/2010/main" val="2161752731"/>
-      </p:ext>
-    </p:extLst>
   </p:cSld>
   <p:clrMapOvr>
     <a:masterClrMapping/>
@@ -18387,7 +16413,7 @@
     </a:clrScheme>
     <a:fontScheme name="Office">
       <a:majorFont>
-        <a:latin typeface="Calibri Light" panose="020F0302020204030204"/>
+        <a:latin typeface="Calibri Light"/>
         <a:ea typeface=""/>
         <a:cs typeface=""/>
         <a:font script="Jpan" typeface="游ゴシック Light"/>
@@ -18420,26 +16446,9 @@
         <a:font script="Viet" typeface="Times New Roman"/>
         <a:font script="Uigh" typeface="Microsoft Uighur"/>
         <a:font script="Geor" typeface="Sylfaen"/>
-        <a:font script="Armn" typeface="Arial"/>
-        <a:font script="Bugi" typeface="Leelawadee UI"/>
-        <a:font script="Bopo" typeface="Microsoft JhengHei"/>
-        <a:font script="Java" typeface="Javanese Text"/>
-        <a:font script="Lisu" typeface="Segoe UI"/>
-        <a:font script="Mymr" typeface="Myanmar Text"/>
-        <a:font script="Nkoo" typeface="Ebrima"/>
-        <a:font script="Olck" typeface="Nirmala UI"/>
-        <a:font script="Osma" typeface="Ebrima"/>
-        <a:font script="Phag" typeface="Phagspa"/>
-        <a:font script="Syrn" typeface="Estrangelo Edessa"/>
-        <a:font script="Syrj" typeface="Estrangelo Edessa"/>
-        <a:font script="Syre" typeface="Estrangelo Edessa"/>
-        <a:font script="Sora" typeface="Nirmala UI"/>
-        <a:font script="Tale" typeface="Microsoft Tai Le"/>
-        <a:font script="Talu" typeface="Microsoft New Tai Lue"/>
-        <a:font script="Tfng" typeface="Ebrima"/>
       </a:majorFont>
       <a:minorFont>
-        <a:latin typeface="Calibri" panose="020F0502020204030204"/>
+        <a:latin typeface="Calibri"/>
         <a:ea typeface=""/>
         <a:cs typeface=""/>
         <a:font script="Jpan" typeface="游ゴシック"/>
@@ -18472,23 +16481,6 @@
         <a:font script="Viet" typeface="Arial"/>
         <a:font script="Uigh" typeface="Microsoft Uighur"/>
         <a:font script="Geor" typeface="Sylfaen"/>
-        <a:font script="Armn" typeface="Arial"/>
-        <a:font script="Bugi" typeface="Leelawadee UI"/>
-        <a:font script="Bopo" typeface="Microsoft JhengHei"/>
-        <a:font script="Java" typeface="Javanese Text"/>
-        <a:font script="Lisu" typeface="Segoe UI"/>
-        <a:font script="Mymr" typeface="Myanmar Text"/>
-        <a:font script="Nkoo" typeface="Ebrima"/>
-        <a:font script="Olck" typeface="Nirmala UI"/>
-        <a:font script="Osma" typeface="Ebrima"/>
-        <a:font script="Phag" typeface="Phagspa"/>
-        <a:font script="Syrn" typeface="Estrangelo Edessa"/>
-        <a:font script="Syrj" typeface="Estrangelo Edessa"/>
-        <a:font script="Syre" typeface="Estrangelo Edessa"/>
-        <a:font script="Sora" typeface="Nirmala UI"/>
-        <a:font script="Tale" typeface="Microsoft Tai Le"/>
-        <a:font script="Talu" typeface="Microsoft New Tai Lue"/>
-        <a:font script="Tfng" typeface="Ebrima"/>
       </a:minorFont>
     </a:fontScheme>
     <a:fmtScheme name="Office">
@@ -18629,8 +16621,6 @@
       </a:bgFillStyleLst>
     </a:fmtScheme>
   </a:themeElements>
-  <a:objectDefaults/>
-  <a:extraClrSchemeLst/>
   <a:extLst>
     <a:ext uri="{05A4C25C-085E-4340-85A3-A5531E510DB2}">
       <thm15:themeFamily xmlns:thm15="http://schemas.microsoft.com/office/thememl/2012/main" name="Office Theme" id="{62F939B6-93AF-4DB8-9C6B-D6C7DFDC589F}" vid="{4A3C46E8-61CC-4603-A589-7422A47A8E4A}"/>
